--- a/Presentatie.pptx
+++ b/Presentatie.pptx
@@ -8,13 +8,12 @@
     <p:sldId id="265" r:id="rId2"/>
     <p:sldId id="264" r:id="rId3"/>
     <p:sldId id="266" r:id="rId4"/>
-    <p:sldId id="261" r:id="rId5"/>
-    <p:sldId id="257" r:id="rId6"/>
-    <p:sldId id="262" r:id="rId7"/>
-    <p:sldId id="263" r:id="rId8"/>
-    <p:sldId id="258" r:id="rId9"/>
-    <p:sldId id="259" r:id="rId10"/>
-    <p:sldId id="260" r:id="rId11"/>
+    <p:sldId id="257" r:id="rId5"/>
+    <p:sldId id="262" r:id="rId6"/>
+    <p:sldId id="263" r:id="rId7"/>
+    <p:sldId id="258" r:id="rId8"/>
+    <p:sldId id="259" r:id="rId9"/>
+    <p:sldId id="260" r:id="rId10"/>
   </p:sldIdLst>
   <p:sldSz cx="12192000" cy="6858000"/>
   <p:notesSz cx="6858000" cy="9144000"/>
@@ -113,13 +112,18 @@
       </a:defRPr>
     </a:lvl9pPr>
   </p:defaultTextStyle>
+  <p:extLst>
+    <p:ext uri="{EFAFB233-063F-42B5-8137-9DF3F51BA10A}">
+      <p15:sldGuideLst xmlns:p15="http://schemas.microsoft.com/office/powerpoint/2012/main"/>
+    </p:ext>
+  </p:extLst>
 </p:presentation>
 </file>
 
 <file path=ppt/revisionInfo.xml><?xml version="1.0" encoding="utf-8"?>
 <p1510:revInfo xmlns:a="http://schemas.openxmlformats.org/drawingml/2006/main" xmlns:r="http://schemas.openxmlformats.org/officeDocument/2006/relationships" xmlns:p1510="http://schemas.microsoft.com/office/powerpoint/2015/10/main">
   <p1510:revLst>
-    <p1510:client id="{90CC98FA-02B7-43F6-BC7E-4089C16D9251}" v="9" dt="2022-06-16T11:24:07.023"/>
+    <p1510:client id="{90CC98FA-02B7-43F6-BC7E-4089C16D9251}" v="13" dt="2022-06-16T14:42:30.758"/>
   </p1510:revLst>
 </p1510:revInfo>
 </file>
@@ -129,7 +133,7 @@
   <pc:docChgLst>
     <pc:chgData name="Marc Jurriens" userId="1c5535c1db43cb11" providerId="LiveId" clId="{90CC98FA-02B7-43F6-BC7E-4089C16D9251}"/>
     <pc:docChg chg="undo custSel addSld delSld modSld sldOrd">
-      <pc:chgData name="Marc Jurriens" userId="1c5535c1db43cb11" providerId="LiveId" clId="{90CC98FA-02B7-43F6-BC7E-4089C16D9251}" dt="2022-06-16T12:25:49.569" v="1586" actId="47"/>
+      <pc:chgData name="Marc Jurriens" userId="1c5535c1db43cb11" providerId="LiveId" clId="{90CC98FA-02B7-43F6-BC7E-4089C16D9251}" dt="2022-06-16T18:43:09.304" v="2211" actId="20577"/>
       <pc:docMkLst>
         <pc:docMk/>
       </pc:docMkLst>
@@ -257,8 +261,8 @@
           </ac:spMkLst>
         </pc:spChg>
       </pc:sldChg>
-      <pc:sldChg chg="addSp delSp new mod">
-        <pc:chgData name="Marc Jurriens" userId="1c5535c1db43cb11" providerId="LiveId" clId="{90CC98FA-02B7-43F6-BC7E-4089C16D9251}" dt="2022-06-16T11:12:48.424" v="20" actId="478"/>
+      <pc:sldChg chg="addSp delSp modSp new mod">
+        <pc:chgData name="Marc Jurriens" userId="1c5535c1db43cb11" providerId="LiveId" clId="{90CC98FA-02B7-43F6-BC7E-4089C16D9251}" dt="2022-06-16T18:43:09.304" v="2211" actId="20577"/>
         <pc:sldMkLst>
           <pc:docMk/>
           <pc:sldMk cId="3804910339" sldId="260"/>
@@ -279,8 +283,8 @@
             <ac:spMk id="3" creationId="{124E0A0F-C017-49CD-BDFE-5463FAAB34E2}"/>
           </ac:spMkLst>
         </pc:spChg>
-        <pc:spChg chg="add">
-          <ac:chgData name="Marc Jurriens" userId="1c5535c1db43cb11" providerId="LiveId" clId="{90CC98FA-02B7-43F6-BC7E-4089C16D9251}" dt="2022-06-16T11:11:15.292" v="8" actId="22"/>
+        <pc:spChg chg="add mod">
+          <ac:chgData name="Marc Jurriens" userId="1c5535c1db43cb11" providerId="LiveId" clId="{90CC98FA-02B7-43F6-BC7E-4089C16D9251}" dt="2022-06-16T18:43:09.304" v="2211" actId="20577"/>
           <ac:spMkLst>
             <pc:docMk/>
             <pc:sldMk cId="3804910339" sldId="260"/>
@@ -288,8 +292,15 @@
           </ac:spMkLst>
         </pc:spChg>
       </pc:sldChg>
-      <pc:sldChg chg="addSp delSp modSp new mod">
-        <pc:chgData name="Marc Jurriens" userId="1c5535c1db43cb11" providerId="LiveId" clId="{90CC98FA-02B7-43F6-BC7E-4089C16D9251}" dt="2022-06-16T12:11:09.557" v="1354" actId="21"/>
+      <pc:sldChg chg="add del">
+        <pc:chgData name="Marc Jurriens" userId="1c5535c1db43cb11" providerId="LiveId" clId="{90CC98FA-02B7-43F6-BC7E-4089C16D9251}" dt="2022-06-16T14:38:15.045" v="2153" actId="47"/>
+        <pc:sldMkLst>
+          <pc:docMk/>
+          <pc:sldMk cId="1054302993" sldId="261"/>
+        </pc:sldMkLst>
+      </pc:sldChg>
+      <pc:sldChg chg="addSp delSp modSp new del mod">
+        <pc:chgData name="Marc Jurriens" userId="1c5535c1db43cb11" providerId="LiveId" clId="{90CC98FA-02B7-43F6-BC7E-4089C16D9251}" dt="2022-06-16T14:37:22.364" v="2145" actId="2696"/>
         <pc:sldMkLst>
           <pc:docMk/>
           <pc:sldMk cId="2032551460" sldId="261"/>
@@ -350,14 +361,14 @@
           </ac:picMkLst>
         </pc:picChg>
       </pc:sldChg>
-      <pc:sldChg chg="modSp new mod">
-        <pc:chgData name="Marc Jurriens" userId="1c5535c1db43cb11" providerId="LiveId" clId="{90CC98FA-02B7-43F6-BC7E-4089C16D9251}" dt="2022-06-16T11:40:35.011" v="906"/>
+      <pc:sldChg chg="addSp modSp new mod">
+        <pc:chgData name="Marc Jurriens" userId="1c5535c1db43cb11" providerId="LiveId" clId="{90CC98FA-02B7-43F6-BC7E-4089C16D9251}" dt="2022-06-16T14:42:53.916" v="2181" actId="20577"/>
         <pc:sldMkLst>
           <pc:docMk/>
           <pc:sldMk cId="236614511" sldId="263"/>
         </pc:sldMkLst>
         <pc:spChg chg="mod">
-          <ac:chgData name="Marc Jurriens" userId="1c5535c1db43cb11" providerId="LiveId" clId="{90CC98FA-02B7-43F6-BC7E-4089C16D9251}" dt="2022-06-16T11:38:42.567" v="714" actId="20577"/>
+          <ac:chgData name="Marc Jurriens" userId="1c5535c1db43cb11" providerId="LiveId" clId="{90CC98FA-02B7-43F6-BC7E-4089C16D9251}" dt="2022-06-16T14:42:30.472" v="2155" actId="20577"/>
           <ac:spMkLst>
             <pc:docMk/>
             <pc:sldMk cId="236614511" sldId="263"/>
@@ -365,13 +376,21 @@
           </ac:spMkLst>
         </pc:spChg>
         <pc:spChg chg="mod">
-          <ac:chgData name="Marc Jurriens" userId="1c5535c1db43cb11" providerId="LiveId" clId="{90CC98FA-02B7-43F6-BC7E-4089C16D9251}" dt="2022-06-16T11:40:35.011" v="906"/>
+          <ac:chgData name="Marc Jurriens" userId="1c5535c1db43cb11" providerId="LiveId" clId="{90CC98FA-02B7-43F6-BC7E-4089C16D9251}" dt="2022-06-16T14:42:53.916" v="2181" actId="20577"/>
           <ac:spMkLst>
             <pc:docMk/>
             <pc:sldMk cId="236614511" sldId="263"/>
             <ac:spMk id="3" creationId="{9BBE8BDB-8957-4257-9B1F-91DBEEA64B9E}"/>
           </ac:spMkLst>
         </pc:spChg>
+        <pc:picChg chg="add mod">
+          <ac:chgData name="Marc Jurriens" userId="1c5535c1db43cb11" providerId="LiveId" clId="{90CC98FA-02B7-43F6-BC7E-4089C16D9251}" dt="2022-06-16T14:42:30.758" v="2156"/>
+          <ac:picMkLst>
+            <pc:docMk/>
+            <pc:sldMk cId="236614511" sldId="263"/>
+            <ac:picMk id="4" creationId="{85E5AA4B-5680-4C00-8FBA-8E6B5DA9595A}"/>
+          </ac:picMkLst>
+        </pc:picChg>
       </pc:sldChg>
       <pc:sldChg chg="modSp new mod">
         <pc:chgData name="Marc Jurriens" userId="1c5535c1db43cb11" providerId="LiveId" clId="{90CC98FA-02B7-43F6-BC7E-4089C16D9251}" dt="2022-06-16T12:07:16.267" v="1217" actId="20577"/>
@@ -419,8 +438,8 @@
           </ac:spMkLst>
         </pc:spChg>
       </pc:sldChg>
-      <pc:sldChg chg="modSp new mod">
-        <pc:chgData name="Marc Jurriens" userId="1c5535c1db43cb11" providerId="LiveId" clId="{90CC98FA-02B7-43F6-BC7E-4089C16D9251}" dt="2022-06-16T12:12:42.781" v="1585" actId="313"/>
+      <pc:sldChg chg="addSp delSp modSp new mod">
+        <pc:chgData name="Marc Jurriens" userId="1c5535c1db43cb11" providerId="LiveId" clId="{90CC98FA-02B7-43F6-BC7E-4089C16D9251}" dt="2022-06-16T14:46:53.604" v="2198" actId="20577"/>
         <pc:sldMkLst>
           <pc:docMk/>
           <pc:sldMk cId="28584520" sldId="266"/>
@@ -434,13 +453,36 @@
           </ac:spMkLst>
         </pc:spChg>
         <pc:spChg chg="mod">
-          <ac:chgData name="Marc Jurriens" userId="1c5535c1db43cb11" providerId="LiveId" clId="{90CC98FA-02B7-43F6-BC7E-4089C16D9251}" dt="2022-06-16T12:12:42.781" v="1585" actId="313"/>
+          <ac:chgData name="Marc Jurriens" userId="1c5535c1db43cb11" providerId="LiveId" clId="{90CC98FA-02B7-43F6-BC7E-4089C16D9251}" dt="2022-06-16T14:46:53.604" v="2198" actId="20577"/>
           <ac:spMkLst>
             <pc:docMk/>
             <pc:sldMk cId="28584520" sldId="266"/>
             <ac:spMk id="3" creationId="{7D40F662-F2EE-4424-A3D1-641A95CB6496}"/>
           </ac:spMkLst>
         </pc:spChg>
+        <pc:picChg chg="add del mod">
+          <ac:chgData name="Marc Jurriens" userId="1c5535c1db43cb11" providerId="LiveId" clId="{90CC98FA-02B7-43F6-BC7E-4089C16D9251}" dt="2022-06-16T14:42:19.309" v="2154" actId="21"/>
+          <ac:picMkLst>
+            <pc:docMk/>
+            <pc:sldMk cId="28584520" sldId="266"/>
+            <ac:picMk id="4" creationId="{811D2924-2C56-4DA3-8077-006620E7D78F}"/>
+          </ac:picMkLst>
+        </pc:picChg>
+      </pc:sldChg>
+      <pc:sldChg chg="delSp modSp add del mod">
+        <pc:chgData name="Marc Jurriens" userId="1c5535c1db43cb11" providerId="LiveId" clId="{90CC98FA-02B7-43F6-BC7E-4089C16D9251}" dt="2022-06-16T14:38:13.025" v="2152" actId="47"/>
+        <pc:sldMkLst>
+          <pc:docMk/>
+          <pc:sldMk cId="1234003717" sldId="267"/>
+        </pc:sldMkLst>
+        <pc:picChg chg="del mod">
+          <ac:chgData name="Marc Jurriens" userId="1c5535c1db43cb11" providerId="LiveId" clId="{90CC98FA-02B7-43F6-BC7E-4089C16D9251}" dt="2022-06-16T14:37:33.290" v="2149" actId="21"/>
+          <ac:picMkLst>
+            <pc:docMk/>
+            <pc:sldMk cId="1234003717" sldId="267"/>
+            <ac:picMk id="5" creationId="{EC86C7B4-9C34-4F5A-B571-640B3B1D9536}"/>
+          </ac:picMkLst>
+        </pc:picChg>
       </pc:sldChg>
       <pc:sldChg chg="addSp delSp modSp new del mod">
         <pc:chgData name="Marc Jurriens" userId="1c5535c1db43cb11" providerId="LiveId" clId="{90CC98FA-02B7-43F6-BC7E-4089C16D9251}" dt="2022-06-16T12:25:49.569" v="1586" actId="47"/>
@@ -3878,87 +3920,6 @@
 </p:sld>
 </file>
 
-<file path=ppt/slides/slide10.xml><?xml version="1.0" encoding="utf-8"?>
-<p:sld xmlns:a="http://schemas.openxmlformats.org/drawingml/2006/main" xmlns:r="http://schemas.openxmlformats.org/officeDocument/2006/relationships" xmlns:p="http://schemas.openxmlformats.org/presentationml/2006/main">
-  <p:cSld>
-    <p:spTree>
-      <p:nvGrpSpPr>
-        <p:cNvPr id="1" name=""/>
-        <p:cNvGrpSpPr/>
-        <p:nvPr/>
-      </p:nvGrpSpPr>
-      <p:grpSpPr>
-        <a:xfrm>
-          <a:off x="0" y="0"/>
-          <a:ext cx="0" cy="0"/>
-          <a:chOff x="0" y="0"/>
-          <a:chExt cx="0" cy="0"/>
-        </a:xfrm>
-      </p:grpSpPr>
-      <p:sp>
-        <p:nvSpPr>
-          <p:cNvPr id="5" name="Tekstvak 4">
-            <a:extLst>
-              <a:ext uri="{FF2B5EF4-FFF2-40B4-BE49-F238E27FC236}">
-                <a16:creationId xmlns:a16="http://schemas.microsoft.com/office/drawing/2014/main" id="{9EEF8240-41E5-4E73-8A05-AF5DC56499E5}"/>
-              </a:ext>
-            </a:extLst>
-          </p:cNvPr>
-          <p:cNvSpPr txBox="1"/>
-          <p:nvPr/>
-        </p:nvSpPr>
-        <p:spPr>
-          <a:xfrm>
-            <a:off x="3047260" y="3246553"/>
-            <a:ext cx="6094520" cy="369332"/>
-          </a:xfrm>
-          <a:prstGeom prst="rect">
-            <a:avLst/>
-          </a:prstGeom>
-          <a:noFill/>
-        </p:spPr>
-        <p:txBody>
-          <a:bodyPr wrap="square">
-            <a:spAutoFit/>
-          </a:bodyPr>
-          <a:lstStyle/>
-          <a:p>
-            <a:pPr rtl="0" fontAlgn="base">
-              <a:spcBef>
-                <a:spcPts val="1200"/>
-              </a:spcBef>
-              <a:spcAft>
-                <a:spcPts val="1200"/>
-              </a:spcAft>
-              <a:buFont typeface="Arial" panose="020B0604020202020204" pitchFamily="34" charset="0"/>
-              <a:buChar char="•"/>
-            </a:pPr>
-            <a:r>
-              <a:rPr lang="nl-NL" sz="1800" b="0" i="0" u="none" strike="noStrike" dirty="0">
-                <a:solidFill>
-                  <a:srgbClr val="000000"/>
-                </a:solidFill>
-                <a:effectLst/>
-                <a:latin typeface="Arial" panose="020B0604020202020204" pitchFamily="34" charset="0"/>
-              </a:rPr>
-              <a:t>Conclusie</a:t>
-            </a:r>
-          </a:p>
-        </p:txBody>
-      </p:sp>
-    </p:spTree>
-    <p:extLst>
-      <p:ext uri="{BB962C8B-B14F-4D97-AF65-F5344CB8AC3E}">
-        <p14:creationId xmlns:p14="http://schemas.microsoft.com/office/powerpoint/2010/main" val="3804910339"/>
-      </p:ext>
-    </p:extLst>
-  </p:cSld>
-  <p:clrMapOvr>
-    <a:masterClrMapping/>
-  </p:clrMapOvr>
-</p:sld>
-</file>
-
 <file path=ppt/slides/slide2.xml><?xml version="1.0" encoding="utf-8"?>
 <p:sld xmlns:a="http://schemas.openxmlformats.org/drawingml/2006/main" xmlns:r="http://schemas.openxmlformats.org/officeDocument/2006/relationships" xmlns:p="http://schemas.openxmlformats.org/presentationml/2006/main">
   <p:cSld>
@@ -4213,7 +4174,7 @@
         <p:spPr/>
         <p:txBody>
           <a:bodyPr>
-            <a:normAutofit fontScale="92500" lnSpcReduction="20000"/>
+            <a:normAutofit fontScale="85000" lnSpcReduction="20000"/>
           </a:bodyPr>
           <a:lstStyle/>
           <a:p>
@@ -4439,45 +4400,79 @@
                 <a:ea typeface="Calibri" panose="020F0502020204030204" pitchFamily="34" charset="0"/>
                 <a:cs typeface="Times New Roman" panose="02020603050405020304" pitchFamily="18" charset="0"/>
               </a:rPr>
-              <a:t>zaalsloten”</a:t>
-            </a:r>
-            <a:r>
-              <a:rPr lang="en-US" sz="2800" dirty="0" err="1">
-                <a:effectLst/>
+              <a:t>zaalsloten</a:t>
+            </a:r>
+            <a:r>
+              <a:rPr lang="en-US" dirty="0">
                 <a:latin typeface="Calibri" panose="020F0502020204030204" pitchFamily="34" charset="0"/>
                 <a:ea typeface="Calibri" panose="020F0502020204030204" pitchFamily="34" charset="0"/>
                 <a:cs typeface="Times New Roman" panose="02020603050405020304" pitchFamily="18" charset="0"/>
               </a:rPr>
-              <a:t>Varying</a:t>
-            </a:r>
-            <a:r>
-              <a:rPr lang="en-US" sz="2800" dirty="0">
-                <a:effectLst/>
+              <a:t>”, 33 </a:t>
+            </a:r>
+            <a:r>
+              <a:rPr lang="en-US" dirty="0" err="1">
                 <a:latin typeface="Calibri" panose="020F0502020204030204" pitchFamily="34" charset="0"/>
                 <a:ea typeface="Calibri" panose="020F0502020204030204" pitchFamily="34" charset="0"/>
                 <a:cs typeface="Times New Roman" panose="02020603050405020304" pitchFamily="18" charset="0"/>
               </a:rPr>
-              <a:t> how courses are divided into different lessons. </a:t>
-            </a:r>
-            <a:r>
-              <a:rPr lang="en-US" sz="2800" dirty="0">
-                <a:effectLst/>
+              <a:t>werkcolleges</a:t>
+            </a:r>
+            <a:r>
+              <a:rPr lang="en-US" dirty="0">
                 <a:latin typeface="Calibri" panose="020F0502020204030204" pitchFamily="34" charset="0"/>
                 <a:ea typeface="Calibri" panose="020F0502020204030204" pitchFamily="34" charset="0"/>
                 <a:cs typeface="Times New Roman" panose="02020603050405020304" pitchFamily="18" charset="0"/>
-                <a:sym typeface="Wingdings" panose="05000000000000000000" pitchFamily="2" charset="2"/>
-              </a:rPr>
-              <a:t> ~ ??? </a:t>
-            </a:r>
-            <a:r>
-              <a:rPr lang="en-US" sz="2800" dirty="0" err="1">
-                <a:effectLst/>
+              </a:rPr>
+              <a:t>/</a:t>
+            </a:r>
+            <a:r>
+              <a:rPr lang="en-US" dirty="0" err="1">
                 <a:latin typeface="Calibri" panose="020F0502020204030204" pitchFamily="34" charset="0"/>
                 <a:ea typeface="Calibri" panose="020F0502020204030204" pitchFamily="34" charset="0"/>
                 <a:cs typeface="Times New Roman" panose="02020603050405020304" pitchFamily="18" charset="0"/>
-                <a:sym typeface="Wingdings" panose="05000000000000000000" pitchFamily="2" charset="2"/>
+              </a:rPr>
+              <a:t>practica</a:t>
+            </a:r>
+            <a:r>
+              <a:rPr lang="en-US" dirty="0">
+                <a:latin typeface="Calibri" panose="020F0502020204030204" pitchFamily="34" charset="0"/>
+                <a:ea typeface="Calibri" panose="020F0502020204030204" pitchFamily="34" charset="0"/>
+                <a:cs typeface="Times New Roman" panose="02020603050405020304" pitchFamily="18" charset="0"/>
+              </a:rPr>
+              <a:t>) -&gt; hoe </a:t>
+            </a:r>
+            <a:r>
+              <a:rPr lang="en-US" dirty="0" err="1">
+                <a:latin typeface="Calibri" panose="020F0502020204030204" pitchFamily="34" charset="0"/>
+                <a:ea typeface="Calibri" panose="020F0502020204030204" pitchFamily="34" charset="0"/>
+                <a:cs typeface="Times New Roman" panose="02020603050405020304" pitchFamily="18" charset="0"/>
+              </a:rPr>
+              <a:t>verdelen</a:t>
+            </a:r>
+            <a:r>
+              <a:rPr lang="en-US" dirty="0">
+                <a:latin typeface="Calibri" panose="020F0502020204030204" pitchFamily="34" charset="0"/>
+                <a:ea typeface="Calibri" panose="020F0502020204030204" pitchFamily="34" charset="0"/>
+                <a:cs typeface="Times New Roman" panose="02020603050405020304" pitchFamily="18" charset="0"/>
+              </a:rPr>
+              <a:t> we (145-72=) 73 </a:t>
+            </a:r>
+            <a:r>
+              <a:rPr lang="en-US" dirty="0" err="1">
+                <a:latin typeface="Calibri" panose="020F0502020204030204" pitchFamily="34" charset="0"/>
+                <a:ea typeface="Calibri" panose="020F0502020204030204" pitchFamily="34" charset="0"/>
+                <a:cs typeface="Times New Roman" panose="02020603050405020304" pitchFamily="18" charset="0"/>
               </a:rPr>
               <a:t>mogelijkheden</a:t>
+            </a:r>
+            <a:r>
+              <a:rPr lang="en-US" dirty="0">
+                <a:latin typeface="Calibri" panose="020F0502020204030204" pitchFamily="34" charset="0"/>
+                <a:ea typeface="Calibri" panose="020F0502020204030204" pitchFamily="34" charset="0"/>
+                <a:cs typeface="Times New Roman" panose="02020603050405020304" pitchFamily="18" charset="0"/>
+              </a:rPr>
+              <a:t> over 33 lessen? </a:t>
             </a:r>
             <a:endParaRPr lang="nl-NL" sz="2800" dirty="0">
               <a:effectLst/>
@@ -4495,150 +4490,91 @@
               <a:buAutoNum type="arabicPeriod"/>
             </a:pPr>
             <a:r>
-              <a:rPr lang="nl-NL" sz="2800" dirty="0" err="1">
+              <a:rPr lang="nl-NL" sz="2800" dirty="0">
                 <a:effectLst/>
                 <a:latin typeface="Calibri" panose="020F0502020204030204" pitchFamily="34" charset="0"/>
                 <a:ea typeface="Calibri" panose="020F0502020204030204" pitchFamily="34" charset="0"/>
                 <a:cs typeface="Times New Roman" panose="02020603050405020304" pitchFamily="18" charset="0"/>
               </a:rPr>
-              <a:t>Varying</a:t>
-            </a:r>
-            <a:r>
-              <a:rPr lang="nl-NL" sz="2800" dirty="0">
-                <a:effectLst/>
-                <a:latin typeface="Calibri" panose="020F0502020204030204" pitchFamily="34" charset="0"/>
-                <a:ea typeface="Calibri" panose="020F0502020204030204" pitchFamily="34" charset="0"/>
-                <a:cs typeface="Times New Roman" panose="02020603050405020304" pitchFamily="18" charset="0"/>
-              </a:rPr>
-              <a:t> </a:t>
-            </a:r>
-            <a:r>
-              <a:rPr lang="nl-NL" sz="2800" dirty="0" err="1">
-                <a:effectLst/>
-                <a:latin typeface="Calibri" panose="020F0502020204030204" pitchFamily="34" charset="0"/>
-                <a:ea typeface="Calibri" panose="020F0502020204030204" pitchFamily="34" charset="0"/>
-                <a:cs typeface="Times New Roman" panose="02020603050405020304" pitchFamily="18" charset="0"/>
-              </a:rPr>
-              <a:t>the</a:t>
-            </a:r>
-            <a:r>
-              <a:rPr lang="nl-NL" sz="2800" dirty="0">
-                <a:effectLst/>
-                <a:latin typeface="Calibri" panose="020F0502020204030204" pitchFamily="34" charset="0"/>
-                <a:ea typeface="Calibri" panose="020F0502020204030204" pitchFamily="34" charset="0"/>
-                <a:cs typeface="Times New Roman" panose="02020603050405020304" pitchFamily="18" charset="0"/>
-              </a:rPr>
-              <a:t> </a:t>
-            </a:r>
-            <a:r>
-              <a:rPr lang="nl-NL" sz="2800" dirty="0" err="1">
-                <a:effectLst/>
-                <a:latin typeface="Calibri" panose="020F0502020204030204" pitchFamily="34" charset="0"/>
-                <a:ea typeface="Calibri" panose="020F0502020204030204" pitchFamily="34" charset="0"/>
-                <a:cs typeface="Times New Roman" panose="02020603050405020304" pitchFamily="18" charset="0"/>
-              </a:rPr>
-              <a:t>distribution</a:t>
-            </a:r>
-            <a:r>
-              <a:rPr lang="nl-NL" sz="2800" dirty="0">
-                <a:effectLst/>
-                <a:latin typeface="Calibri" panose="020F0502020204030204" pitchFamily="34" charset="0"/>
-                <a:ea typeface="Calibri" panose="020F0502020204030204" pitchFamily="34" charset="0"/>
-                <a:cs typeface="Times New Roman" panose="02020603050405020304" pitchFamily="18" charset="0"/>
-              </a:rPr>
-              <a:t> of </a:t>
-            </a:r>
-            <a:r>
-              <a:rPr lang="nl-NL" sz="2800" dirty="0" err="1">
-                <a:effectLst/>
-                <a:latin typeface="Calibri" panose="020F0502020204030204" pitchFamily="34" charset="0"/>
-                <a:ea typeface="Calibri" panose="020F0502020204030204" pitchFamily="34" charset="0"/>
-                <a:cs typeface="Times New Roman" panose="02020603050405020304" pitchFamily="18" charset="0"/>
-              </a:rPr>
-              <a:t>the</a:t>
-            </a:r>
-            <a:r>
-              <a:rPr lang="nl-NL" sz="2800" dirty="0">
-                <a:effectLst/>
-                <a:latin typeface="Calibri" panose="020F0502020204030204" pitchFamily="34" charset="0"/>
-                <a:ea typeface="Calibri" panose="020F0502020204030204" pitchFamily="34" charset="0"/>
-                <a:cs typeface="Times New Roman" panose="02020603050405020304" pitchFamily="18" charset="0"/>
-              </a:rPr>
-              <a:t> </a:t>
-            </a:r>
-            <a:r>
-              <a:rPr lang="nl-NL" sz="2800" dirty="0" err="1">
-                <a:effectLst/>
-                <a:latin typeface="Calibri" panose="020F0502020204030204" pitchFamily="34" charset="0"/>
-                <a:ea typeface="Calibri" panose="020F0502020204030204" pitchFamily="34" charset="0"/>
-                <a:cs typeface="Times New Roman" panose="02020603050405020304" pitchFamily="18" charset="0"/>
-              </a:rPr>
-              <a:t>lessons</a:t>
-            </a:r>
-            <a:r>
-              <a:rPr lang="nl-NL" sz="2800" dirty="0">
-                <a:effectLst/>
-                <a:latin typeface="Calibri" panose="020F0502020204030204" pitchFamily="34" charset="0"/>
-                <a:ea typeface="Calibri" panose="020F0502020204030204" pitchFamily="34" charset="0"/>
-                <a:cs typeface="Times New Roman" panose="02020603050405020304" pitchFamily="18" charset="0"/>
-              </a:rPr>
-              <a:t> over </a:t>
-            </a:r>
-            <a:r>
-              <a:rPr lang="nl-NL" sz="2800" dirty="0" err="1">
-                <a:effectLst/>
-                <a:latin typeface="Calibri" panose="020F0502020204030204" pitchFamily="34" charset="0"/>
-                <a:ea typeface="Calibri" panose="020F0502020204030204" pitchFamily="34" charset="0"/>
-                <a:cs typeface="Times New Roman" panose="02020603050405020304" pitchFamily="18" charset="0"/>
-              </a:rPr>
-              <a:t>the</a:t>
-            </a:r>
-            <a:r>
-              <a:rPr lang="nl-NL" sz="2800" dirty="0">
-                <a:effectLst/>
-                <a:latin typeface="Calibri" panose="020F0502020204030204" pitchFamily="34" charset="0"/>
-                <a:ea typeface="Calibri" panose="020F0502020204030204" pitchFamily="34" charset="0"/>
-                <a:cs typeface="Times New Roman" panose="02020603050405020304" pitchFamily="18" charset="0"/>
-              </a:rPr>
-              <a:t> “</a:t>
-            </a:r>
-            <a:r>
-              <a:rPr lang="nl-NL" sz="2800" dirty="0" err="1">
-                <a:effectLst/>
-                <a:latin typeface="Calibri" panose="020F0502020204030204" pitchFamily="34" charset="0"/>
-                <a:ea typeface="Calibri" panose="020F0502020204030204" pitchFamily="34" charset="0"/>
-                <a:cs typeface="Times New Roman" panose="02020603050405020304" pitchFamily="18" charset="0"/>
-              </a:rPr>
-              <a:t>roomslots</a:t>
-            </a:r>
-            <a:r>
-              <a:rPr lang="nl-NL" sz="2800" dirty="0">
-                <a:effectLst/>
-                <a:latin typeface="Calibri" panose="020F0502020204030204" pitchFamily="34" charset="0"/>
-                <a:ea typeface="Calibri" panose="020F0502020204030204" pitchFamily="34" charset="0"/>
-                <a:cs typeface="Times New Roman" panose="02020603050405020304" pitchFamily="18" charset="0"/>
-              </a:rPr>
-              <a:t>”. </a:t>
-            </a:r>
-            <a:r>
-              <a:rPr lang="en-US" sz="2800" dirty="0">
-                <a:effectLst/>
+              <a:t>Hoe verdelen we de lessen over de zaalsloten</a:t>
+            </a:r>
+            <a:r>
+              <a:rPr lang="en-US" dirty="0">
                 <a:latin typeface="Calibri" panose="020F0502020204030204" pitchFamily="34" charset="0"/>
                 <a:ea typeface="Calibri" panose="020F0502020204030204" pitchFamily="34" charset="0"/>
                 <a:cs typeface="Times New Roman" panose="02020603050405020304" pitchFamily="18" charset="0"/>
                 <a:sym typeface="Wingdings" panose="05000000000000000000" pitchFamily="2" charset="2"/>
               </a:rPr>
-              <a:t> ~ 145! </a:t>
-            </a:r>
-            <a:r>
-              <a:rPr lang="en-US" sz="2800" dirty="0" err="1">
+              <a:t> -&gt;</a:t>
+            </a:r>
+            <a:r>
+              <a:rPr lang="en-US" sz="2800" dirty="0">
                 <a:effectLst/>
                 <a:latin typeface="Calibri" panose="020F0502020204030204" pitchFamily="34" charset="0"/>
                 <a:ea typeface="Calibri" panose="020F0502020204030204" pitchFamily="34" charset="0"/>
                 <a:cs typeface="Times New Roman" panose="02020603050405020304" pitchFamily="18" charset="0"/>
                 <a:sym typeface="Wingdings" panose="05000000000000000000" pitchFamily="2" charset="2"/>
               </a:rPr>
+              <a:t> </a:t>
+            </a:r>
+            <a:r>
+              <a:rPr lang="en-US" dirty="0">
+                <a:latin typeface="Calibri" panose="020F0502020204030204" pitchFamily="34" charset="0"/>
+                <a:ea typeface="Calibri" panose="020F0502020204030204" pitchFamily="34" charset="0"/>
+                <a:cs typeface="Times New Roman" panose="02020603050405020304" pitchFamily="18" charset="0"/>
+                <a:sym typeface="Wingdings" panose="05000000000000000000" pitchFamily="2" charset="2"/>
+              </a:rPr>
+              <a:t>hoe </a:t>
+            </a:r>
+            <a:r>
+              <a:rPr lang="en-US" dirty="0" err="1">
+                <a:latin typeface="Calibri" panose="020F0502020204030204" pitchFamily="34" charset="0"/>
+                <a:ea typeface="Calibri" panose="020F0502020204030204" pitchFamily="34" charset="0"/>
+                <a:cs typeface="Times New Roman" panose="02020603050405020304" pitchFamily="18" charset="0"/>
+                <a:sym typeface="Wingdings" panose="05000000000000000000" pitchFamily="2" charset="2"/>
+              </a:rPr>
+              <a:t>verdelen</a:t>
+            </a:r>
+            <a:r>
+              <a:rPr lang="en-US" dirty="0">
+                <a:latin typeface="Calibri" panose="020F0502020204030204" pitchFamily="34" charset="0"/>
+                <a:ea typeface="Calibri" panose="020F0502020204030204" pitchFamily="34" charset="0"/>
+                <a:cs typeface="Times New Roman" panose="02020603050405020304" pitchFamily="18" charset="0"/>
+                <a:sym typeface="Wingdings" panose="05000000000000000000" pitchFamily="2" charset="2"/>
+              </a:rPr>
+              <a:t> we 72-145 lessen over 145 </a:t>
+            </a:r>
+            <a:r>
+              <a:rPr lang="en-US" dirty="0" err="1">
+                <a:latin typeface="Calibri" panose="020F0502020204030204" pitchFamily="34" charset="0"/>
+                <a:ea typeface="Calibri" panose="020F0502020204030204" pitchFamily="34" charset="0"/>
+                <a:cs typeface="Times New Roman" panose="02020603050405020304" pitchFamily="18" charset="0"/>
+                <a:sym typeface="Wingdings" panose="05000000000000000000" pitchFamily="2" charset="2"/>
+              </a:rPr>
               <a:t>mogelijkheden</a:t>
+            </a:r>
+            <a:r>
+              <a:rPr lang="en-US" dirty="0">
+                <a:latin typeface="Calibri" panose="020F0502020204030204" pitchFamily="34" charset="0"/>
+                <a:ea typeface="Calibri" panose="020F0502020204030204" pitchFamily="34" charset="0"/>
+                <a:cs typeface="Times New Roman" panose="02020603050405020304" pitchFamily="18" charset="0"/>
+                <a:sym typeface="Wingdings" panose="05000000000000000000" pitchFamily="2" charset="2"/>
+              </a:rPr>
+              <a:t>? -&gt; 145! is</a:t>
+            </a:r>
+            <a:r>
+              <a:rPr lang="en-US" sz="2800" dirty="0">
+                <a:effectLst/>
+                <a:latin typeface="Calibri" panose="020F0502020204030204" pitchFamily="34" charset="0"/>
+                <a:ea typeface="Calibri" panose="020F0502020204030204" pitchFamily="34" charset="0"/>
+                <a:cs typeface="Times New Roman" panose="02020603050405020304" pitchFamily="18" charset="0"/>
+                <a:sym typeface="Wingdings" panose="05000000000000000000" pitchFamily="2" charset="2"/>
+              </a:rPr>
+              <a:t> </a:t>
+            </a:r>
+            <a:r>
+              <a:rPr lang="nl-NL" dirty="0"/>
+              <a:t>8.047926057 E+251</a:t>
             </a:r>
             <a:endParaRPr lang="nl-NL" sz="2800" dirty="0">
               <a:effectLst/>
@@ -4659,112 +4595,13 @@
               <a:buAutoNum type="arabicPeriod"/>
             </a:pPr>
             <a:r>
-              <a:rPr lang="nl-NL" sz="2800" dirty="0" err="1">
+              <a:rPr lang="nl-NL" sz="2800" dirty="0">
                 <a:effectLst/>
                 <a:latin typeface="Calibri" panose="020F0502020204030204" pitchFamily="34" charset="0"/>
                 <a:ea typeface="Calibri" panose="020F0502020204030204" pitchFamily="34" charset="0"/>
                 <a:cs typeface="Times New Roman" panose="02020603050405020304" pitchFamily="18" charset="0"/>
               </a:rPr>
-              <a:t>Varying</a:t>
-            </a:r>
-            <a:r>
-              <a:rPr lang="nl-NL" sz="2800" dirty="0">
-                <a:effectLst/>
-                <a:latin typeface="Calibri" panose="020F0502020204030204" pitchFamily="34" charset="0"/>
-                <a:ea typeface="Calibri" panose="020F0502020204030204" pitchFamily="34" charset="0"/>
-                <a:cs typeface="Times New Roman" panose="02020603050405020304" pitchFamily="18" charset="0"/>
-              </a:rPr>
-              <a:t> </a:t>
-            </a:r>
-            <a:r>
-              <a:rPr lang="nl-NL" sz="2800" dirty="0" err="1">
-                <a:effectLst/>
-                <a:latin typeface="Calibri" panose="020F0502020204030204" pitchFamily="34" charset="0"/>
-                <a:ea typeface="Calibri" panose="020F0502020204030204" pitchFamily="34" charset="0"/>
-                <a:cs typeface="Times New Roman" panose="02020603050405020304" pitchFamily="18" charset="0"/>
-              </a:rPr>
-              <a:t>the</a:t>
-            </a:r>
-            <a:r>
-              <a:rPr lang="nl-NL" sz="2800" dirty="0">
-                <a:effectLst/>
-                <a:latin typeface="Calibri" panose="020F0502020204030204" pitchFamily="34" charset="0"/>
-                <a:ea typeface="Calibri" panose="020F0502020204030204" pitchFamily="34" charset="0"/>
-                <a:cs typeface="Times New Roman" panose="02020603050405020304" pitchFamily="18" charset="0"/>
-              </a:rPr>
-              <a:t> </a:t>
-            </a:r>
-            <a:r>
-              <a:rPr lang="nl-NL" sz="2800" dirty="0" err="1">
-                <a:effectLst/>
-                <a:latin typeface="Calibri" panose="020F0502020204030204" pitchFamily="34" charset="0"/>
-                <a:ea typeface="Calibri" panose="020F0502020204030204" pitchFamily="34" charset="0"/>
-                <a:cs typeface="Times New Roman" panose="02020603050405020304" pitchFamily="18" charset="0"/>
-              </a:rPr>
-              <a:t>distribution</a:t>
-            </a:r>
-            <a:r>
-              <a:rPr lang="nl-NL" sz="2800" dirty="0">
-                <a:effectLst/>
-                <a:latin typeface="Calibri" panose="020F0502020204030204" pitchFamily="34" charset="0"/>
-                <a:ea typeface="Calibri" panose="020F0502020204030204" pitchFamily="34" charset="0"/>
-                <a:cs typeface="Times New Roman" panose="02020603050405020304" pitchFamily="18" charset="0"/>
-              </a:rPr>
-              <a:t> of </a:t>
-            </a:r>
-            <a:r>
-              <a:rPr lang="nl-NL" sz="2800" dirty="0" err="1">
-                <a:effectLst/>
-                <a:latin typeface="Calibri" panose="020F0502020204030204" pitchFamily="34" charset="0"/>
-                <a:ea typeface="Calibri" panose="020F0502020204030204" pitchFamily="34" charset="0"/>
-                <a:cs typeface="Times New Roman" panose="02020603050405020304" pitchFamily="18" charset="0"/>
-              </a:rPr>
-              <a:t>students</a:t>
-            </a:r>
-            <a:r>
-              <a:rPr lang="nl-NL" sz="2800" dirty="0">
-                <a:effectLst/>
-                <a:latin typeface="Calibri" panose="020F0502020204030204" pitchFamily="34" charset="0"/>
-                <a:ea typeface="Calibri" panose="020F0502020204030204" pitchFamily="34" charset="0"/>
-                <a:cs typeface="Times New Roman" panose="02020603050405020304" pitchFamily="18" charset="0"/>
-              </a:rPr>
-              <a:t> over </a:t>
-            </a:r>
-            <a:r>
-              <a:rPr lang="nl-NL" sz="2800" dirty="0" err="1">
-                <a:effectLst/>
-                <a:latin typeface="Calibri" panose="020F0502020204030204" pitchFamily="34" charset="0"/>
-                <a:ea typeface="Calibri" panose="020F0502020204030204" pitchFamily="34" charset="0"/>
-                <a:cs typeface="Times New Roman" panose="02020603050405020304" pitchFamily="18" charset="0"/>
-              </a:rPr>
-              <a:t>the</a:t>
-            </a:r>
-            <a:r>
-              <a:rPr lang="nl-NL" sz="2800" dirty="0">
-                <a:effectLst/>
-                <a:latin typeface="Calibri" panose="020F0502020204030204" pitchFamily="34" charset="0"/>
-                <a:ea typeface="Calibri" panose="020F0502020204030204" pitchFamily="34" charset="0"/>
-                <a:cs typeface="Times New Roman" panose="02020603050405020304" pitchFamily="18" charset="0"/>
-              </a:rPr>
-              <a:t> </a:t>
-            </a:r>
-            <a:r>
-              <a:rPr lang="nl-NL" sz="2800" dirty="0" err="1">
-                <a:effectLst/>
-                <a:latin typeface="Calibri" panose="020F0502020204030204" pitchFamily="34" charset="0"/>
-                <a:ea typeface="Calibri" panose="020F0502020204030204" pitchFamily="34" charset="0"/>
-                <a:cs typeface="Times New Roman" panose="02020603050405020304" pitchFamily="18" charset="0"/>
-              </a:rPr>
-              <a:t>lessons</a:t>
-            </a:r>
-            <a:r>
-              <a:rPr lang="nl-NL" sz="2800" dirty="0">
-                <a:effectLst/>
-                <a:latin typeface="Calibri" panose="020F0502020204030204" pitchFamily="34" charset="0"/>
-                <a:ea typeface="Calibri" panose="020F0502020204030204" pitchFamily="34" charset="0"/>
-                <a:cs typeface="Times New Roman" panose="02020603050405020304" pitchFamily="18" charset="0"/>
-              </a:rPr>
-              <a:t>. </a:t>
+              <a:t>Hoe verdelen we de studenten over de lessen </a:t>
             </a:r>
             <a:r>
               <a:rPr lang="en-US" sz="2800" dirty="0">
@@ -4774,7 +4611,7 @@
                 <a:cs typeface="Times New Roman" panose="02020603050405020304" pitchFamily="18" charset="0"/>
                 <a:sym typeface="Wingdings" panose="05000000000000000000" pitchFamily="2" charset="2"/>
               </a:rPr>
-              <a:t> ~ ??? </a:t>
+              <a:t> </a:t>
             </a:r>
             <a:r>
               <a:rPr lang="en-US" sz="2800" dirty="0" err="1">
@@ -4784,16 +4621,152 @@
                 <a:cs typeface="Times New Roman" panose="02020603050405020304" pitchFamily="18" charset="0"/>
                 <a:sym typeface="Wingdings" panose="05000000000000000000" pitchFamily="2" charset="2"/>
               </a:rPr>
-              <a:t>mogelijkheden</a:t>
-            </a:r>
-            <a:endParaRPr lang="nl-NL" sz="2800" dirty="0">
-              <a:effectLst/>
-              <a:latin typeface="Calibri" panose="020F0502020204030204" pitchFamily="34" charset="0"/>
-              <a:ea typeface="Calibri" panose="020F0502020204030204" pitchFamily="34" charset="0"/>
-              <a:cs typeface="Times New Roman" panose="02020603050405020304" pitchFamily="18" charset="0"/>
-            </a:endParaRPr>
-          </a:p>
-          <a:p>
+              <a:t>verschilt</a:t>
+            </a:r>
+            <a:r>
+              <a:rPr lang="en-US" sz="2800" dirty="0">
+                <a:effectLst/>
+                <a:latin typeface="Calibri" panose="020F0502020204030204" pitchFamily="34" charset="0"/>
+                <a:ea typeface="Calibri" panose="020F0502020204030204" pitchFamily="34" charset="0"/>
+                <a:cs typeface="Times New Roman" panose="02020603050405020304" pitchFamily="18" charset="0"/>
+                <a:sym typeface="Wingdings" panose="05000000000000000000" pitchFamily="2" charset="2"/>
+              </a:rPr>
+              <a:t> per </a:t>
+            </a:r>
+            <a:r>
+              <a:rPr lang="en-US" sz="2800" dirty="0" err="1">
+                <a:effectLst/>
+                <a:latin typeface="Calibri" panose="020F0502020204030204" pitchFamily="34" charset="0"/>
+                <a:ea typeface="Calibri" panose="020F0502020204030204" pitchFamily="34" charset="0"/>
+                <a:cs typeface="Times New Roman" panose="02020603050405020304" pitchFamily="18" charset="0"/>
+                <a:sym typeface="Wingdings" panose="05000000000000000000" pitchFamily="2" charset="2"/>
+              </a:rPr>
+              <a:t>vak</a:t>
+            </a:r>
+            <a:r>
+              <a:rPr lang="en-US" sz="2800" dirty="0">
+                <a:effectLst/>
+                <a:latin typeface="Calibri" panose="020F0502020204030204" pitchFamily="34" charset="0"/>
+                <a:ea typeface="Calibri" panose="020F0502020204030204" pitchFamily="34" charset="0"/>
+                <a:cs typeface="Times New Roman" panose="02020603050405020304" pitchFamily="18" charset="0"/>
+                <a:sym typeface="Wingdings" panose="05000000000000000000" pitchFamily="2" charset="2"/>
+              </a:rPr>
+              <a:t>, maar </a:t>
+            </a:r>
+            <a:r>
+              <a:rPr lang="en-US" sz="2800" dirty="0" err="1">
+                <a:effectLst/>
+                <a:latin typeface="Calibri" panose="020F0502020204030204" pitchFamily="34" charset="0"/>
+                <a:ea typeface="Calibri" panose="020F0502020204030204" pitchFamily="34" charset="0"/>
+                <a:cs typeface="Times New Roman" panose="02020603050405020304" pitchFamily="18" charset="0"/>
+                <a:sym typeface="Wingdings" panose="05000000000000000000" pitchFamily="2" charset="2"/>
+              </a:rPr>
+              <a:t>bijvoorbeeld</a:t>
+            </a:r>
+            <a:r>
+              <a:rPr lang="en-US" sz="2800" dirty="0">
+                <a:effectLst/>
+                <a:latin typeface="Calibri" panose="020F0502020204030204" pitchFamily="34" charset="0"/>
+                <a:ea typeface="Calibri" panose="020F0502020204030204" pitchFamily="34" charset="0"/>
+                <a:cs typeface="Times New Roman" panose="02020603050405020304" pitchFamily="18" charset="0"/>
+                <a:sym typeface="Wingdings" panose="05000000000000000000" pitchFamily="2" charset="2"/>
+              </a:rPr>
+              <a:t> </a:t>
+            </a:r>
+            <a:r>
+              <a:rPr lang="en-US" sz="2800" dirty="0" err="1">
+                <a:effectLst/>
+                <a:latin typeface="Calibri" panose="020F0502020204030204" pitchFamily="34" charset="0"/>
+                <a:ea typeface="Calibri" panose="020F0502020204030204" pitchFamily="34" charset="0"/>
+                <a:cs typeface="Times New Roman" panose="02020603050405020304" pitchFamily="18" charset="0"/>
+                <a:sym typeface="Wingdings" panose="05000000000000000000" pitchFamily="2" charset="2"/>
+              </a:rPr>
+              <a:t>voor</a:t>
+            </a:r>
+            <a:r>
+              <a:rPr lang="en-US" sz="2800" dirty="0">
+                <a:effectLst/>
+                <a:latin typeface="Calibri" panose="020F0502020204030204" pitchFamily="34" charset="0"/>
+                <a:ea typeface="Calibri" panose="020F0502020204030204" pitchFamily="34" charset="0"/>
+                <a:cs typeface="Times New Roman" panose="02020603050405020304" pitchFamily="18" charset="0"/>
+                <a:sym typeface="Wingdings" panose="05000000000000000000" pitchFamily="2" charset="2"/>
+              </a:rPr>
+              <a:t> </a:t>
+            </a:r>
+            <a:r>
+              <a:rPr lang="nl-NL" dirty="0"/>
+              <a:t>Advanced Heuristics</a:t>
+            </a:r>
+            <a:r>
+              <a:rPr lang="en-US" sz="2800" dirty="0">
+                <a:effectLst/>
+                <a:latin typeface="Calibri" panose="020F0502020204030204" pitchFamily="34" charset="0"/>
+                <a:ea typeface="Calibri" panose="020F0502020204030204" pitchFamily="34" charset="0"/>
+                <a:cs typeface="Times New Roman" panose="02020603050405020304" pitchFamily="18" charset="0"/>
+                <a:sym typeface="Wingdings" panose="05000000000000000000" pitchFamily="2" charset="2"/>
+              </a:rPr>
+              <a:t>: hoe </a:t>
+            </a:r>
+            <a:r>
+              <a:rPr lang="en-US" sz="2800" dirty="0" err="1">
+                <a:effectLst/>
+                <a:latin typeface="Calibri" panose="020F0502020204030204" pitchFamily="34" charset="0"/>
+                <a:ea typeface="Calibri" panose="020F0502020204030204" pitchFamily="34" charset="0"/>
+                <a:cs typeface="Times New Roman" panose="02020603050405020304" pitchFamily="18" charset="0"/>
+                <a:sym typeface="Wingdings" panose="05000000000000000000" pitchFamily="2" charset="2"/>
+              </a:rPr>
+              <a:t>verdelen</a:t>
+            </a:r>
+            <a:r>
+              <a:rPr lang="en-US" sz="2800" dirty="0">
+                <a:effectLst/>
+                <a:latin typeface="Calibri" panose="020F0502020204030204" pitchFamily="34" charset="0"/>
+                <a:ea typeface="Calibri" panose="020F0502020204030204" pitchFamily="34" charset="0"/>
+                <a:cs typeface="Times New Roman" panose="02020603050405020304" pitchFamily="18" charset="0"/>
+                <a:sym typeface="Wingdings" panose="05000000000000000000" pitchFamily="2" charset="2"/>
+              </a:rPr>
+              <a:t> we 22 </a:t>
+            </a:r>
+            <a:r>
+              <a:rPr lang="en-US" sz="2800" dirty="0" err="1">
+                <a:effectLst/>
+                <a:latin typeface="Calibri" panose="020F0502020204030204" pitchFamily="34" charset="0"/>
+                <a:ea typeface="Calibri" panose="020F0502020204030204" pitchFamily="34" charset="0"/>
+                <a:cs typeface="Times New Roman" panose="02020603050405020304" pitchFamily="18" charset="0"/>
+                <a:sym typeface="Wingdings" panose="05000000000000000000" pitchFamily="2" charset="2"/>
+              </a:rPr>
+              <a:t>studenten</a:t>
+            </a:r>
+            <a:r>
+              <a:rPr lang="en-US" sz="2800" dirty="0">
+                <a:effectLst/>
+                <a:latin typeface="Calibri" panose="020F0502020204030204" pitchFamily="34" charset="0"/>
+                <a:ea typeface="Calibri" panose="020F0502020204030204" pitchFamily="34" charset="0"/>
+                <a:cs typeface="Times New Roman" panose="02020603050405020304" pitchFamily="18" charset="0"/>
+                <a:sym typeface="Wingdings" panose="05000000000000000000" pitchFamily="2" charset="2"/>
+              </a:rPr>
+              <a:t> </a:t>
+            </a:r>
+            <a:r>
+              <a:rPr lang="en-US" sz="2800">
+                <a:effectLst/>
+                <a:latin typeface="Calibri" panose="020F0502020204030204" pitchFamily="34" charset="0"/>
+                <a:ea typeface="Calibri" panose="020F0502020204030204" pitchFamily="34" charset="0"/>
+                <a:cs typeface="Times New Roman" panose="02020603050405020304" pitchFamily="18" charset="0"/>
+                <a:sym typeface="Wingdings" panose="05000000000000000000" pitchFamily="2" charset="2"/>
+              </a:rPr>
+              <a:t>over 3(-22) </a:t>
+            </a:r>
+            <a:r>
+              <a:rPr lang="en-US" sz="2800" dirty="0">
+                <a:effectLst/>
+                <a:latin typeface="Calibri" panose="020F0502020204030204" pitchFamily="34" charset="0"/>
+                <a:ea typeface="Calibri" panose="020F0502020204030204" pitchFamily="34" charset="0"/>
+                <a:cs typeface="Times New Roman" panose="02020603050405020304" pitchFamily="18" charset="0"/>
+                <a:sym typeface="Wingdings" panose="05000000000000000000" pitchFamily="2" charset="2"/>
+              </a:rPr>
+              <a:t>lessen</a:t>
+            </a:r>
             <a:endParaRPr lang="nl-NL" dirty="0"/>
           </a:p>
         </p:txBody>
@@ -4830,96 +4803,243 @@
       </p:grpSpPr>
       <p:sp>
         <p:nvSpPr>
-          <p:cNvPr id="3" name="Tijdelijke aanduiding voor inhoud 2">
-            <a:extLst>
-              <a:ext uri="{FF2B5EF4-FFF2-40B4-BE49-F238E27FC236}">
-                <a16:creationId xmlns:a16="http://schemas.microsoft.com/office/drawing/2014/main" id="{696760B2-FA04-4F5E-84E2-67DAB8325B46}"/>
-              </a:ext>
-            </a:extLst>
-          </p:cNvPr>
-          <p:cNvSpPr>
-            <a:spLocks noGrp="1"/>
-          </p:cNvSpPr>
-          <p:nvPr>
-            <p:ph idx="1"/>
-          </p:nvPr>
-        </p:nvSpPr>
-        <p:spPr/>
-        <p:txBody>
-          <a:bodyPr/>
+          <p:cNvPr id="5" name="Tekstvak 4">
+            <a:extLst>
+              <a:ext uri="{FF2B5EF4-FFF2-40B4-BE49-F238E27FC236}">
+                <a16:creationId xmlns:a16="http://schemas.microsoft.com/office/drawing/2014/main" id="{E0CF9151-8183-4E85-A5FC-68464399ABF7}"/>
+              </a:ext>
+            </a:extLst>
+          </p:cNvPr>
+          <p:cNvSpPr txBox="1"/>
+          <p:nvPr/>
+        </p:nvSpPr>
+        <p:spPr>
+          <a:xfrm>
+            <a:off x="2160695" y="977401"/>
+            <a:ext cx="6094520" cy="2062103"/>
+          </a:xfrm>
+          <a:prstGeom prst="rect">
+            <a:avLst/>
+          </a:prstGeom>
+          <a:noFill/>
+        </p:spPr>
+        <p:txBody>
+          <a:bodyPr wrap="square">
+            <a:spAutoFit/>
+          </a:bodyPr>
           <a:lstStyle/>
           <a:p>
-            <a:endParaRPr lang="nl-NL" sz="2800" dirty="0">
+            <a:pPr rtl="0" fontAlgn="base">
+              <a:spcBef>
+                <a:spcPts val="1200"/>
+              </a:spcBef>
+              <a:spcAft>
+                <a:spcPts val="0"/>
+              </a:spcAft>
+              <a:buFont typeface="Arial" panose="020B0604020202020204" pitchFamily="34" charset="0"/>
+              <a:buChar char="•"/>
+            </a:pPr>
+            <a:r>
+              <a:rPr lang="nl-NL" sz="1100" b="0" i="0" u="none" strike="noStrike" dirty="0">
+                <a:solidFill>
+                  <a:srgbClr val="000000"/>
+                </a:solidFill>
+                <a:effectLst/>
+                <a:latin typeface="Arial" panose="020B0604020202020204" pitchFamily="34" charset="0"/>
+              </a:rPr>
+              <a:t>Methode</a:t>
+            </a:r>
+          </a:p>
+          <a:p>
+            <a:pPr marL="742950" lvl="1" indent="-285750" rtl="0" fontAlgn="base">
+              <a:spcBef>
+                <a:spcPts val="0"/>
+              </a:spcBef>
+              <a:spcAft>
+                <a:spcPts val="1200"/>
+              </a:spcAft>
+              <a:buFont typeface="Arial" panose="020B0604020202020204" pitchFamily="34" charset="0"/>
+              <a:buChar char="•"/>
+            </a:pPr>
+            <a:r>
+              <a:rPr lang="nl-NL" sz="1100" b="0" i="0" u="none" strike="noStrike" dirty="0">
+                <a:solidFill>
+                  <a:srgbClr val="000000"/>
+                </a:solidFill>
+                <a:effectLst/>
+                <a:latin typeface="Arial" panose="020B0604020202020204" pitchFamily="34" charset="0"/>
+              </a:rPr>
+              <a:t>Beschrijft TK; waarom verwacht je dat deze methode gaat werken?</a:t>
+            </a:r>
+          </a:p>
+          <a:p>
+            <a:pPr marL="742950" lvl="1" indent="-285750" rtl="0" fontAlgn="base">
+              <a:spcBef>
+                <a:spcPts val="0"/>
+              </a:spcBef>
+              <a:spcAft>
+                <a:spcPts val="1200"/>
+              </a:spcAft>
+              <a:buFont typeface="Arial" panose="020B0604020202020204" pitchFamily="34" charset="0"/>
+              <a:buChar char="•"/>
+            </a:pPr>
+            <a:r>
+              <a:rPr lang="nl-NL" sz="1100" dirty="0">
+                <a:solidFill>
+                  <a:srgbClr val="000000"/>
+                </a:solidFill>
+                <a:latin typeface="Arial" panose="020B0604020202020204" pitchFamily="34" charset="0"/>
+              </a:rPr>
+              <a:t>Eerst (pseudo) random (keuzes voor minimale hoeveelheid lessen rekening houdend met maximaal aantal studenten per les, evenwichtige indeling studenten over lessen)</a:t>
+            </a:r>
+            <a:endParaRPr lang="nl-NL" sz="1100" b="0" i="0" u="none" strike="noStrike" dirty="0">
               <a:solidFill>
                 <a:srgbClr val="000000"/>
               </a:solidFill>
-              <a:latin typeface="+mn-lt"/>
+              <a:effectLst/>
+              <a:latin typeface="Arial" panose="020B0604020202020204" pitchFamily="34" charset="0"/>
             </a:endParaRPr>
           </a:p>
           <a:p>
-            <a:endParaRPr lang="nl-NL" dirty="0">
+            <a:pPr marL="742950" lvl="1" indent="-285750" rtl="0" fontAlgn="base">
+              <a:spcBef>
+                <a:spcPts val="0"/>
+              </a:spcBef>
+              <a:spcAft>
+                <a:spcPts val="1200"/>
+              </a:spcAft>
+              <a:buFont typeface="Arial" panose="020B0604020202020204" pitchFamily="34" charset="0"/>
+              <a:buChar char="•"/>
+            </a:pPr>
+            <a:r>
+              <a:rPr lang="nl-NL" sz="1100" dirty="0">
+                <a:solidFill>
+                  <a:srgbClr val="000000"/>
+                </a:solidFill>
+                <a:latin typeface="Arial" panose="020B0604020202020204" pitchFamily="34" charset="0"/>
+              </a:rPr>
+              <a:t>Constructief: veel te veel opties </a:t>
+            </a:r>
+            <a:r>
+              <a:rPr lang="nl-NL" sz="1100" dirty="0">
+                <a:solidFill>
+                  <a:srgbClr val="000000"/>
+                </a:solidFill>
+                <a:latin typeface="Arial" panose="020B0604020202020204" pitchFamily="34" charset="0"/>
+                <a:sym typeface="Wingdings" panose="05000000000000000000" pitchFamily="2" charset="2"/>
+              </a:rPr>
+              <a:t> start met iteratieve algoritmen</a:t>
+            </a:r>
+          </a:p>
+          <a:p>
+            <a:pPr marL="742950" lvl="1" indent="-285750" rtl="0" fontAlgn="base">
+              <a:spcBef>
+                <a:spcPts val="0"/>
+              </a:spcBef>
+              <a:spcAft>
+                <a:spcPts val="1200"/>
+              </a:spcAft>
+              <a:buFont typeface="Arial" panose="020B0604020202020204" pitchFamily="34" charset="0"/>
+              <a:buChar char="•"/>
+            </a:pPr>
+            <a:r>
+              <a:rPr lang="nl-NL" sz="1100" dirty="0">
+                <a:solidFill>
+                  <a:srgbClr val="000000"/>
+                </a:solidFill>
+                <a:latin typeface="Arial" panose="020B0604020202020204" pitchFamily="34" charset="0"/>
+                <a:sym typeface="Wingdings" panose="05000000000000000000" pitchFamily="2" charset="2"/>
+              </a:rPr>
+              <a:t>Eventueel later combinatie met niet-optimaal </a:t>
+            </a:r>
+            <a:r>
+              <a:rPr lang="nl-NL" sz="1100" dirty="0" err="1">
+                <a:solidFill>
+                  <a:srgbClr val="000000"/>
+                </a:solidFill>
+                <a:latin typeface="Arial" panose="020B0604020202020204" pitchFamily="34" charset="0"/>
+                <a:sym typeface="Wingdings" panose="05000000000000000000" pitchFamily="2" charset="2"/>
+              </a:rPr>
+              <a:t>prunen</a:t>
+            </a:r>
+            <a:endParaRPr lang="nl-NL" sz="1100" dirty="0">
               <a:solidFill>
                 <a:srgbClr val="000000"/>
               </a:solidFill>
+              <a:latin typeface="Arial" panose="020B0604020202020204" pitchFamily="34" charset="0"/>
             </a:endParaRPr>
           </a:p>
           <a:p>
-            <a:pPr marL="342900" lvl="0" indent="-342900">
-              <a:lnSpc>
-                <a:spcPct val="107000"/>
-              </a:lnSpc>
+            <a:pPr marL="742950" lvl="1" indent="-285750" rtl="0" fontAlgn="base">
+              <a:spcBef>
+                <a:spcPts val="0"/>
+              </a:spcBef>
               <a:spcAft>
-                <a:spcPts val="800"/>
+                <a:spcPts val="1200"/>
               </a:spcAft>
-              <a:buFont typeface="+mj-lt"/>
-              <a:buAutoNum type="arabicPeriod"/>
+              <a:buFont typeface="Arial" panose="020B0604020202020204" pitchFamily="34" charset="0"/>
+              <a:buChar char="•"/>
             </a:pPr>
-            <a:endParaRPr lang="nl-NL" sz="1800" dirty="0">
-              <a:effectLst/>
-              <a:latin typeface="Calibri" panose="020F0502020204030204" pitchFamily="34" charset="0"/>
-              <a:ea typeface="Calibri" panose="020F0502020204030204" pitchFamily="34" charset="0"/>
-              <a:cs typeface="Times New Roman" panose="02020603050405020304" pitchFamily="18" charset="0"/>
+            <a:endParaRPr lang="nl-NL" sz="1100" dirty="0">
+              <a:solidFill>
+                <a:srgbClr val="000000"/>
+              </a:solidFill>
+              <a:latin typeface="Arial" panose="020B0604020202020204" pitchFamily="34" charset="0"/>
             </a:endParaRPr>
-          </a:p>
-          <a:p>
-            <a:endParaRPr lang="nl-NL" dirty="0"/>
           </a:p>
         </p:txBody>
       </p:sp>
       <p:pic>
         <p:nvPicPr>
-          <p:cNvPr id="5" name="Afbeelding 4">
-            <a:extLst>
-              <a:ext uri="{FF2B5EF4-FFF2-40B4-BE49-F238E27FC236}">
-                <a16:creationId xmlns:a16="http://schemas.microsoft.com/office/drawing/2014/main" id="{EC86C7B4-9C34-4F5A-B571-640B3B1D9536}"/>
+          <p:cNvPr id="1026" name="Picture 2">
+            <a:extLst>
+              <a:ext uri="{FF2B5EF4-FFF2-40B4-BE49-F238E27FC236}">
+                <a16:creationId xmlns:a16="http://schemas.microsoft.com/office/drawing/2014/main" id="{285255F5-CB58-47DE-977E-4FDA5F34E811}"/>
               </a:ext>
             </a:extLst>
           </p:cNvPr>
           <p:cNvPicPr>
-            <a:picLocks noChangeAspect="1"/>
+            <a:picLocks noChangeAspect="1" noChangeArrowheads="1"/>
           </p:cNvPicPr>
           <p:nvPr/>
         </p:nvPicPr>
         <p:blipFill>
-          <a:blip r:embed="rId2"/>
+          <a:blip r:embed="rId2">
+            <a:extLst>
+              <a:ext uri="{28A0092B-C50C-407E-A947-70E740481C1C}">
+                <a14:useLocalDpi xmlns:a14="http://schemas.microsoft.com/office/drawing/2010/main" val="0"/>
+              </a:ext>
+            </a:extLst>
+          </a:blip>
+          <a:srcRect/>
           <a:stretch>
             <a:fillRect/>
           </a:stretch>
         </p:blipFill>
-        <p:spPr>
+        <p:spPr bwMode="auto">
           <a:xfrm>
-            <a:off x="5248274" y="72328"/>
-            <a:ext cx="6829425" cy="3757743"/>
+            <a:off x="2160695" y="2689724"/>
+            <a:ext cx="5734050" cy="3190875"/>
           </a:xfrm>
           <a:prstGeom prst="rect">
             <a:avLst/>
           </a:prstGeom>
+          <a:noFill/>
+          <a:extLst>
+            <a:ext uri="{909E8E84-426E-40DD-AFC4-6F175D3DCCD1}">
+              <a14:hiddenFill xmlns:a14="http://schemas.microsoft.com/office/drawing/2010/main">
+                <a:solidFill>
+                  <a:srgbClr val="FFFFFF"/>
+                </a:solidFill>
+              </a14:hiddenFill>
+            </a:ext>
+          </a:extLst>
         </p:spPr>
       </p:pic>
     </p:spTree>
     <p:extLst>
       <p:ext uri="{BB962C8B-B14F-4D97-AF65-F5344CB8AC3E}">
-        <p14:creationId xmlns:p14="http://schemas.microsoft.com/office/powerpoint/2010/main" val="2032551460"/>
+        <p14:creationId xmlns:p14="http://schemas.microsoft.com/office/powerpoint/2010/main" val="1224231636"/>
       </p:ext>
     </p:extLst>
   </p:cSld>
@@ -4948,10 +5068,10 @@
       </p:grpSpPr>
       <p:sp>
         <p:nvSpPr>
-          <p:cNvPr id="5" name="Tekstvak 4">
-            <a:extLst>
-              <a:ext uri="{FF2B5EF4-FFF2-40B4-BE49-F238E27FC236}">
-                <a16:creationId xmlns:a16="http://schemas.microsoft.com/office/drawing/2014/main" id="{E0CF9151-8183-4E85-A5FC-68464399ABF7}"/>
+          <p:cNvPr id="6" name="Tekstvak 5">
+            <a:extLst>
+              <a:ext uri="{FF2B5EF4-FFF2-40B4-BE49-F238E27FC236}">
+                <a16:creationId xmlns:a16="http://schemas.microsoft.com/office/drawing/2014/main" id="{D7BAE33F-BD7D-4734-813B-EFDE09905EF3}"/>
               </a:ext>
             </a:extLst>
           </p:cNvPr>
@@ -4960,8 +5080,8 @@
         </p:nvSpPr>
         <p:spPr>
           <a:xfrm>
-            <a:off x="2160695" y="977401"/>
-            <a:ext cx="6094520" cy="2062103"/>
+            <a:off x="2728404" y="1134907"/>
+            <a:ext cx="6096000" cy="5324535"/>
           </a:xfrm>
           <a:prstGeom prst="rect">
             <a:avLst/>
@@ -4973,6 +5093,1264 @@
             <a:spAutoFit/>
           </a:bodyPr>
           <a:lstStyle/>
+          <a:p>
+            <a:pPr rtl="0" fontAlgn="base">
+              <a:spcBef>
+                <a:spcPts val="1200"/>
+              </a:spcBef>
+              <a:spcAft>
+                <a:spcPts val="0"/>
+              </a:spcAft>
+            </a:pPr>
+            <a:r>
+              <a:rPr lang="nl-NL" sz="1100" b="0" i="0" u="sng" strike="noStrike" dirty="0">
+                <a:solidFill>
+                  <a:srgbClr val="1155CC"/>
+                </a:solidFill>
+                <a:effectLst/>
+                <a:latin typeface="Arial" panose="020B0604020202020204" pitchFamily="34" charset="0"/>
+                <a:hlinkClick r:id="rId2"/>
+              </a:rPr>
+              <a:t>Literatuur</a:t>
+            </a:r>
+          </a:p>
+          <a:p>
+            <a:pPr rtl="0" fontAlgn="base">
+              <a:spcBef>
+                <a:spcPts val="1200"/>
+              </a:spcBef>
+              <a:spcAft>
+                <a:spcPts val="0"/>
+              </a:spcAft>
+              <a:buFont typeface="+mj-lt"/>
+              <a:buAutoNum type="arabicPeriod"/>
+            </a:pPr>
+            <a:r>
+              <a:rPr lang="nl-NL" sz="1100" b="0" i="0" u="sng" strike="noStrike" dirty="0">
+                <a:solidFill>
+                  <a:srgbClr val="1155CC"/>
+                </a:solidFill>
+                <a:effectLst/>
+                <a:latin typeface="Arial" panose="020B0604020202020204" pitchFamily="34" charset="0"/>
+                <a:hlinkClick r:id="rId2"/>
+              </a:rPr>
+              <a:t>https://ieeexplore.ieee.org/abstract/document/5477159?casa_token=aWBnTSb-2l8AAAAA:_EykP5sE86JboeOuPUzybmlrx9J393LY-lSCXhtPLP-SNX41PdHEP7KkeeHDcypAU6Gv1hfp</a:t>
+            </a:r>
+            <a:endParaRPr lang="nl-NL" sz="1100" b="0" i="0" u="none" strike="noStrike" dirty="0">
+              <a:solidFill>
+                <a:srgbClr val="000000"/>
+              </a:solidFill>
+              <a:effectLst/>
+              <a:latin typeface="Arial" panose="020B0604020202020204" pitchFamily="34" charset="0"/>
+            </a:endParaRPr>
+          </a:p>
+          <a:p>
+            <a:pPr marL="742950" lvl="1" indent="-285750" rtl="0" fontAlgn="base">
+              <a:spcBef>
+                <a:spcPts val="0"/>
+              </a:spcBef>
+              <a:spcAft>
+                <a:spcPts val="0"/>
+              </a:spcAft>
+              <a:buFont typeface="+mj-lt"/>
+              <a:buAutoNum type="arabicPeriod"/>
+            </a:pPr>
+            <a:r>
+              <a:rPr lang="nl-NL" sz="1100" b="0" i="0" u="none" strike="noStrike" dirty="0" err="1">
+                <a:solidFill>
+                  <a:srgbClr val="000000"/>
+                </a:solidFill>
+                <a:effectLst/>
+                <a:latin typeface="Arial" panose="020B0604020202020204" pitchFamily="34" charset="0"/>
+              </a:rPr>
+              <a:t>Many</a:t>
+            </a:r>
+            <a:r>
+              <a:rPr lang="nl-NL" sz="1100" b="0" i="0" u="none" strike="noStrike" dirty="0">
+                <a:solidFill>
+                  <a:srgbClr val="000000"/>
+                </a:solidFill>
+                <a:effectLst/>
+                <a:latin typeface="Arial" panose="020B0604020202020204" pitchFamily="34" charset="0"/>
+              </a:rPr>
+              <a:t> </a:t>
+            </a:r>
+            <a:r>
+              <a:rPr lang="nl-NL" sz="1100" b="0" i="0" u="none" strike="noStrike" dirty="0" err="1">
+                <a:solidFill>
+                  <a:srgbClr val="000000"/>
+                </a:solidFill>
+                <a:effectLst/>
+                <a:latin typeface="Arial" panose="020B0604020202020204" pitchFamily="34" charset="0"/>
+              </a:rPr>
+              <a:t>algorithms</a:t>
+            </a:r>
+            <a:r>
+              <a:rPr lang="nl-NL" sz="1100" b="0" i="0" u="none" strike="noStrike" dirty="0">
+                <a:solidFill>
+                  <a:srgbClr val="000000"/>
+                </a:solidFill>
+                <a:effectLst/>
+                <a:latin typeface="Arial" panose="020B0604020202020204" pitchFamily="34" charset="0"/>
+              </a:rPr>
+              <a:t> are </a:t>
+            </a:r>
+            <a:r>
+              <a:rPr lang="nl-NL" sz="1100" b="0" i="0" u="none" strike="noStrike" dirty="0" err="1">
+                <a:solidFill>
+                  <a:srgbClr val="000000"/>
+                </a:solidFill>
+                <a:effectLst/>
+                <a:latin typeface="Arial" panose="020B0604020202020204" pitchFamily="34" charset="0"/>
+              </a:rPr>
+              <a:t>compared</a:t>
+            </a:r>
+            <a:endParaRPr lang="nl-NL" sz="1100" b="0" i="0" u="none" strike="noStrike" dirty="0">
+              <a:solidFill>
+                <a:srgbClr val="000000"/>
+              </a:solidFill>
+              <a:effectLst/>
+              <a:latin typeface="Arial" panose="020B0604020202020204" pitchFamily="34" charset="0"/>
+            </a:endParaRPr>
+          </a:p>
+          <a:p>
+            <a:pPr marL="742950" lvl="1" indent="-285750" rtl="0" fontAlgn="base">
+              <a:spcBef>
+                <a:spcPts val="0"/>
+              </a:spcBef>
+              <a:spcAft>
+                <a:spcPts val="0"/>
+              </a:spcAft>
+              <a:buFont typeface="+mj-lt"/>
+              <a:buAutoNum type="arabicPeriod"/>
+            </a:pPr>
+            <a:r>
+              <a:rPr lang="nl-NL" sz="1100" b="0" i="0" u="none" strike="noStrike" dirty="0">
+                <a:solidFill>
+                  <a:srgbClr val="000000"/>
+                </a:solidFill>
+                <a:effectLst/>
+                <a:latin typeface="Arial" panose="020B0604020202020204" pitchFamily="34" charset="0"/>
+              </a:rPr>
+              <a:t>Best </a:t>
+            </a:r>
+            <a:r>
+              <a:rPr lang="nl-NL" sz="1100" b="0" i="0" u="none" strike="noStrike" dirty="0" err="1">
+                <a:solidFill>
+                  <a:srgbClr val="000000"/>
+                </a:solidFill>
+                <a:effectLst/>
+                <a:latin typeface="Arial" panose="020B0604020202020204" pitchFamily="34" charset="0"/>
+              </a:rPr>
+              <a:t>algorithm</a:t>
+            </a:r>
+            <a:r>
+              <a:rPr lang="nl-NL" sz="1100" b="0" i="0" u="none" strike="noStrike" dirty="0">
+                <a:solidFill>
+                  <a:srgbClr val="000000"/>
+                </a:solidFill>
+                <a:effectLst/>
+                <a:latin typeface="Arial" panose="020B0604020202020204" pitchFamily="34" charset="0"/>
+              </a:rPr>
+              <a:t>: Extended </a:t>
+            </a:r>
+            <a:r>
+              <a:rPr lang="nl-NL" sz="1100" b="0" i="0" u="none" strike="noStrike" dirty="0" err="1">
+                <a:solidFill>
+                  <a:srgbClr val="000000"/>
+                </a:solidFill>
+                <a:effectLst/>
+                <a:latin typeface="Arial" panose="020B0604020202020204" pitchFamily="34" charset="0"/>
+              </a:rPr>
+              <a:t>Guided</a:t>
+            </a:r>
+            <a:r>
+              <a:rPr lang="nl-NL" sz="1100" b="0" i="0" u="none" strike="noStrike" dirty="0">
+                <a:solidFill>
+                  <a:srgbClr val="000000"/>
+                </a:solidFill>
+                <a:effectLst/>
+                <a:latin typeface="Arial" panose="020B0604020202020204" pitchFamily="34" charset="0"/>
+              </a:rPr>
+              <a:t> Search </a:t>
+            </a:r>
+            <a:r>
+              <a:rPr lang="nl-NL" sz="1100" b="0" i="0" u="none" strike="noStrike" dirty="0" err="1">
+                <a:solidFill>
+                  <a:srgbClr val="000000"/>
+                </a:solidFill>
+                <a:effectLst/>
+                <a:latin typeface="Arial" panose="020B0604020202020204" pitchFamily="34" charset="0"/>
+              </a:rPr>
+              <a:t>Genetic</a:t>
+            </a:r>
+            <a:r>
+              <a:rPr lang="nl-NL" sz="1100" b="0" i="0" u="none" strike="noStrike" dirty="0">
+                <a:solidFill>
+                  <a:srgbClr val="000000"/>
+                </a:solidFill>
+                <a:effectLst/>
+                <a:latin typeface="Arial" panose="020B0604020202020204" pitchFamily="34" charset="0"/>
+              </a:rPr>
+              <a:t> </a:t>
+            </a:r>
+            <a:r>
+              <a:rPr lang="nl-NL" sz="1100" b="0" i="0" u="none" strike="noStrike" dirty="0" err="1">
+                <a:solidFill>
+                  <a:srgbClr val="000000"/>
+                </a:solidFill>
+                <a:effectLst/>
+                <a:latin typeface="Arial" panose="020B0604020202020204" pitchFamily="34" charset="0"/>
+              </a:rPr>
+              <a:t>Algorithm</a:t>
+            </a:r>
+            <a:r>
+              <a:rPr lang="nl-NL" sz="1100" b="0" i="0" u="none" strike="noStrike" dirty="0">
+                <a:solidFill>
+                  <a:srgbClr val="000000"/>
+                </a:solidFill>
+                <a:effectLst/>
+                <a:latin typeface="Arial" panose="020B0604020202020204" pitchFamily="34" charset="0"/>
+              </a:rPr>
+              <a:t> (EGSGA)</a:t>
+            </a:r>
+          </a:p>
+          <a:p>
+            <a:pPr rtl="0" fontAlgn="base">
+              <a:spcBef>
+                <a:spcPts val="0"/>
+              </a:spcBef>
+              <a:spcAft>
+                <a:spcPts val="0"/>
+              </a:spcAft>
+              <a:buFont typeface="+mj-lt"/>
+              <a:buAutoNum type="arabicPeriod"/>
+            </a:pPr>
+            <a:r>
+              <a:rPr lang="nl-NL" sz="1100" b="0" i="0" u="sng" strike="noStrike" dirty="0">
+                <a:solidFill>
+                  <a:srgbClr val="1155CC"/>
+                </a:solidFill>
+                <a:effectLst/>
+                <a:latin typeface="Arial" panose="020B0604020202020204" pitchFamily="34" charset="0"/>
+                <a:hlinkClick r:id="rId3"/>
+              </a:rPr>
+              <a:t>https://www.shs-conferences.org/articles/shsconf/abs/2020/05/shsconf_etltc2020_01001/shsconf_etltc2020_01001.html</a:t>
+            </a:r>
+            <a:endParaRPr lang="nl-NL" sz="1100" b="0" i="0" u="none" strike="noStrike" dirty="0">
+              <a:solidFill>
+                <a:srgbClr val="000000"/>
+              </a:solidFill>
+              <a:effectLst/>
+              <a:latin typeface="Arial" panose="020B0604020202020204" pitchFamily="34" charset="0"/>
+            </a:endParaRPr>
+          </a:p>
+          <a:p>
+            <a:pPr marL="742950" lvl="1" indent="-285750" rtl="0" fontAlgn="base">
+              <a:spcBef>
+                <a:spcPts val="0"/>
+              </a:spcBef>
+              <a:spcAft>
+                <a:spcPts val="0"/>
+              </a:spcAft>
+              <a:buFont typeface="+mj-lt"/>
+              <a:buAutoNum type="arabicPeriod"/>
+            </a:pPr>
+            <a:r>
+              <a:rPr lang="nl-NL" sz="1100" b="0" i="0" u="none" strike="noStrike" dirty="0" err="1">
+                <a:solidFill>
+                  <a:srgbClr val="000000"/>
+                </a:solidFill>
+                <a:effectLst/>
+                <a:latin typeface="Arial" panose="020B0604020202020204" pitchFamily="34" charset="0"/>
+              </a:rPr>
+              <a:t>Only</a:t>
+            </a:r>
+            <a:r>
+              <a:rPr lang="nl-NL" sz="1100" b="0" i="0" u="none" strike="noStrike" dirty="0">
+                <a:solidFill>
+                  <a:srgbClr val="000000"/>
+                </a:solidFill>
+                <a:effectLst/>
+                <a:latin typeface="Arial" panose="020B0604020202020204" pitchFamily="34" charset="0"/>
+              </a:rPr>
+              <a:t> Multi-Depth </a:t>
+            </a:r>
+            <a:r>
+              <a:rPr lang="nl-NL" sz="1100" b="0" i="0" u="none" strike="noStrike" dirty="0" err="1">
+                <a:solidFill>
+                  <a:srgbClr val="000000"/>
+                </a:solidFill>
+                <a:effectLst/>
+                <a:latin typeface="Arial" panose="020B0604020202020204" pitchFamily="34" charset="0"/>
+              </a:rPr>
+              <a:t>Genetic</a:t>
+            </a:r>
+            <a:r>
+              <a:rPr lang="nl-NL" sz="1100" b="0" i="0" u="none" strike="noStrike" dirty="0">
+                <a:solidFill>
+                  <a:srgbClr val="000000"/>
+                </a:solidFill>
+                <a:effectLst/>
+                <a:latin typeface="Arial" panose="020B0604020202020204" pitchFamily="34" charset="0"/>
+              </a:rPr>
+              <a:t> </a:t>
+            </a:r>
+            <a:r>
+              <a:rPr lang="nl-NL" sz="1100" b="0" i="0" u="none" strike="noStrike" dirty="0" err="1">
+                <a:solidFill>
+                  <a:srgbClr val="000000"/>
+                </a:solidFill>
+                <a:effectLst/>
+                <a:latin typeface="Arial" panose="020B0604020202020204" pitchFamily="34" charset="0"/>
+              </a:rPr>
+              <a:t>Algorithm</a:t>
+            </a:r>
+            <a:r>
+              <a:rPr lang="nl-NL" sz="1100" b="0" i="0" u="none" strike="noStrike" dirty="0">
+                <a:solidFill>
+                  <a:srgbClr val="000000"/>
+                </a:solidFill>
+                <a:effectLst/>
+                <a:latin typeface="Arial" panose="020B0604020202020204" pitchFamily="34" charset="0"/>
+              </a:rPr>
+              <a:t> (MDGA) is </a:t>
+            </a:r>
+            <a:r>
+              <a:rPr lang="nl-NL" sz="1100" b="0" i="0" u="none" strike="noStrike" dirty="0" err="1">
+                <a:solidFill>
+                  <a:srgbClr val="000000"/>
+                </a:solidFill>
+                <a:effectLst/>
+                <a:latin typeface="Arial" panose="020B0604020202020204" pitchFamily="34" charset="0"/>
+              </a:rPr>
+              <a:t>discussed</a:t>
+            </a:r>
+            <a:r>
+              <a:rPr lang="nl-NL" sz="1100" b="0" i="0" u="none" strike="noStrike" dirty="0">
+                <a:solidFill>
+                  <a:srgbClr val="000000"/>
+                </a:solidFill>
+                <a:effectLst/>
+                <a:latin typeface="Arial" panose="020B0604020202020204" pitchFamily="34" charset="0"/>
+              </a:rPr>
+              <a:t> but </a:t>
+            </a:r>
+            <a:r>
+              <a:rPr lang="nl-NL" sz="1100" b="0" i="0" u="none" strike="noStrike" dirty="0" err="1">
+                <a:solidFill>
+                  <a:srgbClr val="000000"/>
+                </a:solidFill>
+                <a:effectLst/>
+                <a:latin typeface="Arial" panose="020B0604020202020204" pitchFamily="34" charset="0"/>
+              </a:rPr>
+              <a:t>compared</a:t>
+            </a:r>
+            <a:r>
+              <a:rPr lang="nl-NL" sz="1100" b="0" i="0" u="none" strike="noStrike" dirty="0">
+                <a:solidFill>
+                  <a:srgbClr val="000000"/>
+                </a:solidFill>
+                <a:effectLst/>
+                <a:latin typeface="Arial" panose="020B0604020202020204" pitchFamily="34" charset="0"/>
+              </a:rPr>
+              <a:t> </a:t>
+            </a:r>
+            <a:r>
+              <a:rPr lang="nl-NL" sz="1100" b="0" i="0" u="none" strike="noStrike" dirty="0" err="1">
+                <a:solidFill>
+                  <a:srgbClr val="000000"/>
+                </a:solidFill>
+                <a:effectLst/>
+                <a:latin typeface="Arial" panose="020B0604020202020204" pitchFamily="34" charset="0"/>
+              </a:rPr>
+              <a:t>with</a:t>
+            </a:r>
+            <a:r>
+              <a:rPr lang="nl-NL" sz="1100" b="0" i="0" u="none" strike="noStrike" dirty="0">
+                <a:solidFill>
+                  <a:srgbClr val="000000"/>
+                </a:solidFill>
+                <a:effectLst/>
+                <a:latin typeface="Arial" panose="020B0604020202020204" pitchFamily="34" charset="0"/>
+              </a:rPr>
+              <a:t> different </a:t>
+            </a:r>
+            <a:r>
+              <a:rPr lang="nl-NL" sz="1100" b="0" i="0" u="none" strike="noStrike" dirty="0" err="1">
+                <a:solidFill>
+                  <a:srgbClr val="000000"/>
+                </a:solidFill>
+                <a:effectLst/>
+                <a:latin typeface="Arial" panose="020B0604020202020204" pitchFamily="34" charset="0"/>
+              </a:rPr>
+              <a:t>algorithms</a:t>
+            </a:r>
+            <a:r>
+              <a:rPr lang="nl-NL" sz="1100" b="0" i="0" u="none" strike="noStrike" dirty="0">
+                <a:solidFill>
+                  <a:srgbClr val="000000"/>
+                </a:solidFill>
+                <a:effectLst/>
+                <a:latin typeface="Arial" panose="020B0604020202020204" pitchFamily="34" charset="0"/>
+              </a:rPr>
+              <a:t>. </a:t>
+            </a:r>
+          </a:p>
+          <a:p>
+            <a:pPr marL="742950" lvl="1" indent="-285750" rtl="0" fontAlgn="base">
+              <a:spcBef>
+                <a:spcPts val="0"/>
+              </a:spcBef>
+              <a:spcAft>
+                <a:spcPts val="0"/>
+              </a:spcAft>
+              <a:buFont typeface="+mj-lt"/>
+              <a:buAutoNum type="arabicPeriod"/>
+            </a:pPr>
+            <a:r>
+              <a:rPr lang="nl-NL" sz="1100" b="0" i="0" u="none" strike="noStrike" dirty="0" err="1">
+                <a:solidFill>
+                  <a:srgbClr val="000000"/>
+                </a:solidFill>
+                <a:effectLst/>
+                <a:latin typeface="Arial" panose="020B0604020202020204" pitchFamily="34" charset="0"/>
+              </a:rPr>
+              <a:t>outperformes</a:t>
+            </a:r>
+            <a:r>
+              <a:rPr lang="nl-NL" sz="1100" b="0" i="0" u="none" strike="noStrike" dirty="0">
+                <a:solidFill>
+                  <a:srgbClr val="000000"/>
+                </a:solidFill>
+                <a:effectLst/>
+                <a:latin typeface="Arial" panose="020B0604020202020204" pitchFamily="34" charset="0"/>
+              </a:rPr>
+              <a:t> </a:t>
+            </a:r>
+            <a:r>
+              <a:rPr lang="nl-NL" sz="1100" b="0" i="0" u="none" strike="noStrike" dirty="0" err="1">
+                <a:solidFill>
+                  <a:srgbClr val="000000"/>
+                </a:solidFill>
+                <a:effectLst/>
+                <a:latin typeface="Arial" panose="020B0604020202020204" pitchFamily="34" charset="0"/>
+              </a:rPr>
+              <a:t>others</a:t>
+            </a:r>
+            <a:r>
+              <a:rPr lang="nl-NL" sz="1100" b="0" i="0" u="none" strike="noStrike" dirty="0">
+                <a:solidFill>
+                  <a:srgbClr val="000000"/>
+                </a:solidFill>
+                <a:effectLst/>
+                <a:latin typeface="Arial" panose="020B0604020202020204" pitchFamily="34" charset="0"/>
+              </a:rPr>
+              <a:t> in 6 of 25 cases.</a:t>
+            </a:r>
+          </a:p>
+          <a:p>
+            <a:pPr rtl="0" fontAlgn="base">
+              <a:spcBef>
+                <a:spcPts val="0"/>
+              </a:spcBef>
+              <a:spcAft>
+                <a:spcPts val="0"/>
+              </a:spcAft>
+              <a:buFont typeface="+mj-lt"/>
+              <a:buAutoNum type="arabicPeriod"/>
+            </a:pPr>
+            <a:r>
+              <a:rPr lang="nl-NL" sz="1100" b="0" i="0" u="sng" strike="noStrike" dirty="0">
+                <a:solidFill>
+                  <a:srgbClr val="1155CC"/>
+                </a:solidFill>
+                <a:effectLst/>
+                <a:latin typeface="Arial" panose="020B0604020202020204" pitchFamily="34" charset="0"/>
+                <a:hlinkClick r:id="rId4"/>
+              </a:rPr>
+              <a:t>https://link.springer.com/article/10.1007/s10489-020-01833-x#additional-information</a:t>
+            </a:r>
+            <a:endParaRPr lang="nl-NL" sz="1100" b="0" i="0" u="none" strike="noStrike" dirty="0">
+              <a:solidFill>
+                <a:srgbClr val="000000"/>
+              </a:solidFill>
+              <a:effectLst/>
+              <a:latin typeface="Arial" panose="020B0604020202020204" pitchFamily="34" charset="0"/>
+            </a:endParaRPr>
+          </a:p>
+          <a:p>
+            <a:pPr marL="742950" lvl="1" indent="-285750" rtl="0" fontAlgn="base">
+              <a:spcBef>
+                <a:spcPts val="0"/>
+              </a:spcBef>
+              <a:spcAft>
+                <a:spcPts val="0"/>
+              </a:spcAft>
+              <a:buFont typeface="+mj-lt"/>
+              <a:buAutoNum type="arabicPeriod"/>
+            </a:pPr>
+            <a:r>
+              <a:rPr lang="nl-NL" sz="1100" b="0" i="0" u="none" strike="noStrike" dirty="0" err="1">
+                <a:solidFill>
+                  <a:srgbClr val="000000"/>
+                </a:solidFill>
+                <a:effectLst/>
+                <a:latin typeface="Arial" panose="020B0604020202020204" pitchFamily="34" charset="0"/>
+              </a:rPr>
+              <a:t>improved</a:t>
+            </a:r>
+            <a:r>
+              <a:rPr lang="nl-NL" sz="1100" b="0" i="0" u="none" strike="noStrike" dirty="0">
+                <a:solidFill>
+                  <a:srgbClr val="000000"/>
+                </a:solidFill>
+                <a:effectLst/>
+                <a:latin typeface="Arial" panose="020B0604020202020204" pitchFamily="34" charset="0"/>
+              </a:rPr>
+              <a:t> parallel </a:t>
+            </a:r>
+            <a:r>
+              <a:rPr lang="nl-NL" sz="1100" b="0" i="0" u="none" strike="noStrike" dirty="0" err="1">
+                <a:solidFill>
+                  <a:srgbClr val="000000"/>
+                </a:solidFill>
+                <a:effectLst/>
+                <a:latin typeface="Arial" panose="020B0604020202020204" pitchFamily="34" charset="0"/>
+              </a:rPr>
+              <a:t>genetic</a:t>
+            </a:r>
+            <a:r>
+              <a:rPr lang="nl-NL" sz="1100" b="0" i="0" u="none" strike="noStrike" dirty="0">
+                <a:solidFill>
+                  <a:srgbClr val="000000"/>
+                </a:solidFill>
+                <a:effectLst/>
+                <a:latin typeface="Arial" panose="020B0604020202020204" pitchFamily="34" charset="0"/>
+              </a:rPr>
+              <a:t> </a:t>
+            </a:r>
+            <a:r>
+              <a:rPr lang="nl-NL" sz="1100" b="0" i="0" u="none" strike="noStrike" dirty="0" err="1">
+                <a:solidFill>
+                  <a:srgbClr val="000000"/>
+                </a:solidFill>
+                <a:effectLst/>
+                <a:latin typeface="Arial" panose="020B0604020202020204" pitchFamily="34" charset="0"/>
+              </a:rPr>
+              <a:t>algorithm</a:t>
+            </a:r>
+            <a:r>
+              <a:rPr lang="nl-NL" sz="1100" b="0" i="0" u="none" strike="noStrike" dirty="0">
+                <a:solidFill>
+                  <a:srgbClr val="000000"/>
+                </a:solidFill>
+                <a:effectLst/>
+                <a:latin typeface="Arial" panose="020B0604020202020204" pitchFamily="34" charset="0"/>
+              </a:rPr>
+              <a:t> </a:t>
+            </a:r>
+            <a:r>
+              <a:rPr lang="nl-NL" sz="1100" b="0" i="0" u="none" strike="noStrike" dirty="0" err="1">
+                <a:solidFill>
+                  <a:srgbClr val="000000"/>
+                </a:solidFill>
+                <a:effectLst/>
+                <a:latin typeface="Arial" panose="020B0604020202020204" pitchFamily="34" charset="0"/>
+              </a:rPr>
+              <a:t>and</a:t>
+            </a:r>
+            <a:r>
+              <a:rPr lang="nl-NL" sz="1100" b="0" i="0" u="none" strike="noStrike" dirty="0">
+                <a:solidFill>
+                  <a:srgbClr val="000000"/>
+                </a:solidFill>
+                <a:effectLst/>
+                <a:latin typeface="Arial" panose="020B0604020202020204" pitchFamily="34" charset="0"/>
+              </a:rPr>
+              <a:t> </a:t>
+            </a:r>
+            <a:r>
+              <a:rPr lang="nl-NL" sz="1100" b="0" i="0" u="none" strike="noStrike" dirty="0" err="1">
+                <a:solidFill>
+                  <a:srgbClr val="000000"/>
+                </a:solidFill>
+                <a:effectLst/>
+                <a:latin typeface="Arial" panose="020B0604020202020204" pitchFamily="34" charset="0"/>
+              </a:rPr>
+              <a:t>local</a:t>
+            </a:r>
+            <a:r>
+              <a:rPr lang="nl-NL" sz="1100" b="0" i="0" u="none" strike="noStrike" dirty="0">
+                <a:solidFill>
+                  <a:srgbClr val="000000"/>
+                </a:solidFill>
+                <a:effectLst/>
+                <a:latin typeface="Arial" panose="020B0604020202020204" pitchFamily="34" charset="0"/>
+              </a:rPr>
+              <a:t> search (IPGALS)</a:t>
+            </a:r>
+          </a:p>
+          <a:p>
+            <a:pPr marL="742950" lvl="1" indent="-285750" rtl="0" fontAlgn="base">
+              <a:spcBef>
+                <a:spcPts val="0"/>
+              </a:spcBef>
+              <a:spcAft>
+                <a:spcPts val="0"/>
+              </a:spcAft>
+              <a:buFont typeface="+mj-lt"/>
+              <a:buAutoNum type="arabicPeriod"/>
+            </a:pPr>
+            <a:r>
+              <a:rPr lang="nl-NL" sz="1100" b="0" i="0" u="none" strike="noStrike" dirty="0" err="1">
+                <a:solidFill>
+                  <a:srgbClr val="000000"/>
+                </a:solidFill>
+                <a:effectLst/>
+                <a:latin typeface="Arial" panose="020B0604020202020204" pitchFamily="34" charset="0"/>
+              </a:rPr>
+              <a:t>outperforms</a:t>
+            </a:r>
+            <a:r>
+              <a:rPr lang="nl-NL" sz="1100" b="0" i="0" u="none" strike="noStrike" dirty="0">
+                <a:solidFill>
+                  <a:srgbClr val="000000"/>
+                </a:solidFill>
+                <a:effectLst/>
+                <a:latin typeface="Arial" panose="020B0604020202020204" pitchFamily="34" charset="0"/>
+              </a:rPr>
+              <a:t> </a:t>
+            </a:r>
+            <a:r>
+              <a:rPr lang="nl-NL" sz="1100" b="0" i="0" u="none" strike="noStrike" dirty="0" err="1">
+                <a:solidFill>
+                  <a:srgbClr val="000000"/>
+                </a:solidFill>
+                <a:effectLst/>
+                <a:latin typeface="Arial" panose="020B0604020202020204" pitchFamily="34" charset="0"/>
+              </a:rPr>
+              <a:t>others</a:t>
+            </a:r>
+            <a:r>
+              <a:rPr lang="nl-NL" sz="1100" b="0" i="0" u="none" strike="noStrike" dirty="0">
+                <a:solidFill>
+                  <a:srgbClr val="000000"/>
+                </a:solidFill>
+                <a:effectLst/>
+                <a:latin typeface="Arial" panose="020B0604020202020204" pitchFamily="34" charset="0"/>
+              </a:rPr>
+              <a:t> (</a:t>
+            </a:r>
+            <a:r>
+              <a:rPr lang="nl-NL" sz="1100" b="0" i="0" u="none" strike="noStrike" dirty="0" err="1">
+                <a:solidFill>
+                  <a:srgbClr val="000000"/>
+                </a:solidFill>
+                <a:effectLst/>
+                <a:latin typeface="Arial" panose="020B0604020202020204" pitchFamily="34" charset="0"/>
+              </a:rPr>
+              <a:t>compared</a:t>
+            </a:r>
+            <a:r>
+              <a:rPr lang="nl-NL" sz="1100" b="0" i="0" u="none" strike="noStrike" dirty="0">
+                <a:solidFill>
+                  <a:srgbClr val="000000"/>
+                </a:solidFill>
+                <a:effectLst/>
+                <a:latin typeface="Arial" panose="020B0604020202020204" pitchFamily="34" charset="0"/>
+              </a:rPr>
+              <a:t> </a:t>
+            </a:r>
+            <a:r>
+              <a:rPr lang="nl-NL" sz="1100" b="0" i="0" u="none" strike="noStrike" dirty="0" err="1">
+                <a:solidFill>
+                  <a:srgbClr val="000000"/>
+                </a:solidFill>
+                <a:effectLst/>
+                <a:latin typeface="Arial" panose="020B0604020202020204" pitchFamily="34" charset="0"/>
+              </a:rPr>
+              <a:t>with</a:t>
+            </a:r>
+            <a:r>
+              <a:rPr lang="nl-NL" sz="1100" b="0" i="0" u="none" strike="noStrike" dirty="0">
+                <a:solidFill>
+                  <a:srgbClr val="000000"/>
+                </a:solidFill>
+                <a:effectLst/>
+                <a:latin typeface="Arial" panose="020B0604020202020204" pitchFamily="34" charset="0"/>
+              </a:rPr>
+              <a:t> EGSGA but </a:t>
+            </a:r>
+            <a:r>
+              <a:rPr lang="nl-NL" sz="1100" b="0" i="0" u="none" strike="noStrike" dirty="0" err="1">
+                <a:solidFill>
+                  <a:srgbClr val="000000"/>
+                </a:solidFill>
+                <a:effectLst/>
+                <a:latin typeface="Arial" panose="020B0604020202020204" pitchFamily="34" charset="0"/>
+              </a:rPr>
+              <a:t>not</a:t>
+            </a:r>
+            <a:r>
+              <a:rPr lang="nl-NL" sz="1100" b="0" i="0" u="none" strike="noStrike" dirty="0">
+                <a:solidFill>
+                  <a:srgbClr val="000000"/>
+                </a:solidFill>
+                <a:effectLst/>
+                <a:latin typeface="Arial" panose="020B0604020202020204" pitchFamily="34" charset="0"/>
+              </a:rPr>
+              <a:t> </a:t>
+            </a:r>
+            <a:r>
+              <a:rPr lang="nl-NL" sz="1100" b="0" i="0" u="none" strike="noStrike" dirty="0" err="1">
+                <a:solidFill>
+                  <a:srgbClr val="000000"/>
+                </a:solidFill>
+                <a:effectLst/>
+                <a:latin typeface="Arial" panose="020B0604020202020204" pitchFamily="34" charset="0"/>
+              </a:rPr>
+              <a:t>with</a:t>
+            </a:r>
+            <a:r>
+              <a:rPr lang="nl-NL" sz="1100" b="0" i="0" u="none" strike="noStrike" dirty="0">
+                <a:solidFill>
+                  <a:srgbClr val="000000"/>
+                </a:solidFill>
+                <a:effectLst/>
+                <a:latin typeface="Arial" panose="020B0604020202020204" pitchFamily="34" charset="0"/>
+              </a:rPr>
+              <a:t> MDGA)</a:t>
+            </a:r>
+          </a:p>
+          <a:p>
+            <a:pPr rtl="0" fontAlgn="base">
+              <a:spcBef>
+                <a:spcPts val="0"/>
+              </a:spcBef>
+              <a:spcAft>
+                <a:spcPts val="0"/>
+              </a:spcAft>
+              <a:buFont typeface="+mj-lt"/>
+              <a:buAutoNum type="arabicPeriod"/>
+            </a:pPr>
+            <a:r>
+              <a:rPr lang="nl-NL" sz="1100" b="0" i="0" u="sng" strike="noStrike" dirty="0">
+                <a:solidFill>
+                  <a:srgbClr val="1155CC"/>
+                </a:solidFill>
+                <a:effectLst/>
+                <a:latin typeface="Arial" panose="020B0604020202020204" pitchFamily="34" charset="0"/>
+                <a:hlinkClick r:id="rId5"/>
+              </a:rPr>
+              <a:t>https://www.sciencedirect.com/science/article/pii/S0360835214003714?via%3Dihub</a:t>
+            </a:r>
+            <a:endParaRPr lang="nl-NL" sz="1100" b="0" i="0" u="none" strike="noStrike" dirty="0">
+              <a:solidFill>
+                <a:srgbClr val="000000"/>
+              </a:solidFill>
+              <a:effectLst/>
+              <a:latin typeface="Arial" panose="020B0604020202020204" pitchFamily="34" charset="0"/>
+            </a:endParaRPr>
+          </a:p>
+          <a:p>
+            <a:pPr marL="742950" lvl="1" indent="-285750" rtl="0" fontAlgn="base">
+              <a:spcBef>
+                <a:spcPts val="0"/>
+              </a:spcBef>
+              <a:spcAft>
+                <a:spcPts val="0"/>
+              </a:spcAft>
+              <a:buFont typeface="+mj-lt"/>
+              <a:buAutoNum type="arabicPeriod"/>
+            </a:pPr>
+            <a:r>
+              <a:rPr lang="nl-NL" sz="1100" b="0" i="0" u="none" strike="noStrike" dirty="0" err="1">
+                <a:solidFill>
+                  <a:srgbClr val="000000"/>
+                </a:solidFill>
+                <a:effectLst/>
+                <a:latin typeface="Arial" panose="020B0604020202020204" pitchFamily="34" charset="0"/>
+              </a:rPr>
+              <a:t>Compares</a:t>
+            </a:r>
+            <a:r>
+              <a:rPr lang="nl-NL" sz="1100" b="0" i="0" u="none" strike="noStrike" dirty="0">
+                <a:solidFill>
+                  <a:srgbClr val="000000"/>
+                </a:solidFill>
+                <a:effectLst/>
+                <a:latin typeface="Arial" panose="020B0604020202020204" pitchFamily="34" charset="0"/>
+              </a:rPr>
+              <a:t> different </a:t>
+            </a:r>
+            <a:r>
+              <a:rPr lang="nl-NL" sz="1100" b="0" i="0" u="none" strike="noStrike" dirty="0" err="1">
+                <a:solidFill>
+                  <a:srgbClr val="000000"/>
+                </a:solidFill>
+                <a:effectLst/>
+                <a:latin typeface="Arial" panose="020B0604020202020204" pitchFamily="34" charset="0"/>
+              </a:rPr>
+              <a:t>algorithms</a:t>
+            </a:r>
+            <a:r>
+              <a:rPr lang="nl-NL" sz="1100" b="0" i="0" u="none" strike="noStrike" dirty="0">
+                <a:solidFill>
+                  <a:srgbClr val="000000"/>
+                </a:solidFill>
+                <a:effectLst/>
+                <a:latin typeface="Arial" panose="020B0604020202020204" pitchFamily="34" charset="0"/>
+              </a:rPr>
+              <a:t> </a:t>
+            </a:r>
+            <a:r>
+              <a:rPr lang="nl-NL" sz="1100" b="0" i="0" u="none" strike="noStrike" dirty="0" err="1">
+                <a:solidFill>
+                  <a:srgbClr val="000000"/>
+                </a:solidFill>
+                <a:effectLst/>
+                <a:latin typeface="Arial" panose="020B0604020202020204" pitchFamily="34" charset="0"/>
+              </a:rPr>
+              <a:t>based</a:t>
+            </a:r>
+            <a:r>
+              <a:rPr lang="nl-NL" sz="1100" b="0" i="0" u="none" strike="noStrike" dirty="0">
+                <a:solidFill>
+                  <a:srgbClr val="000000"/>
+                </a:solidFill>
+                <a:effectLst/>
+                <a:latin typeface="Arial" panose="020B0604020202020204" pitchFamily="34" charset="0"/>
+              </a:rPr>
+              <a:t> on </a:t>
+            </a:r>
+            <a:r>
+              <a:rPr lang="nl-NL" sz="1100" b="0" i="0" u="none" strike="noStrike" dirty="0" err="1">
+                <a:solidFill>
+                  <a:srgbClr val="000000"/>
+                </a:solidFill>
+                <a:effectLst/>
+                <a:latin typeface="Arial" panose="020B0604020202020204" pitchFamily="34" charset="0"/>
+              </a:rPr>
+              <a:t>size</a:t>
+            </a:r>
+            <a:r>
+              <a:rPr lang="nl-NL" sz="1100" b="0" i="0" u="none" strike="noStrike" dirty="0">
+                <a:solidFill>
+                  <a:srgbClr val="000000"/>
+                </a:solidFill>
+                <a:effectLst/>
+                <a:latin typeface="Arial" panose="020B0604020202020204" pitchFamily="34" charset="0"/>
+              </a:rPr>
+              <a:t> of dataset. (does </a:t>
+            </a:r>
+            <a:r>
+              <a:rPr lang="nl-NL" sz="1100" b="0" i="0" u="none" strike="noStrike" dirty="0" err="1">
+                <a:solidFill>
+                  <a:srgbClr val="000000"/>
+                </a:solidFill>
+                <a:effectLst/>
+                <a:latin typeface="Arial" panose="020B0604020202020204" pitchFamily="34" charset="0"/>
+              </a:rPr>
+              <a:t>not</a:t>
+            </a:r>
+            <a:r>
+              <a:rPr lang="nl-NL" sz="1100" b="0" i="0" u="none" strike="noStrike" dirty="0">
+                <a:solidFill>
+                  <a:srgbClr val="000000"/>
+                </a:solidFill>
+                <a:effectLst/>
+                <a:latin typeface="Arial" panose="020B0604020202020204" pitchFamily="34" charset="0"/>
+              </a:rPr>
+              <a:t> </a:t>
+            </a:r>
+            <a:r>
+              <a:rPr lang="nl-NL" sz="1100" b="0" i="0" u="none" strike="noStrike" dirty="0" err="1">
+                <a:solidFill>
+                  <a:srgbClr val="000000"/>
+                </a:solidFill>
+                <a:effectLst/>
+                <a:latin typeface="Arial" panose="020B0604020202020204" pitchFamily="34" charset="0"/>
+              </a:rPr>
+              <a:t>include</a:t>
+            </a:r>
+            <a:r>
+              <a:rPr lang="nl-NL" sz="1100" b="0" i="0" u="none" strike="noStrike" dirty="0">
+                <a:solidFill>
+                  <a:srgbClr val="000000"/>
+                </a:solidFill>
+                <a:effectLst/>
+                <a:latin typeface="Arial" panose="020B0604020202020204" pitchFamily="34" charset="0"/>
+              </a:rPr>
+              <a:t> IPGALS </a:t>
+            </a:r>
+            <a:r>
+              <a:rPr lang="nl-NL" sz="1100" b="0" i="0" u="none" strike="noStrike" dirty="0" err="1">
+                <a:solidFill>
+                  <a:srgbClr val="000000"/>
+                </a:solidFill>
+                <a:effectLst/>
+                <a:latin typeface="Arial" panose="020B0604020202020204" pitchFamily="34" charset="0"/>
+              </a:rPr>
+              <a:t>and</a:t>
+            </a:r>
+            <a:r>
+              <a:rPr lang="nl-NL" sz="1100" b="0" i="0" u="none" strike="noStrike" dirty="0">
+                <a:solidFill>
+                  <a:srgbClr val="000000"/>
+                </a:solidFill>
+                <a:effectLst/>
+                <a:latin typeface="Arial" panose="020B0604020202020204" pitchFamily="34" charset="0"/>
+              </a:rPr>
+              <a:t> MDGA, but does </a:t>
+            </a:r>
+            <a:r>
+              <a:rPr lang="nl-NL" sz="1100" b="0" i="0" u="none" strike="noStrike" dirty="0" err="1">
+                <a:solidFill>
+                  <a:srgbClr val="000000"/>
+                </a:solidFill>
+                <a:effectLst/>
+                <a:latin typeface="Arial" panose="020B0604020202020204" pitchFamily="34" charset="0"/>
+              </a:rPr>
+              <a:t>include</a:t>
+            </a:r>
+            <a:r>
+              <a:rPr lang="nl-NL" sz="1100" b="0" i="0" u="none" strike="noStrike" dirty="0">
+                <a:solidFill>
+                  <a:srgbClr val="000000"/>
+                </a:solidFill>
+                <a:effectLst/>
+                <a:latin typeface="Arial" panose="020B0604020202020204" pitchFamily="34" charset="0"/>
+              </a:rPr>
+              <a:t> EGSGA)</a:t>
+            </a:r>
+          </a:p>
+          <a:p>
+            <a:pPr marL="1143000" lvl="2" indent="-228600" rtl="0" fontAlgn="base">
+              <a:spcBef>
+                <a:spcPts val="0"/>
+              </a:spcBef>
+              <a:spcAft>
+                <a:spcPts val="0"/>
+              </a:spcAft>
+              <a:buFont typeface="+mj-lt"/>
+              <a:buAutoNum type="arabicPeriod"/>
+            </a:pPr>
+            <a:r>
+              <a:rPr lang="nl-NL" sz="1100" b="0" i="0" u="none" strike="noStrike" dirty="0">
+                <a:solidFill>
+                  <a:srgbClr val="000000"/>
+                </a:solidFill>
+                <a:effectLst/>
+                <a:latin typeface="Arial" panose="020B0604020202020204" pitchFamily="34" charset="0"/>
+              </a:rPr>
+              <a:t>small dataset: A57 (ILS: </a:t>
+            </a:r>
+            <a:r>
+              <a:rPr lang="nl-NL" sz="1100" b="0" i="0" u="none" strike="noStrike" dirty="0" err="1">
+                <a:solidFill>
+                  <a:srgbClr val="000000"/>
+                </a:solidFill>
+                <a:effectLst/>
+                <a:latin typeface="Arial" panose="020B0604020202020204" pitchFamily="34" charset="0"/>
+              </a:rPr>
+              <a:t>Iterative</a:t>
+            </a:r>
+            <a:r>
+              <a:rPr lang="nl-NL" sz="1100" b="0" i="0" u="none" strike="noStrike" dirty="0">
+                <a:solidFill>
+                  <a:srgbClr val="000000"/>
+                </a:solidFill>
+                <a:effectLst/>
+                <a:latin typeface="Arial" panose="020B0604020202020204" pitchFamily="34" charset="0"/>
+              </a:rPr>
+              <a:t> </a:t>
+            </a:r>
+            <a:r>
+              <a:rPr lang="nl-NL" sz="1100" b="0" i="0" u="none" strike="noStrike" dirty="0" err="1">
+                <a:solidFill>
+                  <a:srgbClr val="000000"/>
+                </a:solidFill>
+                <a:effectLst/>
+                <a:latin typeface="Arial" panose="020B0604020202020204" pitchFamily="34" charset="0"/>
+              </a:rPr>
+              <a:t>Local</a:t>
+            </a:r>
+            <a:r>
+              <a:rPr lang="nl-NL" sz="1100" b="0" i="0" u="none" strike="noStrike" dirty="0">
+                <a:solidFill>
+                  <a:srgbClr val="000000"/>
+                </a:solidFill>
+                <a:effectLst/>
+                <a:latin typeface="Arial" panose="020B0604020202020204" pitchFamily="34" charset="0"/>
+              </a:rPr>
+              <a:t> Search)</a:t>
+            </a:r>
+          </a:p>
+          <a:p>
+            <a:pPr marL="1143000" lvl="2" indent="-228600" rtl="0" fontAlgn="base">
+              <a:spcBef>
+                <a:spcPts val="0"/>
+              </a:spcBef>
+              <a:spcAft>
+                <a:spcPts val="0"/>
+              </a:spcAft>
+              <a:buFont typeface="+mj-lt"/>
+              <a:buAutoNum type="arabicPeriod"/>
+            </a:pPr>
+            <a:r>
+              <a:rPr lang="nl-NL" sz="1100" b="0" i="0" u="none" strike="noStrike" dirty="0">
+                <a:solidFill>
+                  <a:srgbClr val="000000"/>
+                </a:solidFill>
+                <a:effectLst/>
+                <a:latin typeface="Arial" panose="020B0604020202020204" pitchFamily="34" charset="0"/>
+              </a:rPr>
+              <a:t>medium dataset: A64 (SA: </a:t>
+            </a:r>
+            <a:r>
+              <a:rPr lang="nl-NL" sz="1100" b="0" i="0" u="none" strike="noStrike" dirty="0" err="1">
+                <a:solidFill>
+                  <a:srgbClr val="000000"/>
+                </a:solidFill>
+                <a:effectLst/>
+                <a:latin typeface="Arial" panose="020B0604020202020204" pitchFamily="34" charset="0"/>
+              </a:rPr>
+              <a:t>Simulated</a:t>
+            </a:r>
+            <a:r>
+              <a:rPr lang="nl-NL" sz="1100" b="0" i="0" u="none" strike="noStrike" dirty="0">
+                <a:solidFill>
+                  <a:srgbClr val="000000"/>
+                </a:solidFill>
+                <a:effectLst/>
+                <a:latin typeface="Arial" panose="020B0604020202020204" pitchFamily="34" charset="0"/>
+              </a:rPr>
+              <a:t> </a:t>
+            </a:r>
+            <a:r>
+              <a:rPr lang="nl-NL" sz="1100" b="0" i="0" u="none" strike="noStrike" dirty="0" err="1">
+                <a:solidFill>
+                  <a:srgbClr val="000000"/>
+                </a:solidFill>
+                <a:effectLst/>
+                <a:latin typeface="Arial" panose="020B0604020202020204" pitchFamily="34" charset="0"/>
+              </a:rPr>
+              <a:t>Annealing</a:t>
+            </a:r>
+            <a:r>
+              <a:rPr lang="nl-NL" sz="1100" b="0" i="0" u="none" strike="noStrike" dirty="0">
+                <a:solidFill>
+                  <a:srgbClr val="000000"/>
+                </a:solidFill>
+                <a:effectLst/>
+                <a:latin typeface="Arial" panose="020B0604020202020204" pitchFamily="34" charset="0"/>
+              </a:rPr>
+              <a:t>)</a:t>
+            </a:r>
+          </a:p>
+          <a:p>
+            <a:pPr marL="1143000" lvl="2" indent="-228600" rtl="0" fontAlgn="base">
+              <a:spcBef>
+                <a:spcPts val="0"/>
+              </a:spcBef>
+              <a:spcAft>
+                <a:spcPts val="0"/>
+              </a:spcAft>
+              <a:buFont typeface="+mj-lt"/>
+              <a:buAutoNum type="arabicPeriod"/>
+            </a:pPr>
+            <a:r>
+              <a:rPr lang="nl-NL" sz="1100" b="0" i="0" u="none" strike="noStrike" dirty="0">
+                <a:solidFill>
+                  <a:srgbClr val="000000"/>
+                </a:solidFill>
+                <a:effectLst/>
+                <a:latin typeface="Arial" panose="020B0604020202020204" pitchFamily="34" charset="0"/>
+              </a:rPr>
+              <a:t>Large dataset: A64 (SA: </a:t>
+            </a:r>
+            <a:r>
+              <a:rPr lang="nl-NL" sz="1100" b="0" i="0" u="none" strike="noStrike" dirty="0" err="1">
+                <a:solidFill>
+                  <a:srgbClr val="000000"/>
+                </a:solidFill>
+                <a:effectLst/>
+                <a:latin typeface="Arial" panose="020B0604020202020204" pitchFamily="34" charset="0"/>
+              </a:rPr>
+              <a:t>Simulated</a:t>
+            </a:r>
+            <a:r>
+              <a:rPr lang="nl-NL" sz="1100" b="0" i="0" u="none" strike="noStrike" dirty="0">
+                <a:solidFill>
+                  <a:srgbClr val="000000"/>
+                </a:solidFill>
+                <a:effectLst/>
+                <a:latin typeface="Arial" panose="020B0604020202020204" pitchFamily="34" charset="0"/>
+              </a:rPr>
+              <a:t> </a:t>
+            </a:r>
+            <a:r>
+              <a:rPr lang="nl-NL" sz="1100" b="0" i="0" u="none" strike="noStrike" dirty="0" err="1">
+                <a:solidFill>
+                  <a:srgbClr val="000000"/>
+                </a:solidFill>
+                <a:effectLst/>
+                <a:latin typeface="Arial" panose="020B0604020202020204" pitchFamily="34" charset="0"/>
+              </a:rPr>
+              <a:t>Annealing</a:t>
+            </a:r>
+            <a:r>
+              <a:rPr lang="nl-NL" sz="1100" b="0" i="0" u="none" strike="noStrike" dirty="0">
+                <a:solidFill>
+                  <a:srgbClr val="000000"/>
+                </a:solidFill>
+                <a:effectLst/>
+                <a:latin typeface="Arial" panose="020B0604020202020204" pitchFamily="34" charset="0"/>
+              </a:rPr>
+              <a:t>)</a:t>
+            </a:r>
+          </a:p>
+          <a:p>
+            <a:pPr marL="1143000" lvl="2" indent="-228600" rtl="0" fontAlgn="base">
+              <a:spcBef>
+                <a:spcPts val="0"/>
+              </a:spcBef>
+              <a:spcAft>
+                <a:spcPts val="1200"/>
+              </a:spcAft>
+              <a:buFont typeface="+mj-lt"/>
+              <a:buAutoNum type="arabicPeriod"/>
+            </a:pPr>
+            <a:r>
+              <a:rPr lang="nl-NL" sz="1100" b="0" i="0" u="none" strike="noStrike" dirty="0">
+                <a:solidFill>
+                  <a:srgbClr val="000000"/>
+                </a:solidFill>
+                <a:effectLst/>
+                <a:latin typeface="Arial" panose="020B0604020202020204" pitchFamily="34" charset="0"/>
+              </a:rPr>
+              <a:t>Over </a:t>
+            </a:r>
+            <a:r>
+              <a:rPr lang="nl-NL" sz="1100" b="0" i="0" u="none" strike="noStrike" dirty="0" err="1">
+                <a:solidFill>
+                  <a:srgbClr val="000000"/>
+                </a:solidFill>
+                <a:effectLst/>
+                <a:latin typeface="Arial" panose="020B0604020202020204" pitchFamily="34" charset="0"/>
+              </a:rPr>
+              <a:t>all</a:t>
+            </a:r>
+            <a:r>
+              <a:rPr lang="nl-NL" sz="1100" b="0" i="0" u="none" strike="noStrike" dirty="0">
+                <a:solidFill>
+                  <a:srgbClr val="000000"/>
+                </a:solidFill>
+                <a:effectLst/>
+                <a:latin typeface="Arial" panose="020B0604020202020204" pitchFamily="34" charset="0"/>
+              </a:rPr>
+              <a:t> datasets: A30 (AA: </a:t>
+            </a:r>
+            <a:r>
+              <a:rPr lang="nl-NL" sz="1100" b="0" i="0" u="none" strike="noStrike" dirty="0" err="1">
+                <a:solidFill>
+                  <a:srgbClr val="000000"/>
+                </a:solidFill>
+                <a:effectLst/>
+                <a:latin typeface="Arial" panose="020B0604020202020204" pitchFamily="34" charset="0"/>
+              </a:rPr>
+              <a:t>Ant</a:t>
+            </a:r>
+            <a:r>
+              <a:rPr lang="nl-NL" sz="1100" b="0" i="0" u="none" strike="noStrike" dirty="0">
+                <a:solidFill>
+                  <a:srgbClr val="000000"/>
+                </a:solidFill>
+                <a:effectLst/>
+                <a:latin typeface="Arial" panose="020B0604020202020204" pitchFamily="34" charset="0"/>
+              </a:rPr>
+              <a:t> </a:t>
+            </a:r>
+            <a:r>
+              <a:rPr lang="nl-NL" sz="1100" b="0" i="0" u="none" strike="noStrike" dirty="0" err="1">
+                <a:solidFill>
+                  <a:srgbClr val="000000"/>
+                </a:solidFill>
+                <a:effectLst/>
+                <a:latin typeface="Arial" panose="020B0604020202020204" pitchFamily="34" charset="0"/>
+              </a:rPr>
+              <a:t>Colony</a:t>
+            </a:r>
+            <a:r>
+              <a:rPr lang="nl-NL" sz="1100" b="0" i="0" u="none" strike="noStrike" dirty="0">
+                <a:solidFill>
+                  <a:srgbClr val="000000"/>
+                </a:solidFill>
+                <a:effectLst/>
+                <a:latin typeface="Arial" panose="020B0604020202020204" pitchFamily="34" charset="0"/>
+              </a:rPr>
+              <a:t> </a:t>
+            </a:r>
+            <a:r>
+              <a:rPr lang="nl-NL" sz="1100" b="0" i="0" u="none" strike="noStrike" dirty="0" err="1">
+                <a:solidFill>
+                  <a:srgbClr val="000000"/>
+                </a:solidFill>
+                <a:effectLst/>
+                <a:latin typeface="Arial" panose="020B0604020202020204" pitchFamily="34" charset="0"/>
+              </a:rPr>
+              <a:t>optimization</a:t>
+            </a:r>
+            <a:r>
+              <a:rPr lang="nl-NL" sz="1100" b="0" i="0" u="none" strike="noStrike" dirty="0">
+                <a:solidFill>
+                  <a:srgbClr val="000000"/>
+                </a:solidFill>
+                <a:effectLst/>
+                <a:latin typeface="Arial" panose="020B0604020202020204" pitchFamily="34" charset="0"/>
+              </a:rPr>
+              <a:t> </a:t>
+            </a:r>
+            <a:r>
+              <a:rPr lang="nl-NL" sz="1100" b="0" i="0" u="none" strike="noStrike" dirty="0" err="1">
+                <a:solidFill>
+                  <a:srgbClr val="000000"/>
+                </a:solidFill>
+                <a:effectLst/>
+                <a:latin typeface="Arial" panose="020B0604020202020204" pitchFamily="34" charset="0"/>
+              </a:rPr>
+              <a:t>Algorithm</a:t>
+            </a:r>
+            <a:r>
+              <a:rPr lang="nl-NL" sz="1100" b="0" i="0" u="none" strike="noStrike" dirty="0">
+                <a:solidFill>
+                  <a:srgbClr val="000000"/>
+                </a:solidFill>
+                <a:effectLst/>
+                <a:latin typeface="Arial" panose="020B0604020202020204" pitchFamily="34" charset="0"/>
+              </a:rPr>
+              <a:t>)</a:t>
+            </a:r>
+          </a:p>
+          <a:p>
+            <a:pPr marL="1143000" lvl="2" indent="-228600" rtl="0" fontAlgn="base">
+              <a:spcBef>
+                <a:spcPts val="0"/>
+              </a:spcBef>
+              <a:spcAft>
+                <a:spcPts val="1200"/>
+              </a:spcAft>
+              <a:buFont typeface="+mj-lt"/>
+              <a:buAutoNum type="arabicPeriod"/>
+            </a:pPr>
+            <a:endParaRPr lang="nl-NL" sz="1100" dirty="0">
+              <a:solidFill>
+                <a:srgbClr val="000000"/>
+              </a:solidFill>
+              <a:latin typeface="Arial" panose="020B0604020202020204" pitchFamily="34" charset="0"/>
+            </a:endParaRPr>
+          </a:p>
           <a:p>
             <a:pPr rtl="0" fontAlgn="base">
               <a:spcBef>
@@ -4985,145 +6363,66 @@
               <a:buChar char="•"/>
             </a:pPr>
             <a:r>
-              <a:rPr lang="nl-NL" sz="1100" b="0" i="0" u="none" strike="noStrike" dirty="0">
-                <a:solidFill>
-                  <a:srgbClr val="000000"/>
-                </a:solidFill>
-                <a:effectLst/>
-                <a:latin typeface="Arial" panose="020B0604020202020204" pitchFamily="34" charset="0"/>
-              </a:rPr>
-              <a:t>Methode</a:t>
-            </a:r>
-          </a:p>
-          <a:p>
-            <a:pPr marL="742950" lvl="1" indent="-285750" rtl="0" fontAlgn="base">
+              <a:rPr lang="nl-NL" sz="1800" b="0" i="0" u="none" strike="noStrike" dirty="0">
+                <a:solidFill>
+                  <a:srgbClr val="000000"/>
+                </a:solidFill>
+                <a:effectLst/>
+                <a:latin typeface="Arial" panose="020B0604020202020204" pitchFamily="34" charset="0"/>
+              </a:rPr>
+              <a:t>Optie: </a:t>
+            </a:r>
+            <a:r>
+              <a:rPr lang="nl-NL" sz="1800" b="0" i="0" u="none" strike="noStrike" dirty="0" err="1">
+                <a:solidFill>
+                  <a:srgbClr val="000000"/>
+                </a:solidFill>
+                <a:effectLst/>
+                <a:latin typeface="Arial" panose="020B0604020202020204" pitchFamily="34" charset="0"/>
+              </a:rPr>
+              <a:t>constraint</a:t>
+            </a:r>
+            <a:r>
+              <a:rPr lang="nl-NL" sz="1800" b="0" i="0" u="none" strike="noStrike" dirty="0">
+                <a:solidFill>
+                  <a:srgbClr val="000000"/>
+                </a:solidFill>
+                <a:effectLst/>
+                <a:latin typeface="Arial" panose="020B0604020202020204" pitchFamily="34" charset="0"/>
+              </a:rPr>
+              <a:t> </a:t>
+            </a:r>
+            <a:r>
+              <a:rPr lang="nl-NL" sz="1800" b="0" i="0" u="none" strike="noStrike" dirty="0" err="1">
+                <a:solidFill>
+                  <a:srgbClr val="000000"/>
+                </a:solidFill>
+                <a:effectLst/>
+                <a:latin typeface="Arial" panose="020B0604020202020204" pitchFamily="34" charset="0"/>
+              </a:rPr>
+              <a:t>relaxation</a:t>
+            </a:r>
+            <a:r>
+              <a:rPr lang="nl-NL" sz="1800" b="0" i="0" u="none" strike="noStrike" dirty="0">
+                <a:solidFill>
+                  <a:srgbClr val="000000"/>
+                </a:solidFill>
+                <a:effectLst/>
+                <a:latin typeface="Arial" panose="020B0604020202020204" pitchFamily="34" charset="0"/>
+              </a:rPr>
+              <a:t> -&gt; strafpunten in plaats van ongeldig rooster voor 3 tussensloten</a:t>
+            </a:r>
+          </a:p>
+          <a:p>
+            <a:pPr marL="1143000" lvl="2" indent="-228600" rtl="0" fontAlgn="base">
               <a:spcBef>
                 <a:spcPts val="0"/>
               </a:spcBef>
               <a:spcAft>
                 <a:spcPts val="1200"/>
               </a:spcAft>
-              <a:buFont typeface="Arial" panose="020B0604020202020204" pitchFamily="34" charset="0"/>
-              <a:buChar char="•"/>
-            </a:pPr>
-            <a:r>
-              <a:rPr lang="nl-NL" sz="1100" b="0" i="0" u="none" strike="noStrike" dirty="0">
-                <a:solidFill>
-                  <a:srgbClr val="000000"/>
-                </a:solidFill>
-                <a:effectLst/>
-                <a:latin typeface="Arial" panose="020B0604020202020204" pitchFamily="34" charset="0"/>
-              </a:rPr>
-              <a:t>Beschrijft TK; waarom verwacht je dat deze methode gaat werken?</a:t>
-            </a:r>
-          </a:p>
-          <a:p>
-            <a:pPr marL="742950" lvl="1" indent="-285750" rtl="0" fontAlgn="base">
-              <a:spcBef>
-                <a:spcPts val="0"/>
-              </a:spcBef>
-              <a:spcAft>
-                <a:spcPts val="1200"/>
-              </a:spcAft>
-              <a:buFont typeface="Arial" panose="020B0604020202020204" pitchFamily="34" charset="0"/>
-              <a:buChar char="•"/>
-            </a:pPr>
-            <a:r>
-              <a:rPr lang="nl-NL" sz="1100" dirty="0">
-                <a:solidFill>
-                  <a:srgbClr val="000000"/>
-                </a:solidFill>
-                <a:latin typeface="Arial" panose="020B0604020202020204" pitchFamily="34" charset="0"/>
-              </a:rPr>
-              <a:t>Eerst (pseudo) random (keuzes voor minimale hoeveelheid lessen rekening houdend met maximaal aantal studenten per les, evenwichtige indeling studenten over lessen)</a:t>
-            </a:r>
-            <a:endParaRPr lang="nl-NL" sz="1100" b="0" i="0" u="none" strike="noStrike" dirty="0">
-              <a:solidFill>
-                <a:srgbClr val="000000"/>
-              </a:solidFill>
-              <a:effectLst/>
-              <a:latin typeface="Arial" panose="020B0604020202020204" pitchFamily="34" charset="0"/>
-            </a:endParaRPr>
-          </a:p>
-          <a:p>
-            <a:pPr marL="742950" lvl="1" indent="-285750" rtl="0" fontAlgn="base">
-              <a:spcBef>
-                <a:spcPts val="0"/>
-              </a:spcBef>
-              <a:spcAft>
-                <a:spcPts val="1200"/>
-              </a:spcAft>
-              <a:buFont typeface="Arial" panose="020B0604020202020204" pitchFamily="34" charset="0"/>
-              <a:buChar char="•"/>
-            </a:pPr>
-            <a:r>
-              <a:rPr lang="nl-NL" sz="1100" dirty="0">
-                <a:solidFill>
-                  <a:srgbClr val="000000"/>
-                </a:solidFill>
-                <a:latin typeface="Arial" panose="020B0604020202020204" pitchFamily="34" charset="0"/>
-              </a:rPr>
-              <a:t>Constructief: veel te veel opties </a:t>
-            </a:r>
-            <a:r>
-              <a:rPr lang="nl-NL" sz="1100" dirty="0">
-                <a:solidFill>
-                  <a:srgbClr val="000000"/>
-                </a:solidFill>
-                <a:latin typeface="Arial" panose="020B0604020202020204" pitchFamily="34" charset="0"/>
-                <a:sym typeface="Wingdings" panose="05000000000000000000" pitchFamily="2" charset="2"/>
-              </a:rPr>
-              <a:t> start met iteratieve algoritmen</a:t>
-            </a:r>
-          </a:p>
-          <a:p>
-            <a:pPr marL="742950" lvl="1" indent="-285750" rtl="0" fontAlgn="base">
-              <a:spcBef>
-                <a:spcPts val="0"/>
-              </a:spcBef>
-              <a:spcAft>
-                <a:spcPts val="1200"/>
-              </a:spcAft>
-              <a:buFont typeface="Arial" panose="020B0604020202020204" pitchFamily="34" charset="0"/>
-              <a:buChar char="•"/>
-            </a:pPr>
-            <a:r>
-              <a:rPr lang="nl-NL" sz="1100" dirty="0">
-                <a:solidFill>
-                  <a:srgbClr val="000000"/>
-                </a:solidFill>
-                <a:latin typeface="Arial" panose="020B0604020202020204" pitchFamily="34" charset="0"/>
-                <a:sym typeface="Wingdings" panose="05000000000000000000" pitchFamily="2" charset="2"/>
-              </a:rPr>
-              <a:t>Eventueel later combinatie met niet-optimaal </a:t>
-            </a:r>
-            <a:r>
-              <a:rPr lang="nl-NL" sz="1100" dirty="0" err="1">
-                <a:solidFill>
-                  <a:srgbClr val="000000"/>
-                </a:solidFill>
-                <a:latin typeface="Arial" panose="020B0604020202020204" pitchFamily="34" charset="0"/>
-                <a:sym typeface="Wingdings" panose="05000000000000000000" pitchFamily="2" charset="2"/>
-              </a:rPr>
-              <a:t>prunen</a:t>
-            </a:r>
-            <a:endParaRPr lang="nl-NL" sz="1100" dirty="0">
-              <a:solidFill>
-                <a:srgbClr val="000000"/>
-              </a:solidFill>
-              <a:latin typeface="Arial" panose="020B0604020202020204" pitchFamily="34" charset="0"/>
-            </a:endParaRPr>
-          </a:p>
-          <a:p>
-            <a:pPr marL="742950" lvl="1" indent="-285750" rtl="0" fontAlgn="base">
-              <a:spcBef>
-                <a:spcPts val="0"/>
-              </a:spcBef>
-              <a:spcAft>
-                <a:spcPts val="1200"/>
-              </a:spcAft>
-              <a:buFont typeface="Arial" panose="020B0604020202020204" pitchFamily="34" charset="0"/>
-              <a:buChar char="•"/>
+              <a:buFont typeface="+mj-lt"/>
+              <a:buAutoNum type="arabicPeriod"/>
             </a:pPr>
             <a:endParaRPr lang="nl-NL" sz="1100" dirty="0">
               <a:solidFill>
@@ -5134,57 +6433,10 @@
           </a:p>
         </p:txBody>
       </p:sp>
-      <p:pic>
-        <p:nvPicPr>
-          <p:cNvPr id="1026" name="Picture 2">
-            <a:extLst>
-              <a:ext uri="{FF2B5EF4-FFF2-40B4-BE49-F238E27FC236}">
-                <a16:creationId xmlns:a16="http://schemas.microsoft.com/office/drawing/2014/main" id="{285255F5-CB58-47DE-977E-4FDA5F34E811}"/>
-              </a:ext>
-            </a:extLst>
-          </p:cNvPr>
-          <p:cNvPicPr>
-            <a:picLocks noChangeAspect="1" noChangeArrowheads="1"/>
-          </p:cNvPicPr>
-          <p:nvPr/>
-        </p:nvPicPr>
-        <p:blipFill>
-          <a:blip r:embed="rId2">
-            <a:extLst>
-              <a:ext uri="{28A0092B-C50C-407E-A947-70E740481C1C}">
-                <a14:useLocalDpi xmlns:a14="http://schemas.microsoft.com/office/drawing/2010/main" val="0"/>
-              </a:ext>
-            </a:extLst>
-          </a:blip>
-          <a:srcRect/>
-          <a:stretch>
-            <a:fillRect/>
-          </a:stretch>
-        </p:blipFill>
-        <p:spPr bwMode="auto">
-          <a:xfrm>
-            <a:off x="2160695" y="2689724"/>
-            <a:ext cx="5734050" cy="3190875"/>
-          </a:xfrm>
-          <a:prstGeom prst="rect">
-            <a:avLst/>
-          </a:prstGeom>
-          <a:noFill/>
-          <a:extLst>
-            <a:ext uri="{909E8E84-426E-40DD-AFC4-6F175D3DCCD1}">
-              <a14:hiddenFill xmlns:a14="http://schemas.microsoft.com/office/drawing/2010/main">
-                <a:solidFill>
-                  <a:srgbClr val="FFFFFF"/>
-                </a:solidFill>
-              </a14:hiddenFill>
-            </a:ext>
-          </a:extLst>
-        </p:spPr>
-      </p:pic>
     </p:spTree>
     <p:extLst>
       <p:ext uri="{BB962C8B-B14F-4D97-AF65-F5344CB8AC3E}">
-        <p14:creationId xmlns:p14="http://schemas.microsoft.com/office/powerpoint/2010/main" val="1224231636"/>
+        <p14:creationId xmlns:p14="http://schemas.microsoft.com/office/powerpoint/2010/main" val="111285324"/>
       </p:ext>
     </p:extLst>
   </p:cSld>
@@ -5213,1375 +6465,196 @@
       </p:grpSpPr>
       <p:sp>
         <p:nvSpPr>
-          <p:cNvPr id="6" name="Tekstvak 5">
-            <a:extLst>
-              <a:ext uri="{FF2B5EF4-FFF2-40B4-BE49-F238E27FC236}">
-                <a16:creationId xmlns:a16="http://schemas.microsoft.com/office/drawing/2014/main" id="{D7BAE33F-BD7D-4734-813B-EFDE09905EF3}"/>
-              </a:ext>
-            </a:extLst>
-          </p:cNvPr>
-          <p:cNvSpPr txBox="1"/>
+          <p:cNvPr id="2" name="Titel 1">
+            <a:extLst>
+              <a:ext uri="{FF2B5EF4-FFF2-40B4-BE49-F238E27FC236}">
+                <a16:creationId xmlns:a16="http://schemas.microsoft.com/office/drawing/2014/main" id="{A2664E39-8E83-472C-8F2D-0EA90F1A5498}"/>
+              </a:ext>
+            </a:extLst>
+          </p:cNvPr>
+          <p:cNvSpPr>
+            <a:spLocks noGrp="1"/>
+          </p:cNvSpPr>
+          <p:nvPr>
+            <p:ph type="title"/>
+          </p:nvPr>
+        </p:nvSpPr>
+        <p:spPr/>
+        <p:txBody>
+          <a:bodyPr/>
+          <a:lstStyle/>
+          <a:p>
+            <a:r>
+              <a:rPr lang="en-US" dirty="0" err="1"/>
+              <a:t>Opzet</a:t>
+            </a:r>
+            <a:r>
+              <a:rPr lang="en-US" dirty="0"/>
+              <a:t> </a:t>
+            </a:r>
+            <a:r>
+              <a:rPr lang="en-US" dirty="0" err="1"/>
+              <a:t>algoritmen</a:t>
+            </a:r>
+            <a:r>
+              <a:rPr lang="en-US" dirty="0"/>
+              <a:t>	</a:t>
+            </a:r>
+            <a:br>
+              <a:rPr lang="en-US" dirty="0"/>
+            </a:br>
+            <a:endParaRPr lang="nl-NL" dirty="0"/>
+          </a:p>
+        </p:txBody>
+      </p:sp>
+      <p:sp>
+        <p:nvSpPr>
+          <p:cNvPr id="3" name="Tijdelijke aanduiding voor inhoud 2">
+            <a:extLst>
+              <a:ext uri="{FF2B5EF4-FFF2-40B4-BE49-F238E27FC236}">
+                <a16:creationId xmlns:a16="http://schemas.microsoft.com/office/drawing/2014/main" id="{9BBE8BDB-8957-4257-9B1F-91DBEEA64B9E}"/>
+              </a:ext>
+            </a:extLst>
+          </p:cNvPr>
+          <p:cNvSpPr>
+            <a:spLocks noGrp="1"/>
+          </p:cNvSpPr>
+          <p:nvPr>
+            <p:ph idx="1"/>
+          </p:nvPr>
+        </p:nvSpPr>
+        <p:spPr/>
+        <p:txBody>
+          <a:bodyPr/>
+          <a:lstStyle/>
+          <a:p>
+            <a:r>
+              <a:rPr lang="nl-NL" sz="2800" dirty="0">
+                <a:solidFill>
+                  <a:srgbClr val="000000"/>
+                </a:solidFill>
+                <a:latin typeface="Arial" panose="020B0604020202020204" pitchFamily="34" charset="0"/>
+              </a:rPr>
+              <a:t>(in eerste instantie) keuzes voor minimale hoeveelheid lessen rekening houdend met maximaal aantal studenten per les, evenwichtige indeling studenten over lessen</a:t>
+            </a:r>
+          </a:p>
+          <a:p>
+            <a:r>
+              <a:rPr lang="nl-NL" dirty="0">
+                <a:solidFill>
+                  <a:srgbClr val="000000"/>
+                </a:solidFill>
+                <a:latin typeface="Arial" panose="020B0604020202020204" pitchFamily="34" charset="0"/>
+              </a:rPr>
+              <a:t>Iteratief </a:t>
+            </a:r>
+            <a:r>
+              <a:rPr lang="nl-NL" dirty="0" err="1">
+                <a:solidFill>
+                  <a:srgbClr val="000000"/>
+                </a:solidFill>
+                <a:latin typeface="Arial" panose="020B0604020202020204" pitchFamily="34" charset="0"/>
+              </a:rPr>
+              <a:t>Hillclimber</a:t>
+            </a:r>
+            <a:r>
+              <a:rPr lang="nl-NL" dirty="0">
+                <a:solidFill>
+                  <a:srgbClr val="000000"/>
+                </a:solidFill>
+                <a:latin typeface="Arial" panose="020B0604020202020204" pitchFamily="34" charset="0"/>
+              </a:rPr>
+              <a:t>: random startpunt, daarna lessen verdelen over rooster, 100 strafpunten voor 3 tussenuren</a:t>
+            </a:r>
+          </a:p>
+          <a:p>
+            <a:r>
+              <a:rPr lang="nl-NL" dirty="0">
+                <a:solidFill>
+                  <a:srgbClr val="000000"/>
+                </a:solidFill>
+                <a:latin typeface="Arial" panose="020B0604020202020204" pitchFamily="34" charset="0"/>
+              </a:rPr>
+              <a:t>Lessen anders opdelen -&gt; periodiek op basis van meeste conflicten per les</a:t>
+            </a:r>
+          </a:p>
+          <a:p>
+            <a:r>
+              <a:rPr lang="nl-NL" dirty="0">
+                <a:solidFill>
+                  <a:srgbClr val="000000"/>
+                </a:solidFill>
+                <a:latin typeface="Arial" panose="020B0604020202020204" pitchFamily="34" charset="0"/>
+              </a:rPr>
+              <a:t>Studenten (her)verdelen over lessen </a:t>
+            </a:r>
+            <a:r>
+              <a:rPr lang="nl-NL" dirty="0">
+                <a:solidFill>
+                  <a:srgbClr val="000000"/>
+                </a:solidFill>
+                <a:latin typeface="Arial" panose="020B0604020202020204" pitchFamily="34" charset="0"/>
+                <a:sym typeface="Wingdings" panose="05000000000000000000" pitchFamily="2" charset="2"/>
+              </a:rPr>
+              <a:t> </a:t>
+            </a:r>
+            <a:r>
+              <a:rPr lang="nl-NL" dirty="0" err="1">
+                <a:solidFill>
+                  <a:srgbClr val="000000"/>
+                </a:solidFill>
+                <a:latin typeface="Arial" panose="020B0604020202020204" pitchFamily="34" charset="0"/>
+                <a:sym typeface="Wingdings" panose="05000000000000000000" pitchFamily="2" charset="2"/>
+              </a:rPr>
+              <a:t>Hill</a:t>
+            </a:r>
+            <a:r>
+              <a:rPr lang="nl-NL" dirty="0" err="1">
+                <a:solidFill>
+                  <a:srgbClr val="000000"/>
+                </a:solidFill>
+                <a:latin typeface="Arial" panose="020B0604020202020204" pitchFamily="34" charset="0"/>
+              </a:rPr>
+              <a:t>climber</a:t>
+            </a:r>
+            <a:endParaRPr lang="nl-NL" dirty="0"/>
+          </a:p>
+        </p:txBody>
+      </p:sp>
+      <p:pic>
+        <p:nvPicPr>
+          <p:cNvPr id="4" name="Afbeelding 3">
+            <a:extLst>
+              <a:ext uri="{FF2B5EF4-FFF2-40B4-BE49-F238E27FC236}">
+                <a16:creationId xmlns:a16="http://schemas.microsoft.com/office/drawing/2014/main" id="{85E5AA4B-5680-4C00-8FBA-8E6B5DA9595A}"/>
+              </a:ext>
+            </a:extLst>
+          </p:cNvPr>
+          <p:cNvPicPr>
+            <a:picLocks noChangeAspect="1"/>
+          </p:cNvPicPr>
           <p:nvPr/>
-        </p:nvSpPr>
+        </p:nvPicPr>
+        <p:blipFill>
+          <a:blip r:embed="rId2"/>
+          <a:stretch>
+            <a:fillRect/>
+          </a:stretch>
+        </p:blipFill>
         <p:spPr>
           <a:xfrm>
-            <a:off x="2728404" y="1134907"/>
-            <a:ext cx="6096000" cy="5324535"/>
+            <a:off x="8629096" y="40455"/>
+            <a:ext cx="3244417" cy="1785170"/>
           </a:xfrm>
           <a:prstGeom prst="rect">
             <a:avLst/>
           </a:prstGeom>
-          <a:noFill/>
         </p:spPr>
-        <p:txBody>
-          <a:bodyPr wrap="square">
-            <a:spAutoFit/>
-          </a:bodyPr>
-          <a:lstStyle/>
-          <a:p>
-            <a:pPr rtl="0" fontAlgn="base">
-              <a:spcBef>
-                <a:spcPts val="1200"/>
-              </a:spcBef>
-              <a:spcAft>
-                <a:spcPts val="0"/>
-              </a:spcAft>
-            </a:pPr>
-            <a:r>
-              <a:rPr lang="nl-NL" sz="1100" b="0" i="0" u="sng" strike="noStrike" dirty="0">
-                <a:solidFill>
-                  <a:srgbClr val="1155CC"/>
-                </a:solidFill>
-                <a:effectLst/>
-                <a:latin typeface="Arial" panose="020B0604020202020204" pitchFamily="34" charset="0"/>
-                <a:hlinkClick r:id="rId2"/>
-              </a:rPr>
-              <a:t>Literatuur</a:t>
-            </a:r>
-          </a:p>
-          <a:p>
-            <a:pPr rtl="0" fontAlgn="base">
-              <a:spcBef>
-                <a:spcPts val="1200"/>
-              </a:spcBef>
-              <a:spcAft>
-                <a:spcPts val="0"/>
-              </a:spcAft>
-              <a:buFont typeface="+mj-lt"/>
-              <a:buAutoNum type="arabicPeriod"/>
-            </a:pPr>
-            <a:r>
-              <a:rPr lang="nl-NL" sz="1100" b="0" i="0" u="sng" strike="noStrike" dirty="0">
-                <a:solidFill>
-                  <a:srgbClr val="1155CC"/>
-                </a:solidFill>
-                <a:effectLst/>
-                <a:latin typeface="Arial" panose="020B0604020202020204" pitchFamily="34" charset="0"/>
-                <a:hlinkClick r:id="rId2"/>
-              </a:rPr>
-              <a:t>https://ieeexplore.ieee.org/abstract/document/5477159?casa_token=aWBnTSb-2l8AAAAA:_EykP5sE86JboeOuPUzybmlrx9J393LY-lSCXhtPLP-SNX41PdHEP7KkeeHDcypAU6Gv1hfp</a:t>
-            </a:r>
-            <a:endParaRPr lang="nl-NL" sz="1100" b="0" i="0" u="none" strike="noStrike" dirty="0">
-              <a:solidFill>
-                <a:srgbClr val="000000"/>
-              </a:solidFill>
-              <a:effectLst/>
-              <a:latin typeface="Arial" panose="020B0604020202020204" pitchFamily="34" charset="0"/>
-            </a:endParaRPr>
-          </a:p>
-          <a:p>
-            <a:pPr marL="742950" lvl="1" indent="-285750" rtl="0" fontAlgn="base">
-              <a:spcBef>
-                <a:spcPts val="0"/>
-              </a:spcBef>
-              <a:spcAft>
-                <a:spcPts val="0"/>
-              </a:spcAft>
-              <a:buFont typeface="+mj-lt"/>
-              <a:buAutoNum type="arabicPeriod"/>
-            </a:pPr>
-            <a:r>
-              <a:rPr lang="nl-NL" sz="1100" b="0" i="0" u="none" strike="noStrike" dirty="0" err="1">
-                <a:solidFill>
-                  <a:srgbClr val="000000"/>
-                </a:solidFill>
-                <a:effectLst/>
-                <a:latin typeface="Arial" panose="020B0604020202020204" pitchFamily="34" charset="0"/>
-              </a:rPr>
-              <a:t>Many</a:t>
-            </a:r>
-            <a:r>
-              <a:rPr lang="nl-NL" sz="1100" b="0" i="0" u="none" strike="noStrike" dirty="0">
-                <a:solidFill>
-                  <a:srgbClr val="000000"/>
-                </a:solidFill>
-                <a:effectLst/>
-                <a:latin typeface="Arial" panose="020B0604020202020204" pitchFamily="34" charset="0"/>
-              </a:rPr>
-              <a:t> </a:t>
-            </a:r>
-            <a:r>
-              <a:rPr lang="nl-NL" sz="1100" b="0" i="0" u="none" strike="noStrike" dirty="0" err="1">
-                <a:solidFill>
-                  <a:srgbClr val="000000"/>
-                </a:solidFill>
-                <a:effectLst/>
-                <a:latin typeface="Arial" panose="020B0604020202020204" pitchFamily="34" charset="0"/>
-              </a:rPr>
-              <a:t>algorithms</a:t>
-            </a:r>
-            <a:r>
-              <a:rPr lang="nl-NL" sz="1100" b="0" i="0" u="none" strike="noStrike" dirty="0">
-                <a:solidFill>
-                  <a:srgbClr val="000000"/>
-                </a:solidFill>
-                <a:effectLst/>
-                <a:latin typeface="Arial" panose="020B0604020202020204" pitchFamily="34" charset="0"/>
-              </a:rPr>
-              <a:t> are </a:t>
-            </a:r>
-            <a:r>
-              <a:rPr lang="nl-NL" sz="1100" b="0" i="0" u="none" strike="noStrike" dirty="0" err="1">
-                <a:solidFill>
-                  <a:srgbClr val="000000"/>
-                </a:solidFill>
-                <a:effectLst/>
-                <a:latin typeface="Arial" panose="020B0604020202020204" pitchFamily="34" charset="0"/>
-              </a:rPr>
-              <a:t>compared</a:t>
-            </a:r>
-            <a:endParaRPr lang="nl-NL" sz="1100" b="0" i="0" u="none" strike="noStrike" dirty="0">
-              <a:solidFill>
-                <a:srgbClr val="000000"/>
-              </a:solidFill>
-              <a:effectLst/>
-              <a:latin typeface="Arial" panose="020B0604020202020204" pitchFamily="34" charset="0"/>
-            </a:endParaRPr>
-          </a:p>
-          <a:p>
-            <a:pPr marL="742950" lvl="1" indent="-285750" rtl="0" fontAlgn="base">
-              <a:spcBef>
-                <a:spcPts val="0"/>
-              </a:spcBef>
-              <a:spcAft>
-                <a:spcPts val="0"/>
-              </a:spcAft>
-              <a:buFont typeface="+mj-lt"/>
-              <a:buAutoNum type="arabicPeriod"/>
-            </a:pPr>
-            <a:r>
-              <a:rPr lang="nl-NL" sz="1100" b="0" i="0" u="none" strike="noStrike" dirty="0">
-                <a:solidFill>
-                  <a:srgbClr val="000000"/>
-                </a:solidFill>
-                <a:effectLst/>
-                <a:latin typeface="Arial" panose="020B0604020202020204" pitchFamily="34" charset="0"/>
-              </a:rPr>
-              <a:t>Best </a:t>
-            </a:r>
-            <a:r>
-              <a:rPr lang="nl-NL" sz="1100" b="0" i="0" u="none" strike="noStrike" dirty="0" err="1">
-                <a:solidFill>
-                  <a:srgbClr val="000000"/>
-                </a:solidFill>
-                <a:effectLst/>
-                <a:latin typeface="Arial" panose="020B0604020202020204" pitchFamily="34" charset="0"/>
-              </a:rPr>
-              <a:t>algorithm</a:t>
-            </a:r>
-            <a:r>
-              <a:rPr lang="nl-NL" sz="1100" b="0" i="0" u="none" strike="noStrike" dirty="0">
-                <a:solidFill>
-                  <a:srgbClr val="000000"/>
-                </a:solidFill>
-                <a:effectLst/>
-                <a:latin typeface="Arial" panose="020B0604020202020204" pitchFamily="34" charset="0"/>
-              </a:rPr>
-              <a:t>: Extended </a:t>
-            </a:r>
-            <a:r>
-              <a:rPr lang="nl-NL" sz="1100" b="0" i="0" u="none" strike="noStrike" dirty="0" err="1">
-                <a:solidFill>
-                  <a:srgbClr val="000000"/>
-                </a:solidFill>
-                <a:effectLst/>
-                <a:latin typeface="Arial" panose="020B0604020202020204" pitchFamily="34" charset="0"/>
-              </a:rPr>
-              <a:t>Guided</a:t>
-            </a:r>
-            <a:r>
-              <a:rPr lang="nl-NL" sz="1100" b="0" i="0" u="none" strike="noStrike" dirty="0">
-                <a:solidFill>
-                  <a:srgbClr val="000000"/>
-                </a:solidFill>
-                <a:effectLst/>
-                <a:latin typeface="Arial" panose="020B0604020202020204" pitchFamily="34" charset="0"/>
-              </a:rPr>
-              <a:t> Search </a:t>
-            </a:r>
-            <a:r>
-              <a:rPr lang="nl-NL" sz="1100" b="0" i="0" u="none" strike="noStrike" dirty="0" err="1">
-                <a:solidFill>
-                  <a:srgbClr val="000000"/>
-                </a:solidFill>
-                <a:effectLst/>
-                <a:latin typeface="Arial" panose="020B0604020202020204" pitchFamily="34" charset="0"/>
-              </a:rPr>
-              <a:t>Genetic</a:t>
-            </a:r>
-            <a:r>
-              <a:rPr lang="nl-NL" sz="1100" b="0" i="0" u="none" strike="noStrike" dirty="0">
-                <a:solidFill>
-                  <a:srgbClr val="000000"/>
-                </a:solidFill>
-                <a:effectLst/>
-                <a:latin typeface="Arial" panose="020B0604020202020204" pitchFamily="34" charset="0"/>
-              </a:rPr>
-              <a:t> </a:t>
-            </a:r>
-            <a:r>
-              <a:rPr lang="nl-NL" sz="1100" b="0" i="0" u="none" strike="noStrike" dirty="0" err="1">
-                <a:solidFill>
-                  <a:srgbClr val="000000"/>
-                </a:solidFill>
-                <a:effectLst/>
-                <a:latin typeface="Arial" panose="020B0604020202020204" pitchFamily="34" charset="0"/>
-              </a:rPr>
-              <a:t>Algorithm</a:t>
-            </a:r>
-            <a:r>
-              <a:rPr lang="nl-NL" sz="1100" b="0" i="0" u="none" strike="noStrike" dirty="0">
-                <a:solidFill>
-                  <a:srgbClr val="000000"/>
-                </a:solidFill>
-                <a:effectLst/>
-                <a:latin typeface="Arial" panose="020B0604020202020204" pitchFamily="34" charset="0"/>
-              </a:rPr>
-              <a:t> (EGSGA)</a:t>
-            </a:r>
-          </a:p>
-          <a:p>
-            <a:pPr rtl="0" fontAlgn="base">
-              <a:spcBef>
-                <a:spcPts val="0"/>
-              </a:spcBef>
-              <a:spcAft>
-                <a:spcPts val="0"/>
-              </a:spcAft>
-              <a:buFont typeface="+mj-lt"/>
-              <a:buAutoNum type="arabicPeriod"/>
-            </a:pPr>
-            <a:r>
-              <a:rPr lang="nl-NL" sz="1100" b="0" i="0" u="sng" strike="noStrike" dirty="0">
-                <a:solidFill>
-                  <a:srgbClr val="1155CC"/>
-                </a:solidFill>
-                <a:effectLst/>
-                <a:latin typeface="Arial" panose="020B0604020202020204" pitchFamily="34" charset="0"/>
-                <a:hlinkClick r:id="rId3"/>
-              </a:rPr>
-              <a:t>https://www.shs-conferences.org/articles/shsconf/abs/2020/05/shsconf_etltc2020_01001/shsconf_etltc2020_01001.html</a:t>
-            </a:r>
-            <a:endParaRPr lang="nl-NL" sz="1100" b="0" i="0" u="none" strike="noStrike" dirty="0">
-              <a:solidFill>
-                <a:srgbClr val="000000"/>
-              </a:solidFill>
-              <a:effectLst/>
-              <a:latin typeface="Arial" panose="020B0604020202020204" pitchFamily="34" charset="0"/>
-            </a:endParaRPr>
-          </a:p>
-          <a:p>
-            <a:pPr marL="742950" lvl="1" indent="-285750" rtl="0" fontAlgn="base">
-              <a:spcBef>
-                <a:spcPts val="0"/>
-              </a:spcBef>
-              <a:spcAft>
-                <a:spcPts val="0"/>
-              </a:spcAft>
-              <a:buFont typeface="+mj-lt"/>
-              <a:buAutoNum type="arabicPeriod"/>
-            </a:pPr>
-            <a:r>
-              <a:rPr lang="nl-NL" sz="1100" b="0" i="0" u="none" strike="noStrike" dirty="0" err="1">
-                <a:solidFill>
-                  <a:srgbClr val="000000"/>
-                </a:solidFill>
-                <a:effectLst/>
-                <a:latin typeface="Arial" panose="020B0604020202020204" pitchFamily="34" charset="0"/>
-              </a:rPr>
-              <a:t>Only</a:t>
-            </a:r>
-            <a:r>
-              <a:rPr lang="nl-NL" sz="1100" b="0" i="0" u="none" strike="noStrike" dirty="0">
-                <a:solidFill>
-                  <a:srgbClr val="000000"/>
-                </a:solidFill>
-                <a:effectLst/>
-                <a:latin typeface="Arial" panose="020B0604020202020204" pitchFamily="34" charset="0"/>
-              </a:rPr>
-              <a:t> Multi-Depth </a:t>
-            </a:r>
-            <a:r>
-              <a:rPr lang="nl-NL" sz="1100" b="0" i="0" u="none" strike="noStrike" dirty="0" err="1">
-                <a:solidFill>
-                  <a:srgbClr val="000000"/>
-                </a:solidFill>
-                <a:effectLst/>
-                <a:latin typeface="Arial" panose="020B0604020202020204" pitchFamily="34" charset="0"/>
-              </a:rPr>
-              <a:t>Genetic</a:t>
-            </a:r>
-            <a:r>
-              <a:rPr lang="nl-NL" sz="1100" b="0" i="0" u="none" strike="noStrike" dirty="0">
-                <a:solidFill>
-                  <a:srgbClr val="000000"/>
-                </a:solidFill>
-                <a:effectLst/>
-                <a:latin typeface="Arial" panose="020B0604020202020204" pitchFamily="34" charset="0"/>
-              </a:rPr>
-              <a:t> </a:t>
-            </a:r>
-            <a:r>
-              <a:rPr lang="nl-NL" sz="1100" b="0" i="0" u="none" strike="noStrike" dirty="0" err="1">
-                <a:solidFill>
-                  <a:srgbClr val="000000"/>
-                </a:solidFill>
-                <a:effectLst/>
-                <a:latin typeface="Arial" panose="020B0604020202020204" pitchFamily="34" charset="0"/>
-              </a:rPr>
-              <a:t>Algorithm</a:t>
-            </a:r>
-            <a:r>
-              <a:rPr lang="nl-NL" sz="1100" b="0" i="0" u="none" strike="noStrike" dirty="0">
-                <a:solidFill>
-                  <a:srgbClr val="000000"/>
-                </a:solidFill>
-                <a:effectLst/>
-                <a:latin typeface="Arial" panose="020B0604020202020204" pitchFamily="34" charset="0"/>
-              </a:rPr>
-              <a:t> (MDGA) is </a:t>
-            </a:r>
-            <a:r>
-              <a:rPr lang="nl-NL" sz="1100" b="0" i="0" u="none" strike="noStrike" dirty="0" err="1">
-                <a:solidFill>
-                  <a:srgbClr val="000000"/>
-                </a:solidFill>
-                <a:effectLst/>
-                <a:latin typeface="Arial" panose="020B0604020202020204" pitchFamily="34" charset="0"/>
-              </a:rPr>
-              <a:t>discussed</a:t>
-            </a:r>
-            <a:r>
-              <a:rPr lang="nl-NL" sz="1100" b="0" i="0" u="none" strike="noStrike" dirty="0">
-                <a:solidFill>
-                  <a:srgbClr val="000000"/>
-                </a:solidFill>
-                <a:effectLst/>
-                <a:latin typeface="Arial" panose="020B0604020202020204" pitchFamily="34" charset="0"/>
-              </a:rPr>
-              <a:t> but </a:t>
-            </a:r>
-            <a:r>
-              <a:rPr lang="nl-NL" sz="1100" b="0" i="0" u="none" strike="noStrike" dirty="0" err="1">
-                <a:solidFill>
-                  <a:srgbClr val="000000"/>
-                </a:solidFill>
-                <a:effectLst/>
-                <a:latin typeface="Arial" panose="020B0604020202020204" pitchFamily="34" charset="0"/>
-              </a:rPr>
-              <a:t>compared</a:t>
-            </a:r>
-            <a:r>
-              <a:rPr lang="nl-NL" sz="1100" b="0" i="0" u="none" strike="noStrike" dirty="0">
-                <a:solidFill>
-                  <a:srgbClr val="000000"/>
-                </a:solidFill>
-                <a:effectLst/>
-                <a:latin typeface="Arial" panose="020B0604020202020204" pitchFamily="34" charset="0"/>
-              </a:rPr>
-              <a:t> </a:t>
-            </a:r>
-            <a:r>
-              <a:rPr lang="nl-NL" sz="1100" b="0" i="0" u="none" strike="noStrike" dirty="0" err="1">
-                <a:solidFill>
-                  <a:srgbClr val="000000"/>
-                </a:solidFill>
-                <a:effectLst/>
-                <a:latin typeface="Arial" panose="020B0604020202020204" pitchFamily="34" charset="0"/>
-              </a:rPr>
-              <a:t>with</a:t>
-            </a:r>
-            <a:r>
-              <a:rPr lang="nl-NL" sz="1100" b="0" i="0" u="none" strike="noStrike" dirty="0">
-                <a:solidFill>
-                  <a:srgbClr val="000000"/>
-                </a:solidFill>
-                <a:effectLst/>
-                <a:latin typeface="Arial" panose="020B0604020202020204" pitchFamily="34" charset="0"/>
-              </a:rPr>
-              <a:t> different </a:t>
-            </a:r>
-            <a:r>
-              <a:rPr lang="nl-NL" sz="1100" b="0" i="0" u="none" strike="noStrike" dirty="0" err="1">
-                <a:solidFill>
-                  <a:srgbClr val="000000"/>
-                </a:solidFill>
-                <a:effectLst/>
-                <a:latin typeface="Arial" panose="020B0604020202020204" pitchFamily="34" charset="0"/>
-              </a:rPr>
-              <a:t>algorithms</a:t>
-            </a:r>
-            <a:r>
-              <a:rPr lang="nl-NL" sz="1100" b="0" i="0" u="none" strike="noStrike" dirty="0">
-                <a:solidFill>
-                  <a:srgbClr val="000000"/>
-                </a:solidFill>
-                <a:effectLst/>
-                <a:latin typeface="Arial" panose="020B0604020202020204" pitchFamily="34" charset="0"/>
-              </a:rPr>
-              <a:t>. </a:t>
-            </a:r>
-          </a:p>
-          <a:p>
-            <a:pPr marL="742950" lvl="1" indent="-285750" rtl="0" fontAlgn="base">
-              <a:spcBef>
-                <a:spcPts val="0"/>
-              </a:spcBef>
-              <a:spcAft>
-                <a:spcPts val="0"/>
-              </a:spcAft>
-              <a:buFont typeface="+mj-lt"/>
-              <a:buAutoNum type="arabicPeriod"/>
-            </a:pPr>
-            <a:r>
-              <a:rPr lang="nl-NL" sz="1100" b="0" i="0" u="none" strike="noStrike" dirty="0" err="1">
-                <a:solidFill>
-                  <a:srgbClr val="000000"/>
-                </a:solidFill>
-                <a:effectLst/>
-                <a:latin typeface="Arial" panose="020B0604020202020204" pitchFamily="34" charset="0"/>
-              </a:rPr>
-              <a:t>outperformes</a:t>
-            </a:r>
-            <a:r>
-              <a:rPr lang="nl-NL" sz="1100" b="0" i="0" u="none" strike="noStrike" dirty="0">
-                <a:solidFill>
-                  <a:srgbClr val="000000"/>
-                </a:solidFill>
-                <a:effectLst/>
-                <a:latin typeface="Arial" panose="020B0604020202020204" pitchFamily="34" charset="0"/>
-              </a:rPr>
-              <a:t> </a:t>
-            </a:r>
-            <a:r>
-              <a:rPr lang="nl-NL" sz="1100" b="0" i="0" u="none" strike="noStrike" dirty="0" err="1">
-                <a:solidFill>
-                  <a:srgbClr val="000000"/>
-                </a:solidFill>
-                <a:effectLst/>
-                <a:latin typeface="Arial" panose="020B0604020202020204" pitchFamily="34" charset="0"/>
-              </a:rPr>
-              <a:t>others</a:t>
-            </a:r>
-            <a:r>
-              <a:rPr lang="nl-NL" sz="1100" b="0" i="0" u="none" strike="noStrike" dirty="0">
-                <a:solidFill>
-                  <a:srgbClr val="000000"/>
-                </a:solidFill>
-                <a:effectLst/>
-                <a:latin typeface="Arial" panose="020B0604020202020204" pitchFamily="34" charset="0"/>
-              </a:rPr>
-              <a:t> in 6 of 25 cases.</a:t>
-            </a:r>
-          </a:p>
-          <a:p>
-            <a:pPr rtl="0" fontAlgn="base">
-              <a:spcBef>
-                <a:spcPts val="0"/>
-              </a:spcBef>
-              <a:spcAft>
-                <a:spcPts val="0"/>
-              </a:spcAft>
-              <a:buFont typeface="+mj-lt"/>
-              <a:buAutoNum type="arabicPeriod"/>
-            </a:pPr>
-            <a:r>
-              <a:rPr lang="nl-NL" sz="1100" b="0" i="0" u="sng" strike="noStrike" dirty="0">
-                <a:solidFill>
-                  <a:srgbClr val="1155CC"/>
-                </a:solidFill>
-                <a:effectLst/>
-                <a:latin typeface="Arial" panose="020B0604020202020204" pitchFamily="34" charset="0"/>
-                <a:hlinkClick r:id="rId4"/>
-              </a:rPr>
-              <a:t>https://link.springer.com/article/10.1007/s10489-020-01833-x#additional-information</a:t>
-            </a:r>
-            <a:endParaRPr lang="nl-NL" sz="1100" b="0" i="0" u="none" strike="noStrike" dirty="0">
-              <a:solidFill>
-                <a:srgbClr val="000000"/>
-              </a:solidFill>
-              <a:effectLst/>
-              <a:latin typeface="Arial" panose="020B0604020202020204" pitchFamily="34" charset="0"/>
-            </a:endParaRPr>
-          </a:p>
-          <a:p>
-            <a:pPr marL="742950" lvl="1" indent="-285750" rtl="0" fontAlgn="base">
-              <a:spcBef>
-                <a:spcPts val="0"/>
-              </a:spcBef>
-              <a:spcAft>
-                <a:spcPts val="0"/>
-              </a:spcAft>
-              <a:buFont typeface="+mj-lt"/>
-              <a:buAutoNum type="arabicPeriod"/>
-            </a:pPr>
-            <a:r>
-              <a:rPr lang="nl-NL" sz="1100" b="0" i="0" u="none" strike="noStrike" dirty="0" err="1">
-                <a:solidFill>
-                  <a:srgbClr val="000000"/>
-                </a:solidFill>
-                <a:effectLst/>
-                <a:latin typeface="Arial" panose="020B0604020202020204" pitchFamily="34" charset="0"/>
-              </a:rPr>
-              <a:t>improved</a:t>
-            </a:r>
-            <a:r>
-              <a:rPr lang="nl-NL" sz="1100" b="0" i="0" u="none" strike="noStrike" dirty="0">
-                <a:solidFill>
-                  <a:srgbClr val="000000"/>
-                </a:solidFill>
-                <a:effectLst/>
-                <a:latin typeface="Arial" panose="020B0604020202020204" pitchFamily="34" charset="0"/>
-              </a:rPr>
-              <a:t> parallel </a:t>
-            </a:r>
-            <a:r>
-              <a:rPr lang="nl-NL" sz="1100" b="0" i="0" u="none" strike="noStrike" dirty="0" err="1">
-                <a:solidFill>
-                  <a:srgbClr val="000000"/>
-                </a:solidFill>
-                <a:effectLst/>
-                <a:latin typeface="Arial" panose="020B0604020202020204" pitchFamily="34" charset="0"/>
-              </a:rPr>
-              <a:t>genetic</a:t>
-            </a:r>
-            <a:r>
-              <a:rPr lang="nl-NL" sz="1100" b="0" i="0" u="none" strike="noStrike" dirty="0">
-                <a:solidFill>
-                  <a:srgbClr val="000000"/>
-                </a:solidFill>
-                <a:effectLst/>
-                <a:latin typeface="Arial" panose="020B0604020202020204" pitchFamily="34" charset="0"/>
-              </a:rPr>
-              <a:t> </a:t>
-            </a:r>
-            <a:r>
-              <a:rPr lang="nl-NL" sz="1100" b="0" i="0" u="none" strike="noStrike" dirty="0" err="1">
-                <a:solidFill>
-                  <a:srgbClr val="000000"/>
-                </a:solidFill>
-                <a:effectLst/>
-                <a:latin typeface="Arial" panose="020B0604020202020204" pitchFamily="34" charset="0"/>
-              </a:rPr>
-              <a:t>algorithm</a:t>
-            </a:r>
-            <a:r>
-              <a:rPr lang="nl-NL" sz="1100" b="0" i="0" u="none" strike="noStrike" dirty="0">
-                <a:solidFill>
-                  <a:srgbClr val="000000"/>
-                </a:solidFill>
-                <a:effectLst/>
-                <a:latin typeface="Arial" panose="020B0604020202020204" pitchFamily="34" charset="0"/>
-              </a:rPr>
-              <a:t> </a:t>
-            </a:r>
-            <a:r>
-              <a:rPr lang="nl-NL" sz="1100" b="0" i="0" u="none" strike="noStrike" dirty="0" err="1">
-                <a:solidFill>
-                  <a:srgbClr val="000000"/>
-                </a:solidFill>
-                <a:effectLst/>
-                <a:latin typeface="Arial" panose="020B0604020202020204" pitchFamily="34" charset="0"/>
-              </a:rPr>
-              <a:t>and</a:t>
-            </a:r>
-            <a:r>
-              <a:rPr lang="nl-NL" sz="1100" b="0" i="0" u="none" strike="noStrike" dirty="0">
-                <a:solidFill>
-                  <a:srgbClr val="000000"/>
-                </a:solidFill>
-                <a:effectLst/>
-                <a:latin typeface="Arial" panose="020B0604020202020204" pitchFamily="34" charset="0"/>
-              </a:rPr>
-              <a:t> </a:t>
-            </a:r>
-            <a:r>
-              <a:rPr lang="nl-NL" sz="1100" b="0" i="0" u="none" strike="noStrike" dirty="0" err="1">
-                <a:solidFill>
-                  <a:srgbClr val="000000"/>
-                </a:solidFill>
-                <a:effectLst/>
-                <a:latin typeface="Arial" panose="020B0604020202020204" pitchFamily="34" charset="0"/>
-              </a:rPr>
-              <a:t>local</a:t>
-            </a:r>
-            <a:r>
-              <a:rPr lang="nl-NL" sz="1100" b="0" i="0" u="none" strike="noStrike" dirty="0">
-                <a:solidFill>
-                  <a:srgbClr val="000000"/>
-                </a:solidFill>
-                <a:effectLst/>
-                <a:latin typeface="Arial" panose="020B0604020202020204" pitchFamily="34" charset="0"/>
-              </a:rPr>
-              <a:t> search (IPGALS)</a:t>
-            </a:r>
-          </a:p>
-          <a:p>
-            <a:pPr marL="742950" lvl="1" indent="-285750" rtl="0" fontAlgn="base">
-              <a:spcBef>
-                <a:spcPts val="0"/>
-              </a:spcBef>
-              <a:spcAft>
-                <a:spcPts val="0"/>
-              </a:spcAft>
-              <a:buFont typeface="+mj-lt"/>
-              <a:buAutoNum type="arabicPeriod"/>
-            </a:pPr>
-            <a:r>
-              <a:rPr lang="nl-NL" sz="1100" b="0" i="0" u="none" strike="noStrike" dirty="0" err="1">
-                <a:solidFill>
-                  <a:srgbClr val="000000"/>
-                </a:solidFill>
-                <a:effectLst/>
-                <a:latin typeface="Arial" panose="020B0604020202020204" pitchFamily="34" charset="0"/>
-              </a:rPr>
-              <a:t>outperforms</a:t>
-            </a:r>
-            <a:r>
-              <a:rPr lang="nl-NL" sz="1100" b="0" i="0" u="none" strike="noStrike" dirty="0">
-                <a:solidFill>
-                  <a:srgbClr val="000000"/>
-                </a:solidFill>
-                <a:effectLst/>
-                <a:latin typeface="Arial" panose="020B0604020202020204" pitchFamily="34" charset="0"/>
-              </a:rPr>
-              <a:t> </a:t>
-            </a:r>
-            <a:r>
-              <a:rPr lang="nl-NL" sz="1100" b="0" i="0" u="none" strike="noStrike" dirty="0" err="1">
-                <a:solidFill>
-                  <a:srgbClr val="000000"/>
-                </a:solidFill>
-                <a:effectLst/>
-                <a:latin typeface="Arial" panose="020B0604020202020204" pitchFamily="34" charset="0"/>
-              </a:rPr>
-              <a:t>others</a:t>
-            </a:r>
-            <a:r>
-              <a:rPr lang="nl-NL" sz="1100" b="0" i="0" u="none" strike="noStrike" dirty="0">
-                <a:solidFill>
-                  <a:srgbClr val="000000"/>
-                </a:solidFill>
-                <a:effectLst/>
-                <a:latin typeface="Arial" panose="020B0604020202020204" pitchFamily="34" charset="0"/>
-              </a:rPr>
-              <a:t> (</a:t>
-            </a:r>
-            <a:r>
-              <a:rPr lang="nl-NL" sz="1100" b="0" i="0" u="none" strike="noStrike" dirty="0" err="1">
-                <a:solidFill>
-                  <a:srgbClr val="000000"/>
-                </a:solidFill>
-                <a:effectLst/>
-                <a:latin typeface="Arial" panose="020B0604020202020204" pitchFamily="34" charset="0"/>
-              </a:rPr>
-              <a:t>compared</a:t>
-            </a:r>
-            <a:r>
-              <a:rPr lang="nl-NL" sz="1100" b="0" i="0" u="none" strike="noStrike" dirty="0">
-                <a:solidFill>
-                  <a:srgbClr val="000000"/>
-                </a:solidFill>
-                <a:effectLst/>
-                <a:latin typeface="Arial" panose="020B0604020202020204" pitchFamily="34" charset="0"/>
-              </a:rPr>
-              <a:t> </a:t>
-            </a:r>
-            <a:r>
-              <a:rPr lang="nl-NL" sz="1100" b="0" i="0" u="none" strike="noStrike" dirty="0" err="1">
-                <a:solidFill>
-                  <a:srgbClr val="000000"/>
-                </a:solidFill>
-                <a:effectLst/>
-                <a:latin typeface="Arial" panose="020B0604020202020204" pitchFamily="34" charset="0"/>
-              </a:rPr>
-              <a:t>with</a:t>
-            </a:r>
-            <a:r>
-              <a:rPr lang="nl-NL" sz="1100" b="0" i="0" u="none" strike="noStrike" dirty="0">
-                <a:solidFill>
-                  <a:srgbClr val="000000"/>
-                </a:solidFill>
-                <a:effectLst/>
-                <a:latin typeface="Arial" panose="020B0604020202020204" pitchFamily="34" charset="0"/>
-              </a:rPr>
-              <a:t> EGSGA but </a:t>
-            </a:r>
-            <a:r>
-              <a:rPr lang="nl-NL" sz="1100" b="0" i="0" u="none" strike="noStrike" dirty="0" err="1">
-                <a:solidFill>
-                  <a:srgbClr val="000000"/>
-                </a:solidFill>
-                <a:effectLst/>
-                <a:latin typeface="Arial" panose="020B0604020202020204" pitchFamily="34" charset="0"/>
-              </a:rPr>
-              <a:t>not</a:t>
-            </a:r>
-            <a:r>
-              <a:rPr lang="nl-NL" sz="1100" b="0" i="0" u="none" strike="noStrike" dirty="0">
-                <a:solidFill>
-                  <a:srgbClr val="000000"/>
-                </a:solidFill>
-                <a:effectLst/>
-                <a:latin typeface="Arial" panose="020B0604020202020204" pitchFamily="34" charset="0"/>
-              </a:rPr>
-              <a:t> </a:t>
-            </a:r>
-            <a:r>
-              <a:rPr lang="nl-NL" sz="1100" b="0" i="0" u="none" strike="noStrike" dirty="0" err="1">
-                <a:solidFill>
-                  <a:srgbClr val="000000"/>
-                </a:solidFill>
-                <a:effectLst/>
-                <a:latin typeface="Arial" panose="020B0604020202020204" pitchFamily="34" charset="0"/>
-              </a:rPr>
-              <a:t>with</a:t>
-            </a:r>
-            <a:r>
-              <a:rPr lang="nl-NL" sz="1100" b="0" i="0" u="none" strike="noStrike" dirty="0">
-                <a:solidFill>
-                  <a:srgbClr val="000000"/>
-                </a:solidFill>
-                <a:effectLst/>
-                <a:latin typeface="Arial" panose="020B0604020202020204" pitchFamily="34" charset="0"/>
-              </a:rPr>
-              <a:t> MDGA)</a:t>
-            </a:r>
-          </a:p>
-          <a:p>
-            <a:pPr rtl="0" fontAlgn="base">
-              <a:spcBef>
-                <a:spcPts val="0"/>
-              </a:spcBef>
-              <a:spcAft>
-                <a:spcPts val="0"/>
-              </a:spcAft>
-              <a:buFont typeface="+mj-lt"/>
-              <a:buAutoNum type="arabicPeriod"/>
-            </a:pPr>
-            <a:r>
-              <a:rPr lang="nl-NL" sz="1100" b="0" i="0" u="sng" strike="noStrike" dirty="0">
-                <a:solidFill>
-                  <a:srgbClr val="1155CC"/>
-                </a:solidFill>
-                <a:effectLst/>
-                <a:latin typeface="Arial" panose="020B0604020202020204" pitchFamily="34" charset="0"/>
-                <a:hlinkClick r:id="rId5"/>
-              </a:rPr>
-              <a:t>https://www.sciencedirect.com/science/article/pii/S0360835214003714?via%3Dihub</a:t>
-            </a:r>
-            <a:endParaRPr lang="nl-NL" sz="1100" b="0" i="0" u="none" strike="noStrike" dirty="0">
-              <a:solidFill>
-                <a:srgbClr val="000000"/>
-              </a:solidFill>
-              <a:effectLst/>
-              <a:latin typeface="Arial" panose="020B0604020202020204" pitchFamily="34" charset="0"/>
-            </a:endParaRPr>
-          </a:p>
-          <a:p>
-            <a:pPr marL="742950" lvl="1" indent="-285750" rtl="0" fontAlgn="base">
-              <a:spcBef>
-                <a:spcPts val="0"/>
-              </a:spcBef>
-              <a:spcAft>
-                <a:spcPts val="0"/>
-              </a:spcAft>
-              <a:buFont typeface="+mj-lt"/>
-              <a:buAutoNum type="arabicPeriod"/>
-            </a:pPr>
-            <a:r>
-              <a:rPr lang="nl-NL" sz="1100" b="0" i="0" u="none" strike="noStrike" dirty="0" err="1">
-                <a:solidFill>
-                  <a:srgbClr val="000000"/>
-                </a:solidFill>
-                <a:effectLst/>
-                <a:latin typeface="Arial" panose="020B0604020202020204" pitchFamily="34" charset="0"/>
-              </a:rPr>
-              <a:t>Compares</a:t>
-            </a:r>
-            <a:r>
-              <a:rPr lang="nl-NL" sz="1100" b="0" i="0" u="none" strike="noStrike" dirty="0">
-                <a:solidFill>
-                  <a:srgbClr val="000000"/>
-                </a:solidFill>
-                <a:effectLst/>
-                <a:latin typeface="Arial" panose="020B0604020202020204" pitchFamily="34" charset="0"/>
-              </a:rPr>
-              <a:t> different </a:t>
-            </a:r>
-            <a:r>
-              <a:rPr lang="nl-NL" sz="1100" b="0" i="0" u="none" strike="noStrike" dirty="0" err="1">
-                <a:solidFill>
-                  <a:srgbClr val="000000"/>
-                </a:solidFill>
-                <a:effectLst/>
-                <a:latin typeface="Arial" panose="020B0604020202020204" pitchFamily="34" charset="0"/>
-              </a:rPr>
-              <a:t>algorithms</a:t>
-            </a:r>
-            <a:r>
-              <a:rPr lang="nl-NL" sz="1100" b="0" i="0" u="none" strike="noStrike" dirty="0">
-                <a:solidFill>
-                  <a:srgbClr val="000000"/>
-                </a:solidFill>
-                <a:effectLst/>
-                <a:latin typeface="Arial" panose="020B0604020202020204" pitchFamily="34" charset="0"/>
-              </a:rPr>
-              <a:t> </a:t>
-            </a:r>
-            <a:r>
-              <a:rPr lang="nl-NL" sz="1100" b="0" i="0" u="none" strike="noStrike" dirty="0" err="1">
-                <a:solidFill>
-                  <a:srgbClr val="000000"/>
-                </a:solidFill>
-                <a:effectLst/>
-                <a:latin typeface="Arial" panose="020B0604020202020204" pitchFamily="34" charset="0"/>
-              </a:rPr>
-              <a:t>based</a:t>
-            </a:r>
-            <a:r>
-              <a:rPr lang="nl-NL" sz="1100" b="0" i="0" u="none" strike="noStrike" dirty="0">
-                <a:solidFill>
-                  <a:srgbClr val="000000"/>
-                </a:solidFill>
-                <a:effectLst/>
-                <a:latin typeface="Arial" panose="020B0604020202020204" pitchFamily="34" charset="0"/>
-              </a:rPr>
-              <a:t> on </a:t>
-            </a:r>
-            <a:r>
-              <a:rPr lang="nl-NL" sz="1100" b="0" i="0" u="none" strike="noStrike" dirty="0" err="1">
-                <a:solidFill>
-                  <a:srgbClr val="000000"/>
-                </a:solidFill>
-                <a:effectLst/>
-                <a:latin typeface="Arial" panose="020B0604020202020204" pitchFamily="34" charset="0"/>
-              </a:rPr>
-              <a:t>size</a:t>
-            </a:r>
-            <a:r>
-              <a:rPr lang="nl-NL" sz="1100" b="0" i="0" u="none" strike="noStrike" dirty="0">
-                <a:solidFill>
-                  <a:srgbClr val="000000"/>
-                </a:solidFill>
-                <a:effectLst/>
-                <a:latin typeface="Arial" panose="020B0604020202020204" pitchFamily="34" charset="0"/>
-              </a:rPr>
-              <a:t> of dataset. (does </a:t>
-            </a:r>
-            <a:r>
-              <a:rPr lang="nl-NL" sz="1100" b="0" i="0" u="none" strike="noStrike" dirty="0" err="1">
-                <a:solidFill>
-                  <a:srgbClr val="000000"/>
-                </a:solidFill>
-                <a:effectLst/>
-                <a:latin typeface="Arial" panose="020B0604020202020204" pitchFamily="34" charset="0"/>
-              </a:rPr>
-              <a:t>not</a:t>
-            </a:r>
-            <a:r>
-              <a:rPr lang="nl-NL" sz="1100" b="0" i="0" u="none" strike="noStrike" dirty="0">
-                <a:solidFill>
-                  <a:srgbClr val="000000"/>
-                </a:solidFill>
-                <a:effectLst/>
-                <a:latin typeface="Arial" panose="020B0604020202020204" pitchFamily="34" charset="0"/>
-              </a:rPr>
-              <a:t> </a:t>
-            </a:r>
-            <a:r>
-              <a:rPr lang="nl-NL" sz="1100" b="0" i="0" u="none" strike="noStrike" dirty="0" err="1">
-                <a:solidFill>
-                  <a:srgbClr val="000000"/>
-                </a:solidFill>
-                <a:effectLst/>
-                <a:latin typeface="Arial" panose="020B0604020202020204" pitchFamily="34" charset="0"/>
-              </a:rPr>
-              <a:t>include</a:t>
-            </a:r>
-            <a:r>
-              <a:rPr lang="nl-NL" sz="1100" b="0" i="0" u="none" strike="noStrike" dirty="0">
-                <a:solidFill>
-                  <a:srgbClr val="000000"/>
-                </a:solidFill>
-                <a:effectLst/>
-                <a:latin typeface="Arial" panose="020B0604020202020204" pitchFamily="34" charset="0"/>
-              </a:rPr>
-              <a:t> IPGALS </a:t>
-            </a:r>
-            <a:r>
-              <a:rPr lang="nl-NL" sz="1100" b="0" i="0" u="none" strike="noStrike" dirty="0" err="1">
-                <a:solidFill>
-                  <a:srgbClr val="000000"/>
-                </a:solidFill>
-                <a:effectLst/>
-                <a:latin typeface="Arial" panose="020B0604020202020204" pitchFamily="34" charset="0"/>
-              </a:rPr>
-              <a:t>and</a:t>
-            </a:r>
-            <a:r>
-              <a:rPr lang="nl-NL" sz="1100" b="0" i="0" u="none" strike="noStrike" dirty="0">
-                <a:solidFill>
-                  <a:srgbClr val="000000"/>
-                </a:solidFill>
-                <a:effectLst/>
-                <a:latin typeface="Arial" panose="020B0604020202020204" pitchFamily="34" charset="0"/>
-              </a:rPr>
-              <a:t> MDGA, but does </a:t>
-            </a:r>
-            <a:r>
-              <a:rPr lang="nl-NL" sz="1100" b="0" i="0" u="none" strike="noStrike" dirty="0" err="1">
-                <a:solidFill>
-                  <a:srgbClr val="000000"/>
-                </a:solidFill>
-                <a:effectLst/>
-                <a:latin typeface="Arial" panose="020B0604020202020204" pitchFamily="34" charset="0"/>
-              </a:rPr>
-              <a:t>include</a:t>
-            </a:r>
-            <a:r>
-              <a:rPr lang="nl-NL" sz="1100" b="0" i="0" u="none" strike="noStrike" dirty="0">
-                <a:solidFill>
-                  <a:srgbClr val="000000"/>
-                </a:solidFill>
-                <a:effectLst/>
-                <a:latin typeface="Arial" panose="020B0604020202020204" pitchFamily="34" charset="0"/>
-              </a:rPr>
-              <a:t> EGSGA)</a:t>
-            </a:r>
-          </a:p>
-          <a:p>
-            <a:pPr marL="1143000" lvl="2" indent="-228600" rtl="0" fontAlgn="base">
-              <a:spcBef>
-                <a:spcPts val="0"/>
-              </a:spcBef>
-              <a:spcAft>
-                <a:spcPts val="0"/>
-              </a:spcAft>
-              <a:buFont typeface="+mj-lt"/>
-              <a:buAutoNum type="arabicPeriod"/>
-            </a:pPr>
-            <a:r>
-              <a:rPr lang="nl-NL" sz="1100" b="0" i="0" u="none" strike="noStrike" dirty="0">
-                <a:solidFill>
-                  <a:srgbClr val="000000"/>
-                </a:solidFill>
-                <a:effectLst/>
-                <a:latin typeface="Arial" panose="020B0604020202020204" pitchFamily="34" charset="0"/>
-              </a:rPr>
-              <a:t>small dataset: A57 (ILS: </a:t>
-            </a:r>
-            <a:r>
-              <a:rPr lang="nl-NL" sz="1100" b="0" i="0" u="none" strike="noStrike" dirty="0" err="1">
-                <a:solidFill>
-                  <a:srgbClr val="000000"/>
-                </a:solidFill>
-                <a:effectLst/>
-                <a:latin typeface="Arial" panose="020B0604020202020204" pitchFamily="34" charset="0"/>
-              </a:rPr>
-              <a:t>Iterative</a:t>
-            </a:r>
-            <a:r>
-              <a:rPr lang="nl-NL" sz="1100" b="0" i="0" u="none" strike="noStrike" dirty="0">
-                <a:solidFill>
-                  <a:srgbClr val="000000"/>
-                </a:solidFill>
-                <a:effectLst/>
-                <a:latin typeface="Arial" panose="020B0604020202020204" pitchFamily="34" charset="0"/>
-              </a:rPr>
-              <a:t> </a:t>
-            </a:r>
-            <a:r>
-              <a:rPr lang="nl-NL" sz="1100" b="0" i="0" u="none" strike="noStrike" dirty="0" err="1">
-                <a:solidFill>
-                  <a:srgbClr val="000000"/>
-                </a:solidFill>
-                <a:effectLst/>
-                <a:latin typeface="Arial" panose="020B0604020202020204" pitchFamily="34" charset="0"/>
-              </a:rPr>
-              <a:t>Local</a:t>
-            </a:r>
-            <a:r>
-              <a:rPr lang="nl-NL" sz="1100" b="0" i="0" u="none" strike="noStrike" dirty="0">
-                <a:solidFill>
-                  <a:srgbClr val="000000"/>
-                </a:solidFill>
-                <a:effectLst/>
-                <a:latin typeface="Arial" panose="020B0604020202020204" pitchFamily="34" charset="0"/>
-              </a:rPr>
-              <a:t> Search)</a:t>
-            </a:r>
-          </a:p>
-          <a:p>
-            <a:pPr marL="1143000" lvl="2" indent="-228600" rtl="0" fontAlgn="base">
-              <a:spcBef>
-                <a:spcPts val="0"/>
-              </a:spcBef>
-              <a:spcAft>
-                <a:spcPts val="0"/>
-              </a:spcAft>
-              <a:buFont typeface="+mj-lt"/>
-              <a:buAutoNum type="arabicPeriod"/>
-            </a:pPr>
-            <a:r>
-              <a:rPr lang="nl-NL" sz="1100" b="0" i="0" u="none" strike="noStrike" dirty="0">
-                <a:solidFill>
-                  <a:srgbClr val="000000"/>
-                </a:solidFill>
-                <a:effectLst/>
-                <a:latin typeface="Arial" panose="020B0604020202020204" pitchFamily="34" charset="0"/>
-              </a:rPr>
-              <a:t>medium dataset: A64 (SA: </a:t>
-            </a:r>
-            <a:r>
-              <a:rPr lang="nl-NL" sz="1100" b="0" i="0" u="none" strike="noStrike" dirty="0" err="1">
-                <a:solidFill>
-                  <a:srgbClr val="000000"/>
-                </a:solidFill>
-                <a:effectLst/>
-                <a:latin typeface="Arial" panose="020B0604020202020204" pitchFamily="34" charset="0"/>
-              </a:rPr>
-              <a:t>Simulated</a:t>
-            </a:r>
-            <a:r>
-              <a:rPr lang="nl-NL" sz="1100" b="0" i="0" u="none" strike="noStrike" dirty="0">
-                <a:solidFill>
-                  <a:srgbClr val="000000"/>
-                </a:solidFill>
-                <a:effectLst/>
-                <a:latin typeface="Arial" panose="020B0604020202020204" pitchFamily="34" charset="0"/>
-              </a:rPr>
-              <a:t> </a:t>
-            </a:r>
-            <a:r>
-              <a:rPr lang="nl-NL" sz="1100" b="0" i="0" u="none" strike="noStrike" dirty="0" err="1">
-                <a:solidFill>
-                  <a:srgbClr val="000000"/>
-                </a:solidFill>
-                <a:effectLst/>
-                <a:latin typeface="Arial" panose="020B0604020202020204" pitchFamily="34" charset="0"/>
-              </a:rPr>
-              <a:t>Annealing</a:t>
-            </a:r>
-            <a:r>
-              <a:rPr lang="nl-NL" sz="1100" b="0" i="0" u="none" strike="noStrike" dirty="0">
-                <a:solidFill>
-                  <a:srgbClr val="000000"/>
-                </a:solidFill>
-                <a:effectLst/>
-                <a:latin typeface="Arial" panose="020B0604020202020204" pitchFamily="34" charset="0"/>
-              </a:rPr>
-              <a:t>)</a:t>
-            </a:r>
-          </a:p>
-          <a:p>
-            <a:pPr marL="1143000" lvl="2" indent="-228600" rtl="0" fontAlgn="base">
-              <a:spcBef>
-                <a:spcPts val="0"/>
-              </a:spcBef>
-              <a:spcAft>
-                <a:spcPts val="0"/>
-              </a:spcAft>
-              <a:buFont typeface="+mj-lt"/>
-              <a:buAutoNum type="arabicPeriod"/>
-            </a:pPr>
-            <a:r>
-              <a:rPr lang="nl-NL" sz="1100" b="0" i="0" u="none" strike="noStrike" dirty="0">
-                <a:solidFill>
-                  <a:srgbClr val="000000"/>
-                </a:solidFill>
-                <a:effectLst/>
-                <a:latin typeface="Arial" panose="020B0604020202020204" pitchFamily="34" charset="0"/>
-              </a:rPr>
-              <a:t>Large dataset: A64 (SA: </a:t>
-            </a:r>
-            <a:r>
-              <a:rPr lang="nl-NL" sz="1100" b="0" i="0" u="none" strike="noStrike" dirty="0" err="1">
-                <a:solidFill>
-                  <a:srgbClr val="000000"/>
-                </a:solidFill>
-                <a:effectLst/>
-                <a:latin typeface="Arial" panose="020B0604020202020204" pitchFamily="34" charset="0"/>
-              </a:rPr>
-              <a:t>Simulated</a:t>
-            </a:r>
-            <a:r>
-              <a:rPr lang="nl-NL" sz="1100" b="0" i="0" u="none" strike="noStrike" dirty="0">
-                <a:solidFill>
-                  <a:srgbClr val="000000"/>
-                </a:solidFill>
-                <a:effectLst/>
-                <a:latin typeface="Arial" panose="020B0604020202020204" pitchFamily="34" charset="0"/>
-              </a:rPr>
-              <a:t> </a:t>
-            </a:r>
-            <a:r>
-              <a:rPr lang="nl-NL" sz="1100" b="0" i="0" u="none" strike="noStrike" dirty="0" err="1">
-                <a:solidFill>
-                  <a:srgbClr val="000000"/>
-                </a:solidFill>
-                <a:effectLst/>
-                <a:latin typeface="Arial" panose="020B0604020202020204" pitchFamily="34" charset="0"/>
-              </a:rPr>
-              <a:t>Annealing</a:t>
-            </a:r>
-            <a:r>
-              <a:rPr lang="nl-NL" sz="1100" b="0" i="0" u="none" strike="noStrike" dirty="0">
-                <a:solidFill>
-                  <a:srgbClr val="000000"/>
-                </a:solidFill>
-                <a:effectLst/>
-                <a:latin typeface="Arial" panose="020B0604020202020204" pitchFamily="34" charset="0"/>
-              </a:rPr>
-              <a:t>)</a:t>
-            </a:r>
-          </a:p>
-          <a:p>
-            <a:pPr marL="1143000" lvl="2" indent="-228600" rtl="0" fontAlgn="base">
-              <a:spcBef>
-                <a:spcPts val="0"/>
-              </a:spcBef>
-              <a:spcAft>
-                <a:spcPts val="1200"/>
-              </a:spcAft>
-              <a:buFont typeface="+mj-lt"/>
-              <a:buAutoNum type="arabicPeriod"/>
-            </a:pPr>
-            <a:r>
-              <a:rPr lang="nl-NL" sz="1100" b="0" i="0" u="none" strike="noStrike" dirty="0">
-                <a:solidFill>
-                  <a:srgbClr val="000000"/>
-                </a:solidFill>
-                <a:effectLst/>
-                <a:latin typeface="Arial" panose="020B0604020202020204" pitchFamily="34" charset="0"/>
-              </a:rPr>
-              <a:t>Over </a:t>
-            </a:r>
-            <a:r>
-              <a:rPr lang="nl-NL" sz="1100" b="0" i="0" u="none" strike="noStrike" dirty="0" err="1">
-                <a:solidFill>
-                  <a:srgbClr val="000000"/>
-                </a:solidFill>
-                <a:effectLst/>
-                <a:latin typeface="Arial" panose="020B0604020202020204" pitchFamily="34" charset="0"/>
-              </a:rPr>
-              <a:t>all</a:t>
-            </a:r>
-            <a:r>
-              <a:rPr lang="nl-NL" sz="1100" b="0" i="0" u="none" strike="noStrike" dirty="0">
-                <a:solidFill>
-                  <a:srgbClr val="000000"/>
-                </a:solidFill>
-                <a:effectLst/>
-                <a:latin typeface="Arial" panose="020B0604020202020204" pitchFamily="34" charset="0"/>
-              </a:rPr>
-              <a:t> datasets: A30 (AA: </a:t>
-            </a:r>
-            <a:r>
-              <a:rPr lang="nl-NL" sz="1100" b="0" i="0" u="none" strike="noStrike" dirty="0" err="1">
-                <a:solidFill>
-                  <a:srgbClr val="000000"/>
-                </a:solidFill>
-                <a:effectLst/>
-                <a:latin typeface="Arial" panose="020B0604020202020204" pitchFamily="34" charset="0"/>
-              </a:rPr>
-              <a:t>Ant</a:t>
-            </a:r>
-            <a:r>
-              <a:rPr lang="nl-NL" sz="1100" b="0" i="0" u="none" strike="noStrike" dirty="0">
-                <a:solidFill>
-                  <a:srgbClr val="000000"/>
-                </a:solidFill>
-                <a:effectLst/>
-                <a:latin typeface="Arial" panose="020B0604020202020204" pitchFamily="34" charset="0"/>
-              </a:rPr>
-              <a:t> </a:t>
-            </a:r>
-            <a:r>
-              <a:rPr lang="nl-NL" sz="1100" b="0" i="0" u="none" strike="noStrike" dirty="0" err="1">
-                <a:solidFill>
-                  <a:srgbClr val="000000"/>
-                </a:solidFill>
-                <a:effectLst/>
-                <a:latin typeface="Arial" panose="020B0604020202020204" pitchFamily="34" charset="0"/>
-              </a:rPr>
-              <a:t>Colony</a:t>
-            </a:r>
-            <a:r>
-              <a:rPr lang="nl-NL" sz="1100" b="0" i="0" u="none" strike="noStrike" dirty="0">
-                <a:solidFill>
-                  <a:srgbClr val="000000"/>
-                </a:solidFill>
-                <a:effectLst/>
-                <a:latin typeface="Arial" panose="020B0604020202020204" pitchFamily="34" charset="0"/>
-              </a:rPr>
-              <a:t> </a:t>
-            </a:r>
-            <a:r>
-              <a:rPr lang="nl-NL" sz="1100" b="0" i="0" u="none" strike="noStrike" dirty="0" err="1">
-                <a:solidFill>
-                  <a:srgbClr val="000000"/>
-                </a:solidFill>
-                <a:effectLst/>
-                <a:latin typeface="Arial" panose="020B0604020202020204" pitchFamily="34" charset="0"/>
-              </a:rPr>
-              <a:t>optimization</a:t>
-            </a:r>
-            <a:r>
-              <a:rPr lang="nl-NL" sz="1100" b="0" i="0" u="none" strike="noStrike" dirty="0">
-                <a:solidFill>
-                  <a:srgbClr val="000000"/>
-                </a:solidFill>
-                <a:effectLst/>
-                <a:latin typeface="Arial" panose="020B0604020202020204" pitchFamily="34" charset="0"/>
-              </a:rPr>
-              <a:t> </a:t>
-            </a:r>
-            <a:r>
-              <a:rPr lang="nl-NL" sz="1100" b="0" i="0" u="none" strike="noStrike" dirty="0" err="1">
-                <a:solidFill>
-                  <a:srgbClr val="000000"/>
-                </a:solidFill>
-                <a:effectLst/>
-                <a:latin typeface="Arial" panose="020B0604020202020204" pitchFamily="34" charset="0"/>
-              </a:rPr>
-              <a:t>Algorithm</a:t>
-            </a:r>
-            <a:r>
-              <a:rPr lang="nl-NL" sz="1100" b="0" i="0" u="none" strike="noStrike" dirty="0">
-                <a:solidFill>
-                  <a:srgbClr val="000000"/>
-                </a:solidFill>
-                <a:effectLst/>
-                <a:latin typeface="Arial" panose="020B0604020202020204" pitchFamily="34" charset="0"/>
-              </a:rPr>
-              <a:t>)</a:t>
-            </a:r>
-          </a:p>
-          <a:p>
-            <a:pPr marL="1143000" lvl="2" indent="-228600" rtl="0" fontAlgn="base">
-              <a:spcBef>
-                <a:spcPts val="0"/>
-              </a:spcBef>
-              <a:spcAft>
-                <a:spcPts val="1200"/>
-              </a:spcAft>
-              <a:buFont typeface="+mj-lt"/>
-              <a:buAutoNum type="arabicPeriod"/>
-            </a:pPr>
-            <a:endParaRPr lang="nl-NL" sz="1100" dirty="0">
-              <a:solidFill>
-                <a:srgbClr val="000000"/>
-              </a:solidFill>
-              <a:latin typeface="Arial" panose="020B0604020202020204" pitchFamily="34" charset="0"/>
-            </a:endParaRPr>
-          </a:p>
-          <a:p>
-            <a:pPr rtl="0" fontAlgn="base">
-              <a:spcBef>
-                <a:spcPts val="1200"/>
-              </a:spcBef>
-              <a:spcAft>
-                <a:spcPts val="0"/>
-              </a:spcAft>
-              <a:buFont typeface="Arial" panose="020B0604020202020204" pitchFamily="34" charset="0"/>
-              <a:buChar char="•"/>
-            </a:pPr>
-            <a:r>
-              <a:rPr lang="nl-NL" sz="1800" b="0" i="0" u="none" strike="noStrike" dirty="0">
-                <a:solidFill>
-                  <a:srgbClr val="000000"/>
-                </a:solidFill>
-                <a:effectLst/>
-                <a:latin typeface="Arial" panose="020B0604020202020204" pitchFamily="34" charset="0"/>
-              </a:rPr>
-              <a:t>Optie: </a:t>
-            </a:r>
-            <a:r>
-              <a:rPr lang="nl-NL" sz="1800" b="0" i="0" u="none" strike="noStrike" dirty="0" err="1">
-                <a:solidFill>
-                  <a:srgbClr val="000000"/>
-                </a:solidFill>
-                <a:effectLst/>
-                <a:latin typeface="Arial" panose="020B0604020202020204" pitchFamily="34" charset="0"/>
-              </a:rPr>
-              <a:t>constraint</a:t>
-            </a:r>
-            <a:r>
-              <a:rPr lang="nl-NL" sz="1800" b="0" i="0" u="none" strike="noStrike" dirty="0">
-                <a:solidFill>
-                  <a:srgbClr val="000000"/>
-                </a:solidFill>
-                <a:effectLst/>
-                <a:latin typeface="Arial" panose="020B0604020202020204" pitchFamily="34" charset="0"/>
-              </a:rPr>
-              <a:t> </a:t>
-            </a:r>
-            <a:r>
-              <a:rPr lang="nl-NL" sz="1800" b="0" i="0" u="none" strike="noStrike" dirty="0" err="1">
-                <a:solidFill>
-                  <a:srgbClr val="000000"/>
-                </a:solidFill>
-                <a:effectLst/>
-                <a:latin typeface="Arial" panose="020B0604020202020204" pitchFamily="34" charset="0"/>
-              </a:rPr>
-              <a:t>relaxation</a:t>
-            </a:r>
-            <a:r>
-              <a:rPr lang="nl-NL" sz="1800" b="0" i="0" u="none" strike="noStrike" dirty="0">
-                <a:solidFill>
-                  <a:srgbClr val="000000"/>
-                </a:solidFill>
-                <a:effectLst/>
-                <a:latin typeface="Arial" panose="020B0604020202020204" pitchFamily="34" charset="0"/>
-              </a:rPr>
-              <a:t> -&gt; strafpunten in plaats van ongeldig rooster voor 3 tussensloten</a:t>
-            </a:r>
-          </a:p>
-          <a:p>
-            <a:pPr marL="1143000" lvl="2" indent="-228600" rtl="0" fontAlgn="base">
-              <a:spcBef>
-                <a:spcPts val="0"/>
-              </a:spcBef>
-              <a:spcAft>
-                <a:spcPts val="1200"/>
-              </a:spcAft>
-              <a:buFont typeface="+mj-lt"/>
-              <a:buAutoNum type="arabicPeriod"/>
-            </a:pPr>
-            <a:endParaRPr lang="nl-NL" sz="1100" dirty="0">
-              <a:solidFill>
-                <a:srgbClr val="000000"/>
-              </a:solidFill>
-              <a:latin typeface="Arial" panose="020B0604020202020204" pitchFamily="34" charset="0"/>
-            </a:endParaRPr>
-          </a:p>
-        </p:txBody>
-      </p:sp>
+      </p:pic>
     </p:spTree>
     <p:extLst>
       <p:ext uri="{BB962C8B-B14F-4D97-AF65-F5344CB8AC3E}">
-        <p14:creationId xmlns:p14="http://schemas.microsoft.com/office/powerpoint/2010/main" val="111285324"/>
+        <p14:creationId xmlns:p14="http://schemas.microsoft.com/office/powerpoint/2010/main" val="236614511"/>
       </p:ext>
     </p:extLst>
   </p:cSld>
@@ -6610,51 +6683,10 @@
       </p:grpSpPr>
       <p:sp>
         <p:nvSpPr>
-          <p:cNvPr id="2" name="Titel 1">
-            <a:extLst>
-              <a:ext uri="{FF2B5EF4-FFF2-40B4-BE49-F238E27FC236}">
-                <a16:creationId xmlns:a16="http://schemas.microsoft.com/office/drawing/2014/main" id="{A2664E39-8E83-472C-8F2D-0EA90F1A5498}"/>
-              </a:ext>
-            </a:extLst>
-          </p:cNvPr>
-          <p:cNvSpPr>
-            <a:spLocks noGrp="1"/>
-          </p:cNvSpPr>
-          <p:nvPr>
-            <p:ph type="title"/>
-          </p:nvPr>
-        </p:nvSpPr>
-        <p:spPr/>
-        <p:txBody>
-          <a:bodyPr/>
-          <a:lstStyle/>
-          <a:p>
-            <a:r>
-              <a:rPr lang="en-US" dirty="0" err="1"/>
-              <a:t>Opzet</a:t>
-            </a:r>
-            <a:r>
-              <a:rPr lang="en-US" dirty="0"/>
-              <a:t> </a:t>
-            </a:r>
-            <a:r>
-              <a:rPr lang="en-US" dirty="0" err="1"/>
-              <a:t>algoritmen</a:t>
-            </a:r>
-            <a:r>
-              <a:rPr lang="en-US" dirty="0"/>
-              <a:t>	</a:t>
-            </a:r>
-            <a:endParaRPr lang="nl-NL" dirty="0"/>
-          </a:p>
-        </p:txBody>
-      </p:sp>
-      <p:sp>
-        <p:nvSpPr>
           <p:cNvPr id="3" name="Tijdelijke aanduiding voor inhoud 2">
             <a:extLst>
               <a:ext uri="{FF2B5EF4-FFF2-40B4-BE49-F238E27FC236}">
-                <a16:creationId xmlns:a16="http://schemas.microsoft.com/office/drawing/2014/main" id="{9BBE8BDB-8957-4257-9B1F-91DBEEA64B9E}"/>
+                <a16:creationId xmlns:a16="http://schemas.microsoft.com/office/drawing/2014/main" id="{90F0171F-47B0-4AA7-946F-0CAE5DC35216}"/>
               </a:ext>
             </a:extLst>
           </p:cNvPr>
@@ -6670,81 +6702,116 @@
           <a:bodyPr/>
           <a:lstStyle/>
           <a:p>
-            <a:r>
-              <a:rPr lang="nl-NL" sz="2800" dirty="0">
-                <a:solidFill>
-                  <a:srgbClr val="000000"/>
-                </a:solidFill>
-                <a:latin typeface="Arial" panose="020B0604020202020204" pitchFamily="34" charset="0"/>
-              </a:rPr>
-              <a:t>(in eerste instantie) keuzes voor minimale hoeveelheid lessen rekening houdend met maximaal aantal studenten per les, evenwichtige indeling studenten over lessen</a:t>
-            </a:r>
-          </a:p>
-          <a:p>
-            <a:r>
-              <a:rPr lang="nl-NL" dirty="0">
-                <a:solidFill>
-                  <a:srgbClr val="000000"/>
-                </a:solidFill>
-                <a:latin typeface="Arial" panose="020B0604020202020204" pitchFamily="34" charset="0"/>
-              </a:rPr>
-              <a:t>Iteratief </a:t>
-            </a:r>
-            <a:r>
-              <a:rPr lang="nl-NL" dirty="0" err="1">
-                <a:solidFill>
-                  <a:srgbClr val="000000"/>
-                </a:solidFill>
-                <a:latin typeface="Arial" panose="020B0604020202020204" pitchFamily="34" charset="0"/>
-              </a:rPr>
-              <a:t>Hillclimber</a:t>
-            </a:r>
-            <a:r>
-              <a:rPr lang="nl-NL" dirty="0">
-                <a:solidFill>
-                  <a:srgbClr val="000000"/>
-                </a:solidFill>
-                <a:latin typeface="Arial" panose="020B0604020202020204" pitchFamily="34" charset="0"/>
-              </a:rPr>
-              <a:t>: lessen verdelen over rooster</a:t>
-            </a:r>
-          </a:p>
-          <a:p>
-            <a:r>
-              <a:rPr lang="nl-NL" dirty="0">
-                <a:solidFill>
-                  <a:srgbClr val="000000"/>
-                </a:solidFill>
-                <a:latin typeface="Arial" panose="020B0604020202020204" pitchFamily="34" charset="0"/>
-              </a:rPr>
-              <a:t>Lessen anders opdelen -&gt; opnieuw Iteratief </a:t>
-            </a:r>
-            <a:r>
-              <a:rPr lang="nl-NL" dirty="0" err="1">
-                <a:solidFill>
-                  <a:srgbClr val="000000"/>
-                </a:solidFill>
-                <a:latin typeface="Arial" panose="020B0604020202020204" pitchFamily="34" charset="0"/>
-              </a:rPr>
-              <a:t>Hillclimber</a:t>
-            </a:r>
-            <a:endParaRPr lang="nl-NL" dirty="0">
-              <a:solidFill>
-                <a:srgbClr val="000000"/>
-              </a:solidFill>
-              <a:latin typeface="Arial" panose="020B0604020202020204" pitchFamily="34" charset="0"/>
-            </a:endParaRPr>
-          </a:p>
-          <a:p>
-            <a:r>
-              <a:rPr lang="nl-NL" dirty="0">
-                <a:solidFill>
-                  <a:srgbClr val="000000"/>
-                </a:solidFill>
-                <a:latin typeface="Arial" panose="020B0604020202020204" pitchFamily="34" charset="0"/>
-              </a:rPr>
-              <a:t>Studenten (her)verdelen over lessen</a:t>
-            </a:r>
+            <a:pPr rtl="0" fontAlgn="base">
+              <a:spcBef>
+                <a:spcPts val="1200"/>
+              </a:spcBef>
+              <a:spcAft>
+                <a:spcPts val="0"/>
+              </a:spcAft>
+              <a:buFont typeface="Arial" panose="020B0604020202020204" pitchFamily="34" charset="0"/>
+              <a:buChar char="•"/>
+            </a:pPr>
+            <a:r>
+              <a:rPr lang="nl-NL" sz="1100" b="0" i="0" u="none" strike="noStrike" dirty="0">
+                <a:solidFill>
+                  <a:srgbClr val="000000"/>
+                </a:solidFill>
+                <a:effectLst/>
+                <a:latin typeface="Arial" panose="020B0604020202020204" pitchFamily="34" charset="0"/>
+              </a:rPr>
+              <a:t>Resultaten</a:t>
+            </a:r>
+          </a:p>
+          <a:p>
+            <a:pPr marL="742950" lvl="1" indent="-285750" rtl="0" fontAlgn="base">
+              <a:spcBef>
+                <a:spcPts val="0"/>
+              </a:spcBef>
+              <a:spcAft>
+                <a:spcPts val="0"/>
+              </a:spcAft>
+              <a:buFont typeface="Arial" panose="020B0604020202020204" pitchFamily="34" charset="0"/>
+              <a:buChar char="•"/>
+            </a:pPr>
+            <a:r>
+              <a:rPr lang="nl-NL" sz="1100" b="0" i="0" u="none" strike="noStrike" dirty="0">
+                <a:solidFill>
+                  <a:srgbClr val="000000"/>
+                </a:solidFill>
+                <a:effectLst/>
+                <a:latin typeface="Arial" panose="020B0604020202020204" pitchFamily="34" charset="0"/>
+              </a:rPr>
+              <a:t>Heel droog</a:t>
+            </a:r>
+          </a:p>
+          <a:p>
+            <a:pPr marL="742950" lvl="1" indent="-285750" rtl="0" fontAlgn="base">
+              <a:spcBef>
+                <a:spcPts val="0"/>
+              </a:spcBef>
+              <a:spcAft>
+                <a:spcPts val="0"/>
+              </a:spcAft>
+              <a:buFont typeface="Arial" panose="020B0604020202020204" pitchFamily="34" charset="0"/>
+              <a:buChar char="•"/>
+            </a:pPr>
+            <a:r>
+              <a:rPr lang="nl-NL" sz="1100" b="0" i="0" u="none" strike="noStrike" dirty="0">
+                <a:solidFill>
+                  <a:srgbClr val="000000"/>
+                </a:solidFill>
+                <a:effectLst/>
+                <a:latin typeface="Arial" panose="020B0604020202020204" pitchFamily="34" charset="0"/>
+              </a:rPr>
+              <a:t>Alleen de algoritmes die je nuttig acht</a:t>
+            </a:r>
+          </a:p>
+          <a:p>
+            <a:pPr marL="742950" lvl="1" indent="-285750" rtl="0" fontAlgn="base">
+              <a:spcBef>
+                <a:spcPts val="0"/>
+              </a:spcBef>
+              <a:spcAft>
+                <a:spcPts val="0"/>
+              </a:spcAft>
+              <a:buFont typeface="Arial" panose="020B0604020202020204" pitchFamily="34" charset="0"/>
+              <a:buChar char="•"/>
+            </a:pPr>
+            <a:r>
+              <a:rPr lang="nl-NL" sz="1100" b="0" i="0" u="none" strike="noStrike" dirty="0">
+                <a:solidFill>
+                  <a:srgbClr val="000000"/>
+                </a:solidFill>
+                <a:effectLst/>
+                <a:latin typeface="Arial" panose="020B0604020202020204" pitchFamily="34" charset="0"/>
+              </a:rPr>
+              <a:t>Duidelijke tabellen per gebruikt algoritme en in vergelijking tussen algoritmes</a:t>
+            </a:r>
+          </a:p>
+          <a:p>
+            <a:pPr marL="742950" lvl="1" indent="-285750" rtl="0" fontAlgn="base">
+              <a:spcBef>
+                <a:spcPts val="0"/>
+              </a:spcBef>
+              <a:spcAft>
+                <a:spcPts val="1200"/>
+              </a:spcAft>
+              <a:buFont typeface="Arial" panose="020B0604020202020204" pitchFamily="34" charset="0"/>
+              <a:buChar char="•"/>
+            </a:pPr>
+            <a:r>
+              <a:rPr lang="nl-NL" sz="1100" b="0" i="0" u="none" strike="noStrike" dirty="0">
+                <a:solidFill>
+                  <a:srgbClr val="000000"/>
+                </a:solidFill>
+                <a:effectLst/>
+                <a:latin typeface="Arial" panose="020B0604020202020204" pitchFamily="34" charset="0"/>
+              </a:rPr>
+              <a:t>Grafieken moeten goed opgemaakt zijn</a:t>
+            </a:r>
+          </a:p>
+          <a:p>
             <a:endParaRPr lang="nl-NL" dirty="0"/>
           </a:p>
         </p:txBody>
@@ -6752,7 +6819,7 @@
     </p:spTree>
     <p:extLst>
       <p:ext uri="{BB962C8B-B14F-4D97-AF65-F5344CB8AC3E}">
-        <p14:creationId xmlns:p14="http://schemas.microsoft.com/office/powerpoint/2010/main" val="236614511"/>
+        <p14:creationId xmlns:p14="http://schemas.microsoft.com/office/powerpoint/2010/main" val="3987626164"/>
       </p:ext>
     </p:extLst>
   </p:cSld>
@@ -6781,116 +6848,35 @@
       </p:grpSpPr>
       <p:sp>
         <p:nvSpPr>
-          <p:cNvPr id="3" name="Tijdelijke aanduiding voor inhoud 2">
-            <a:extLst>
-              <a:ext uri="{FF2B5EF4-FFF2-40B4-BE49-F238E27FC236}">
-                <a16:creationId xmlns:a16="http://schemas.microsoft.com/office/drawing/2014/main" id="{90F0171F-47B0-4AA7-946F-0CAE5DC35216}"/>
-              </a:ext>
-            </a:extLst>
-          </p:cNvPr>
-          <p:cNvSpPr>
-            <a:spLocks noGrp="1"/>
-          </p:cNvSpPr>
-          <p:nvPr>
-            <p:ph idx="1"/>
-          </p:nvPr>
-        </p:nvSpPr>
-        <p:spPr/>
-        <p:txBody>
-          <a:bodyPr/>
+          <p:cNvPr id="5" name="Tekstvak 4">
+            <a:extLst>
+              <a:ext uri="{FF2B5EF4-FFF2-40B4-BE49-F238E27FC236}">
+                <a16:creationId xmlns:a16="http://schemas.microsoft.com/office/drawing/2014/main" id="{8DBEF566-0DAD-4306-BCFF-6C2AC8BE5D4A}"/>
+              </a:ext>
+            </a:extLst>
+          </p:cNvPr>
+          <p:cNvSpPr txBox="1"/>
+          <p:nvPr/>
+        </p:nvSpPr>
+        <p:spPr>
+          <a:xfrm>
+            <a:off x="3047260" y="3246553"/>
+            <a:ext cx="6094520" cy="369332"/>
+          </a:xfrm>
+          <a:prstGeom prst="rect">
+            <a:avLst/>
+          </a:prstGeom>
+          <a:noFill/>
+        </p:spPr>
+        <p:txBody>
+          <a:bodyPr wrap="square">
+            <a:spAutoFit/>
+          </a:bodyPr>
           <a:lstStyle/>
           <a:p>
             <a:pPr rtl="0" fontAlgn="base">
               <a:spcBef>
                 <a:spcPts val="1200"/>
-              </a:spcBef>
-              <a:spcAft>
-                <a:spcPts val="0"/>
-              </a:spcAft>
-              <a:buFont typeface="Arial" panose="020B0604020202020204" pitchFamily="34" charset="0"/>
-              <a:buChar char="•"/>
-            </a:pPr>
-            <a:r>
-              <a:rPr lang="nl-NL" sz="1100" b="0" i="0" u="none" strike="noStrike" dirty="0">
-                <a:solidFill>
-                  <a:srgbClr val="000000"/>
-                </a:solidFill>
-                <a:effectLst/>
-                <a:latin typeface="Arial" panose="020B0604020202020204" pitchFamily="34" charset="0"/>
-              </a:rPr>
-              <a:t>Resultaten</a:t>
-            </a:r>
-          </a:p>
-          <a:p>
-            <a:pPr marL="742950" lvl="1" indent="-285750" rtl="0" fontAlgn="base">
-              <a:spcBef>
-                <a:spcPts val="0"/>
-              </a:spcBef>
-              <a:spcAft>
-                <a:spcPts val="0"/>
-              </a:spcAft>
-              <a:buFont typeface="Arial" panose="020B0604020202020204" pitchFamily="34" charset="0"/>
-              <a:buChar char="•"/>
-            </a:pPr>
-            <a:r>
-              <a:rPr lang="nl-NL" sz="1100" b="0" i="0" u="none" strike="noStrike" dirty="0">
-                <a:solidFill>
-                  <a:srgbClr val="000000"/>
-                </a:solidFill>
-                <a:effectLst/>
-                <a:latin typeface="Arial" panose="020B0604020202020204" pitchFamily="34" charset="0"/>
-              </a:rPr>
-              <a:t>Heel droog</a:t>
-            </a:r>
-          </a:p>
-          <a:p>
-            <a:pPr marL="742950" lvl="1" indent="-285750" rtl="0" fontAlgn="base">
-              <a:spcBef>
-                <a:spcPts val="0"/>
-              </a:spcBef>
-              <a:spcAft>
-                <a:spcPts val="0"/>
-              </a:spcAft>
-              <a:buFont typeface="Arial" panose="020B0604020202020204" pitchFamily="34" charset="0"/>
-              <a:buChar char="•"/>
-            </a:pPr>
-            <a:r>
-              <a:rPr lang="nl-NL" sz="1100" b="0" i="0" u="none" strike="noStrike" dirty="0">
-                <a:solidFill>
-                  <a:srgbClr val="000000"/>
-                </a:solidFill>
-                <a:effectLst/>
-                <a:latin typeface="Arial" panose="020B0604020202020204" pitchFamily="34" charset="0"/>
-              </a:rPr>
-              <a:t>Alleen de algoritmes die je nuttig acht</a:t>
-            </a:r>
-          </a:p>
-          <a:p>
-            <a:pPr marL="742950" lvl="1" indent="-285750" rtl="0" fontAlgn="base">
-              <a:spcBef>
-                <a:spcPts val="0"/>
-              </a:spcBef>
-              <a:spcAft>
-                <a:spcPts val="0"/>
-              </a:spcAft>
-              <a:buFont typeface="Arial" panose="020B0604020202020204" pitchFamily="34" charset="0"/>
-              <a:buChar char="•"/>
-            </a:pPr>
-            <a:r>
-              <a:rPr lang="nl-NL" sz="1100" b="0" i="0" u="none" strike="noStrike" dirty="0">
-                <a:solidFill>
-                  <a:srgbClr val="000000"/>
-                </a:solidFill>
-                <a:effectLst/>
-                <a:latin typeface="Arial" panose="020B0604020202020204" pitchFamily="34" charset="0"/>
-              </a:rPr>
-              <a:t>Duidelijke tabellen per gebruikt algoritme en in vergelijking tussen algoritmes</a:t>
-            </a:r>
-          </a:p>
-          <a:p>
-            <a:pPr marL="742950" lvl="1" indent="-285750" rtl="0" fontAlgn="base">
-              <a:spcBef>
-                <a:spcPts val="0"/>
               </a:spcBef>
               <a:spcAft>
                 <a:spcPts val="1200"/>
@@ -6899,25 +6885,22 @@
               <a:buChar char="•"/>
             </a:pPr>
             <a:r>
-              <a:rPr lang="nl-NL" sz="1100" b="0" i="0" u="none" strike="noStrike" dirty="0">
-                <a:solidFill>
-                  <a:srgbClr val="000000"/>
-                </a:solidFill>
-                <a:effectLst/>
-                <a:latin typeface="Arial" panose="020B0604020202020204" pitchFamily="34" charset="0"/>
-              </a:rPr>
-              <a:t>Grafieken moeten goed opgemaakt zijn</a:t>
-            </a:r>
-          </a:p>
-          <a:p>
-            <a:endParaRPr lang="nl-NL" dirty="0"/>
+              <a:rPr lang="nl-NL" sz="1800" b="0" i="0" u="none" strike="noStrike" dirty="0">
+                <a:solidFill>
+                  <a:srgbClr val="000000"/>
+                </a:solidFill>
+                <a:effectLst/>
+                <a:latin typeface="Arial" panose="020B0604020202020204" pitchFamily="34" charset="0"/>
+              </a:rPr>
+              <a:t>Discussie</a:t>
+            </a:r>
           </a:p>
         </p:txBody>
       </p:sp>
     </p:spTree>
     <p:extLst>
       <p:ext uri="{BB962C8B-B14F-4D97-AF65-F5344CB8AC3E}">
-        <p14:creationId xmlns:p14="http://schemas.microsoft.com/office/powerpoint/2010/main" val="3987626164"/>
+        <p14:creationId xmlns:p14="http://schemas.microsoft.com/office/powerpoint/2010/main" val="4164831129"/>
       </p:ext>
     </p:extLst>
   </p:cSld>
@@ -6949,7 +6932,7 @@
           <p:cNvPr id="5" name="Tekstvak 4">
             <a:extLst>
               <a:ext uri="{FF2B5EF4-FFF2-40B4-BE49-F238E27FC236}">
-                <a16:creationId xmlns:a16="http://schemas.microsoft.com/office/drawing/2014/main" id="{8DBEF566-0DAD-4306-BCFF-6C2AC8BE5D4A}"/>
+                <a16:creationId xmlns:a16="http://schemas.microsoft.com/office/drawing/2014/main" id="{9EEF8240-41E5-4E73-8A05-AF5DC56499E5}"/>
               </a:ext>
             </a:extLst>
           </p:cNvPr>
@@ -6959,7 +6942,7 @@
         <p:spPr>
           <a:xfrm>
             <a:off x="3047260" y="3246553"/>
-            <a:ext cx="6094520" cy="369332"/>
+            <a:ext cx="6094520" cy="1538883"/>
           </a:xfrm>
           <a:prstGeom prst="rect">
             <a:avLst/>
@@ -6990,15 +6973,82 @@
                 <a:effectLst/>
                 <a:latin typeface="Arial" panose="020B0604020202020204" pitchFamily="34" charset="0"/>
               </a:rPr>
-              <a:t>Discussie</a:t>
-            </a:r>
+              <a:t>Conclusie</a:t>
+            </a:r>
+          </a:p>
+          <a:p>
+            <a:pPr rtl="0" fontAlgn="base">
+              <a:spcBef>
+                <a:spcPts val="1200"/>
+              </a:spcBef>
+              <a:spcAft>
+                <a:spcPts val="1200"/>
+              </a:spcAft>
+              <a:buFont typeface="Arial" panose="020B0604020202020204" pitchFamily="34" charset="0"/>
+              <a:buChar char="•"/>
+            </a:pPr>
+            <a:endParaRPr lang="nl-NL" dirty="0">
+              <a:solidFill>
+                <a:srgbClr val="000000"/>
+              </a:solidFill>
+              <a:latin typeface="Arial" panose="020B0604020202020204" pitchFamily="34" charset="0"/>
+            </a:endParaRPr>
+          </a:p>
+          <a:p>
+            <a:pPr rtl="0" fontAlgn="base">
+              <a:spcBef>
+                <a:spcPts val="1200"/>
+              </a:spcBef>
+              <a:spcAft>
+                <a:spcPts val="1200"/>
+              </a:spcAft>
+              <a:buFont typeface="Arial" panose="020B0604020202020204" pitchFamily="34" charset="0"/>
+              <a:buChar char="•"/>
+            </a:pPr>
+            <a:r>
+              <a:rPr lang="nl-NL" sz="1800" b="0" i="0" u="none" strike="noStrike" dirty="0" err="1">
+                <a:solidFill>
+                  <a:srgbClr val="000000"/>
+                </a:solidFill>
+                <a:effectLst/>
+                <a:latin typeface="Arial" panose="020B0604020202020204" pitchFamily="34" charset="0"/>
+              </a:rPr>
+              <a:t>Future</a:t>
+            </a:r>
+            <a:r>
+              <a:rPr lang="nl-NL" sz="1800" b="0" i="0" u="none" strike="noStrike" dirty="0">
+                <a:solidFill>
+                  <a:srgbClr val="000000"/>
+                </a:solidFill>
+                <a:effectLst/>
+                <a:latin typeface="Arial" panose="020B0604020202020204" pitchFamily="34" charset="0"/>
+              </a:rPr>
+              <a:t> </a:t>
+            </a:r>
+            <a:r>
+              <a:rPr lang="nl-NL" sz="1800" b="0" i="0" u="none" strike="noStrike">
+                <a:solidFill>
+                  <a:srgbClr val="000000"/>
+                </a:solidFill>
+                <a:effectLst/>
+                <a:latin typeface="Arial" panose="020B0604020202020204" pitchFamily="34" charset="0"/>
+              </a:rPr>
+              <a:t>work</a:t>
+            </a:r>
+            <a:endParaRPr lang="nl-NL" sz="1800" b="0" i="0" u="none" strike="noStrike" dirty="0">
+              <a:solidFill>
+                <a:srgbClr val="000000"/>
+              </a:solidFill>
+              <a:effectLst/>
+              <a:latin typeface="Arial" panose="020B0604020202020204" pitchFamily="34" charset="0"/>
+            </a:endParaRPr>
           </a:p>
         </p:txBody>
       </p:sp>
     </p:spTree>
     <p:extLst>
       <p:ext uri="{BB962C8B-B14F-4D97-AF65-F5344CB8AC3E}">
-        <p14:creationId xmlns:p14="http://schemas.microsoft.com/office/powerpoint/2010/main" val="4164831129"/>
+        <p14:creationId xmlns:p14="http://schemas.microsoft.com/office/powerpoint/2010/main" val="3804910339"/>
       </p:ext>
     </p:extLst>
   </p:cSld>
